--- a/Image/diagram.pptx
+++ b/Image/diagram.pptx
@@ -5,10 +5,11 @@
     <p:sldMasterId id="2147483648" r:id="rId1"/>
   </p:sldMasterIdLst>
   <p:notesMasterIdLst>
-    <p:notesMasterId r:id="rId3"/>
+    <p:notesMasterId r:id="rId4"/>
   </p:notesMasterIdLst>
   <p:sldIdLst>
     <p:sldId id="256" r:id="rId2"/>
+    <p:sldId id="257" r:id="rId3"/>
   </p:sldIdLst>
   <p:sldSz cx="12192000" cy="6858000"/>
   <p:notesSz cx="6858000" cy="9144000"/>
@@ -164,7 +165,7 @@
             </a:lvl1pPr>
           </a:lstStyle>
           <a:p>
-            <a:endParaRPr lang="en-US"/>
+            <a:endParaRPr lang="en-US" dirty="0"/>
           </a:p>
         </p:txBody>
       </p:sp>
@@ -197,9 +198,9 @@
           <a:p>
             <a:fld id="{E2DF6F10-32C9-6D49-B545-297802306946}" type="datetimeFigureOut">
               <a:rPr lang="en-US" smtClean="0"/>
-              <a:t>10/26/22</a:t>
+              <a:t>10/26/2022</a:t>
             </a:fld>
-            <a:endParaRPr lang="en-US"/>
+            <a:endParaRPr lang="en-US" dirty="0"/>
           </a:p>
         </p:txBody>
       </p:sp>
@@ -232,7 +233,7 @@
           <a:bodyPr vert="horz" lIns="91440" tIns="45720" rIns="91440" bIns="45720" rtlCol="0" anchor="ctr"/>
           <a:lstStyle/>
           <a:p>
-            <a:endParaRPr lang="en-US"/>
+            <a:endParaRPr lang="en-US" dirty="0"/>
           </a:p>
         </p:txBody>
       </p:sp>
@@ -322,7 +323,7 @@
             </a:lvl1pPr>
           </a:lstStyle>
           <a:p>
-            <a:endParaRPr lang="en-US"/>
+            <a:endParaRPr lang="en-US" dirty="0"/>
           </a:p>
         </p:txBody>
       </p:sp>
@@ -357,7 +358,7 @@
               <a:rPr lang="en-US" smtClean="0"/>
               <a:t>‹#›</a:t>
             </a:fld>
-            <a:endParaRPr lang="en-US"/>
+            <a:endParaRPr lang="en-US" dirty="0"/>
           </a:p>
         </p:txBody>
       </p:sp>
@@ -531,7 +532,7 @@
               <a:rPr lang="en-US" smtClean="0"/>
               <a:t>1</a:t>
             </a:fld>
-            <a:endParaRPr lang="en-US"/>
+            <a:endParaRPr lang="en-US" dirty="0"/>
           </a:p>
         </p:txBody>
       </p:sp>
@@ -539,6 +540,90 @@
     <p:extLst>
       <p:ext uri="{BB962C8B-B14F-4D97-AF65-F5344CB8AC3E}">
         <p14:creationId xmlns:p14="http://schemas.microsoft.com/office/powerpoint/2010/main" val="4078714359"/>
+      </p:ext>
+    </p:extLst>
+  </p:cSld>
+  <p:clrMapOvr>
+    <a:masterClrMapping/>
+  </p:clrMapOvr>
+</p:notes>
+</file>
+
+<file path=ppt/notesSlides/notesSlide2.xml><?xml version="1.0" encoding="utf-8"?>
+<p:notes xmlns:a="http://schemas.openxmlformats.org/drawingml/2006/main" xmlns:r="http://schemas.openxmlformats.org/officeDocument/2006/relationships" xmlns:p="http://schemas.openxmlformats.org/presentationml/2006/main">
+  <p:cSld>
+    <p:spTree>
+      <p:nvGrpSpPr>
+        <p:cNvPr id="1" name=""/>
+        <p:cNvGrpSpPr/>
+        <p:nvPr/>
+      </p:nvGrpSpPr>
+      <p:grpSpPr>
+        <a:xfrm>
+          <a:off x="0" y="0"/>
+          <a:ext cx="0" cy="0"/>
+          <a:chOff x="0" y="0"/>
+          <a:chExt cx="0" cy="0"/>
+        </a:xfrm>
+      </p:grpSpPr>
+      <p:sp>
+        <p:nvSpPr>
+          <p:cNvPr id="2" name="Slide Image Placeholder 1"/>
+          <p:cNvSpPr>
+            <a:spLocks noGrp="1" noRot="1" noChangeAspect="1"/>
+          </p:cNvSpPr>
+          <p:nvPr>
+            <p:ph type="sldImg"/>
+          </p:nvPr>
+        </p:nvSpPr>
+        <p:spPr/>
+      </p:sp>
+      <p:sp>
+        <p:nvSpPr>
+          <p:cNvPr id="3" name="Notes Placeholder 2"/>
+          <p:cNvSpPr>
+            <a:spLocks noGrp="1"/>
+          </p:cNvSpPr>
+          <p:nvPr>
+            <p:ph type="body" idx="1"/>
+          </p:nvPr>
+        </p:nvSpPr>
+        <p:spPr/>
+        <p:txBody>
+          <a:bodyPr/>
+          <a:lstStyle/>
+          <a:p>
+            <a:endParaRPr lang="en-US" dirty="0"/>
+          </a:p>
+        </p:txBody>
+      </p:sp>
+      <p:sp>
+        <p:nvSpPr>
+          <p:cNvPr id="4" name="Slide Number Placeholder 3"/>
+          <p:cNvSpPr>
+            <a:spLocks noGrp="1"/>
+          </p:cNvSpPr>
+          <p:nvPr>
+            <p:ph type="sldNum" sz="quarter" idx="5"/>
+          </p:nvPr>
+        </p:nvSpPr>
+        <p:spPr/>
+        <p:txBody>
+          <a:bodyPr/>
+          <a:lstStyle/>
+          <a:p>
+            <a:fld id="{2B60BB80-278C-704F-B7C4-F250B40F1713}" type="slidenum">
+              <a:rPr lang="en-US" smtClean="0"/>
+              <a:t>2</a:t>
+            </a:fld>
+            <a:endParaRPr lang="en-US" dirty="0"/>
+          </a:p>
+        </p:txBody>
+      </p:sp>
+    </p:spTree>
+    <p:extLst>
+      <p:ext uri="{BB962C8B-B14F-4D97-AF65-F5344CB8AC3E}">
+        <p14:creationId xmlns:p14="http://schemas.microsoft.com/office/powerpoint/2010/main" val="2018729469"/>
       </p:ext>
     </p:extLst>
   </p:cSld>
@@ -695,9 +780,9 @@
           <a:p>
             <a:fld id="{4E29AAF0-7B44-EE46-A26F-D34BC02F6875}" type="datetimeFigureOut">
               <a:rPr lang="en-US" smtClean="0"/>
-              <a:t>10/26/22</a:t>
+              <a:t>10/26/2022</a:t>
             </a:fld>
-            <a:endParaRPr lang="en-US"/>
+            <a:endParaRPr lang="en-US" dirty="0"/>
           </a:p>
         </p:txBody>
       </p:sp>
@@ -722,7 +807,7 @@
           <a:bodyPr/>
           <a:lstStyle/>
           <a:p>
-            <a:endParaRPr lang="en-US"/>
+            <a:endParaRPr lang="en-US" dirty="0"/>
           </a:p>
         </p:txBody>
       </p:sp>
@@ -751,7 +836,7 @@
               <a:rPr lang="en-US" smtClean="0"/>
               <a:t>‹#›</a:t>
             </a:fld>
-            <a:endParaRPr lang="en-US"/>
+            <a:endParaRPr lang="en-US" dirty="0"/>
           </a:p>
         </p:txBody>
       </p:sp>
@@ -893,9 +978,9 @@
           <a:p>
             <a:fld id="{4E29AAF0-7B44-EE46-A26F-D34BC02F6875}" type="datetimeFigureOut">
               <a:rPr lang="en-US" smtClean="0"/>
-              <a:t>10/26/22</a:t>
+              <a:t>10/26/2022</a:t>
             </a:fld>
-            <a:endParaRPr lang="en-US"/>
+            <a:endParaRPr lang="en-US" dirty="0"/>
           </a:p>
         </p:txBody>
       </p:sp>
@@ -920,7 +1005,7 @@
           <a:bodyPr/>
           <a:lstStyle/>
           <a:p>
-            <a:endParaRPr lang="en-US"/>
+            <a:endParaRPr lang="en-US" dirty="0"/>
           </a:p>
         </p:txBody>
       </p:sp>
@@ -949,7 +1034,7 @@
               <a:rPr lang="en-US" smtClean="0"/>
               <a:t>‹#›</a:t>
             </a:fld>
-            <a:endParaRPr lang="en-US"/>
+            <a:endParaRPr lang="en-US" dirty="0"/>
           </a:p>
         </p:txBody>
       </p:sp>
@@ -1101,9 +1186,9 @@
           <a:p>
             <a:fld id="{4E29AAF0-7B44-EE46-A26F-D34BC02F6875}" type="datetimeFigureOut">
               <a:rPr lang="en-US" smtClean="0"/>
-              <a:t>10/26/22</a:t>
+              <a:t>10/26/2022</a:t>
             </a:fld>
-            <a:endParaRPr lang="en-US"/>
+            <a:endParaRPr lang="en-US" dirty="0"/>
           </a:p>
         </p:txBody>
       </p:sp>
@@ -1128,7 +1213,7 @@
           <a:bodyPr/>
           <a:lstStyle/>
           <a:p>
-            <a:endParaRPr lang="en-US"/>
+            <a:endParaRPr lang="en-US" dirty="0"/>
           </a:p>
         </p:txBody>
       </p:sp>
@@ -1157,7 +1242,7 @@
               <a:rPr lang="en-US" smtClean="0"/>
               <a:t>‹#›</a:t>
             </a:fld>
-            <a:endParaRPr lang="en-US"/>
+            <a:endParaRPr lang="en-US" dirty="0"/>
           </a:p>
         </p:txBody>
       </p:sp>
@@ -1299,9 +1384,9 @@
           <a:p>
             <a:fld id="{4E29AAF0-7B44-EE46-A26F-D34BC02F6875}" type="datetimeFigureOut">
               <a:rPr lang="en-US" smtClean="0"/>
-              <a:t>10/26/22</a:t>
+              <a:t>10/26/2022</a:t>
             </a:fld>
-            <a:endParaRPr lang="en-US"/>
+            <a:endParaRPr lang="en-US" dirty="0"/>
           </a:p>
         </p:txBody>
       </p:sp>
@@ -1326,7 +1411,7 @@
           <a:bodyPr/>
           <a:lstStyle/>
           <a:p>
-            <a:endParaRPr lang="en-US"/>
+            <a:endParaRPr lang="en-US" dirty="0"/>
           </a:p>
         </p:txBody>
       </p:sp>
@@ -1355,7 +1440,7 @@
               <a:rPr lang="en-US" smtClean="0"/>
               <a:t>‹#›</a:t>
             </a:fld>
-            <a:endParaRPr lang="en-US"/>
+            <a:endParaRPr lang="en-US" dirty="0"/>
           </a:p>
         </p:txBody>
       </p:sp>
@@ -1574,9 +1659,9 @@
           <a:p>
             <a:fld id="{4E29AAF0-7B44-EE46-A26F-D34BC02F6875}" type="datetimeFigureOut">
               <a:rPr lang="en-US" smtClean="0"/>
-              <a:t>10/26/22</a:t>
+              <a:t>10/26/2022</a:t>
             </a:fld>
-            <a:endParaRPr lang="en-US"/>
+            <a:endParaRPr lang="en-US" dirty="0"/>
           </a:p>
         </p:txBody>
       </p:sp>
@@ -1601,7 +1686,7 @@
           <a:bodyPr/>
           <a:lstStyle/>
           <a:p>
-            <a:endParaRPr lang="en-US"/>
+            <a:endParaRPr lang="en-US" dirty="0"/>
           </a:p>
         </p:txBody>
       </p:sp>
@@ -1630,7 +1715,7 @@
               <a:rPr lang="en-US" smtClean="0"/>
               <a:t>‹#›</a:t>
             </a:fld>
-            <a:endParaRPr lang="en-US"/>
+            <a:endParaRPr lang="en-US" dirty="0"/>
           </a:p>
         </p:txBody>
       </p:sp>
@@ -1839,9 +1924,9 @@
           <a:p>
             <a:fld id="{4E29AAF0-7B44-EE46-A26F-D34BC02F6875}" type="datetimeFigureOut">
               <a:rPr lang="en-US" smtClean="0"/>
-              <a:t>10/26/22</a:t>
+              <a:t>10/26/2022</a:t>
             </a:fld>
-            <a:endParaRPr lang="en-US"/>
+            <a:endParaRPr lang="en-US" dirty="0"/>
           </a:p>
         </p:txBody>
       </p:sp>
@@ -1866,7 +1951,7 @@
           <a:bodyPr/>
           <a:lstStyle/>
           <a:p>
-            <a:endParaRPr lang="en-US"/>
+            <a:endParaRPr lang="en-US" dirty="0"/>
           </a:p>
         </p:txBody>
       </p:sp>
@@ -1895,7 +1980,7 @@
               <a:rPr lang="en-US" smtClean="0"/>
               <a:t>‹#›</a:t>
             </a:fld>
-            <a:endParaRPr lang="en-US"/>
+            <a:endParaRPr lang="en-US" dirty="0"/>
           </a:p>
         </p:txBody>
       </p:sp>
@@ -2251,9 +2336,9 @@
           <a:p>
             <a:fld id="{4E29AAF0-7B44-EE46-A26F-D34BC02F6875}" type="datetimeFigureOut">
               <a:rPr lang="en-US" smtClean="0"/>
-              <a:t>10/26/22</a:t>
+              <a:t>10/26/2022</a:t>
             </a:fld>
-            <a:endParaRPr lang="en-US"/>
+            <a:endParaRPr lang="en-US" dirty="0"/>
           </a:p>
         </p:txBody>
       </p:sp>
@@ -2278,7 +2363,7 @@
           <a:bodyPr/>
           <a:lstStyle/>
           <a:p>
-            <a:endParaRPr lang="en-US"/>
+            <a:endParaRPr lang="en-US" dirty="0"/>
           </a:p>
         </p:txBody>
       </p:sp>
@@ -2307,7 +2392,7 @@
               <a:rPr lang="en-US" smtClean="0"/>
               <a:t>‹#›</a:t>
             </a:fld>
-            <a:endParaRPr lang="en-US"/>
+            <a:endParaRPr lang="en-US" dirty="0"/>
           </a:p>
         </p:txBody>
       </p:sp>
@@ -2392,9 +2477,9 @@
           <a:p>
             <a:fld id="{4E29AAF0-7B44-EE46-A26F-D34BC02F6875}" type="datetimeFigureOut">
               <a:rPr lang="en-US" smtClean="0"/>
-              <a:t>10/26/22</a:t>
+              <a:t>10/26/2022</a:t>
             </a:fld>
-            <a:endParaRPr lang="en-US"/>
+            <a:endParaRPr lang="en-US" dirty="0"/>
           </a:p>
         </p:txBody>
       </p:sp>
@@ -2419,7 +2504,7 @@
           <a:bodyPr/>
           <a:lstStyle/>
           <a:p>
-            <a:endParaRPr lang="en-US"/>
+            <a:endParaRPr lang="en-US" dirty="0"/>
           </a:p>
         </p:txBody>
       </p:sp>
@@ -2448,7 +2533,7 @@
               <a:rPr lang="en-US" smtClean="0"/>
               <a:t>‹#›</a:t>
             </a:fld>
-            <a:endParaRPr lang="en-US"/>
+            <a:endParaRPr lang="en-US" dirty="0"/>
           </a:p>
         </p:txBody>
       </p:sp>
@@ -2505,9 +2590,9 @@
           <a:p>
             <a:fld id="{4E29AAF0-7B44-EE46-A26F-D34BC02F6875}" type="datetimeFigureOut">
               <a:rPr lang="en-US" smtClean="0"/>
-              <a:t>10/26/22</a:t>
+              <a:t>10/26/2022</a:t>
             </a:fld>
-            <a:endParaRPr lang="en-US"/>
+            <a:endParaRPr lang="en-US" dirty="0"/>
           </a:p>
         </p:txBody>
       </p:sp>
@@ -2532,7 +2617,7 @@
           <a:bodyPr/>
           <a:lstStyle/>
           <a:p>
-            <a:endParaRPr lang="en-US"/>
+            <a:endParaRPr lang="en-US" dirty="0"/>
           </a:p>
         </p:txBody>
       </p:sp>
@@ -2561,7 +2646,7 @@
               <a:rPr lang="en-US" smtClean="0"/>
               <a:t>‹#›</a:t>
             </a:fld>
-            <a:endParaRPr lang="en-US"/>
+            <a:endParaRPr lang="en-US" dirty="0"/>
           </a:p>
         </p:txBody>
       </p:sp>
@@ -2816,9 +2901,9 @@
           <a:p>
             <a:fld id="{4E29AAF0-7B44-EE46-A26F-D34BC02F6875}" type="datetimeFigureOut">
               <a:rPr lang="en-US" smtClean="0"/>
-              <a:t>10/26/22</a:t>
+              <a:t>10/26/2022</a:t>
             </a:fld>
-            <a:endParaRPr lang="en-US"/>
+            <a:endParaRPr lang="en-US" dirty="0"/>
           </a:p>
         </p:txBody>
       </p:sp>
@@ -2843,7 +2928,7 @@
           <a:bodyPr/>
           <a:lstStyle/>
           <a:p>
-            <a:endParaRPr lang="en-US"/>
+            <a:endParaRPr lang="en-US" dirty="0"/>
           </a:p>
         </p:txBody>
       </p:sp>
@@ -2872,7 +2957,7 @@
               <a:rPr lang="en-US" smtClean="0"/>
               <a:t>‹#›</a:t>
             </a:fld>
-            <a:endParaRPr lang="en-US"/>
+            <a:endParaRPr lang="en-US" dirty="0"/>
           </a:p>
         </p:txBody>
       </p:sp>
@@ -3006,7 +3091,7 @@
             </a:lvl9pPr>
           </a:lstStyle>
           <a:p>
-            <a:endParaRPr lang="en-US"/>
+            <a:endParaRPr lang="en-US" dirty="0"/>
           </a:p>
         </p:txBody>
       </p:sp>
@@ -3104,9 +3189,9 @@
           <a:p>
             <a:fld id="{4E29AAF0-7B44-EE46-A26F-D34BC02F6875}" type="datetimeFigureOut">
               <a:rPr lang="en-US" smtClean="0"/>
-              <a:t>10/26/22</a:t>
+              <a:t>10/26/2022</a:t>
             </a:fld>
-            <a:endParaRPr lang="en-US"/>
+            <a:endParaRPr lang="en-US" dirty="0"/>
           </a:p>
         </p:txBody>
       </p:sp>
@@ -3131,7 +3216,7 @@
           <a:bodyPr/>
           <a:lstStyle/>
           <a:p>
-            <a:endParaRPr lang="en-US"/>
+            <a:endParaRPr lang="en-US" dirty="0"/>
           </a:p>
         </p:txBody>
       </p:sp>
@@ -3160,7 +3245,7 @@
               <a:rPr lang="en-US" smtClean="0"/>
               <a:t>‹#›</a:t>
             </a:fld>
-            <a:endParaRPr lang="en-US"/>
+            <a:endParaRPr lang="en-US" dirty="0"/>
           </a:p>
         </p:txBody>
       </p:sp>
@@ -3345,9 +3430,9 @@
           <a:p>
             <a:fld id="{4E29AAF0-7B44-EE46-A26F-D34BC02F6875}" type="datetimeFigureOut">
               <a:rPr lang="en-US" smtClean="0"/>
-              <a:t>10/26/22</a:t>
+              <a:t>10/26/2022</a:t>
             </a:fld>
-            <a:endParaRPr lang="en-US"/>
+            <a:endParaRPr lang="en-US" dirty="0"/>
           </a:p>
         </p:txBody>
       </p:sp>
@@ -3390,7 +3475,7 @@
             </a:lvl1pPr>
           </a:lstStyle>
           <a:p>
-            <a:endParaRPr lang="en-US"/>
+            <a:endParaRPr lang="en-US" dirty="0"/>
           </a:p>
         </p:txBody>
       </p:sp>
@@ -3437,7 +3522,7 @@
               <a:rPr lang="en-US" smtClean="0"/>
               <a:t>‹#›</a:t>
             </a:fld>
-            <a:endParaRPr lang="en-US"/>
+            <a:endParaRPr lang="en-US" dirty="0"/>
           </a:p>
         </p:txBody>
       </p:sp>
@@ -3762,41 +3847,12 @@
           <a:chExt cx="0" cy="0"/>
         </a:xfrm>
       </p:grpSpPr>
-      <p:pic>
-        <p:nvPicPr>
-          <p:cNvPr id="5" name="Picture 4" descr="A person holding a red shirt&#10;&#10;Description automatically generated with low confidence">
-            <a:extLst>
-              <a:ext uri="{FF2B5EF4-FFF2-40B4-BE49-F238E27FC236}">
-                <a16:creationId xmlns:a16="http://schemas.microsoft.com/office/drawing/2014/main" id="{1F684DC2-DCEA-FFEE-9747-CBCA06F75B7D}"/>
-              </a:ext>
-            </a:extLst>
-          </p:cNvPr>
-          <p:cNvPicPr>
-            <a:picLocks noChangeAspect="1"/>
-          </p:cNvPicPr>
-          <p:nvPr/>
-        </p:nvPicPr>
-        <p:blipFill rotWithShape="1">
-          <a:blip r:embed="rId3"/>
-          <a:srcRect l="20514" r="18016"/>
-          <a:stretch/>
-        </p:blipFill>
-        <p:spPr>
-          <a:xfrm>
-            <a:off x="8969085" y="850475"/>
-            <a:ext cx="2924695" cy="4866255"/>
-          </a:xfrm>
-          <a:prstGeom prst="rect">
-            <a:avLst/>
-          </a:prstGeom>
-        </p:spPr>
-      </p:pic>
       <p:grpSp>
         <p:nvGrpSpPr>
-          <p:cNvPr id="1063" name="Group 1062">
-            <a:extLst>
-              <a:ext uri="{FF2B5EF4-FFF2-40B4-BE49-F238E27FC236}">
-                <a16:creationId xmlns:a16="http://schemas.microsoft.com/office/drawing/2014/main" id="{69E9E644-B029-E55E-8F32-802BE401F846}"/>
+          <p:cNvPr id="2" name="组合 1">
+            <a:extLst>
+              <a:ext uri="{FF2B5EF4-FFF2-40B4-BE49-F238E27FC236}">
+                <a16:creationId xmlns:a16="http://schemas.microsoft.com/office/drawing/2014/main" id="{0C8D2596-82B2-1C22-D4B0-2038BF37B301}"/>
               </a:ext>
             </a:extLst>
           </p:cNvPr>
@@ -3805,18 +3861,47 @@
         </p:nvGrpSpPr>
         <p:grpSpPr>
           <a:xfrm>
-            <a:off x="8549072" y="3506922"/>
-            <a:ext cx="1152489" cy="365760"/>
-            <a:chOff x="8426051" y="2486063"/>
-            <a:chExt cx="1152489" cy="365760"/>
+            <a:off x="9094484" y="1995540"/>
+            <a:ext cx="1602068" cy="3135320"/>
+            <a:chOff x="8969085" y="850475"/>
+            <a:chExt cx="2924695" cy="4866255"/>
           </a:xfrm>
         </p:grpSpPr>
+        <p:pic>
+          <p:nvPicPr>
+            <p:cNvPr id="5" name="Picture 4" descr="A person holding a red shirt&#10;&#10;Description automatically generated with low confidence">
+              <a:extLst>
+                <a:ext uri="{FF2B5EF4-FFF2-40B4-BE49-F238E27FC236}">
+                  <a16:creationId xmlns:a16="http://schemas.microsoft.com/office/drawing/2014/main" id="{1F684DC2-DCEA-FFEE-9747-CBCA06F75B7D}"/>
+                </a:ext>
+              </a:extLst>
+            </p:cNvPr>
+            <p:cNvPicPr>
+              <a:picLocks noChangeAspect="1"/>
+            </p:cNvPicPr>
+            <p:nvPr/>
+          </p:nvPicPr>
+          <p:blipFill rotWithShape="1">
+            <a:blip r:embed="rId3"/>
+            <a:srcRect l="20514" r="18016"/>
+            <a:stretch/>
+          </p:blipFill>
+          <p:spPr>
+            <a:xfrm>
+              <a:off x="8969085" y="850475"/>
+              <a:ext cx="2924695" cy="4866255"/>
+            </a:xfrm>
+            <a:prstGeom prst="rect">
+              <a:avLst/>
+            </a:prstGeom>
+          </p:spPr>
+        </p:pic>
         <p:sp>
           <p:nvSpPr>
-            <p:cNvPr id="90" name="Oval 89">
+            <p:cNvPr id="28" name="Oval 27">
               <a:extLst>
                 <a:ext uri="{FF2B5EF4-FFF2-40B4-BE49-F238E27FC236}">
-                  <a16:creationId xmlns:a16="http://schemas.microsoft.com/office/drawing/2014/main" id="{6B46394F-F6BC-7964-5566-C155CE0F9CAC}"/>
+                  <a16:creationId xmlns:a16="http://schemas.microsoft.com/office/drawing/2014/main" id="{718CC454-A8A3-E086-94C5-513DD2158617}"/>
                 </a:ext>
               </a:extLst>
             </p:cNvPr>
@@ -3824,18 +3909,18 @@
             <p:nvPr/>
           </p:nvSpPr>
           <p:spPr>
-            <a:xfrm>
-              <a:off x="8426051" y="2486063"/>
-              <a:ext cx="365760" cy="365760"/>
+            <a:xfrm rot="20127732">
+              <a:off x="10049885" y="3728325"/>
+              <a:ext cx="84853" cy="53346"/>
             </a:xfrm>
             <a:prstGeom prst="ellipse">
               <a:avLst/>
             </a:prstGeom>
-            <a:noFill/>
-            <a:ln w="25400">
-              <a:solidFill>
-                <a:srgbClr val="00B0F0"/>
-              </a:solidFill>
+            <a:solidFill>
+              <a:schemeClr val="tx1"/>
+            </a:solidFill>
+            <a:ln>
+              <a:noFill/>
             </a:ln>
           </p:spPr>
           <p:style>
@@ -3859,62 +3944,209 @@
             <a:lstStyle/>
             <a:p>
               <a:pPr algn="ctr"/>
-              <a:endParaRPr lang="en-US"/>
+              <a:endParaRPr lang="en-US" dirty="0"/>
             </a:p>
           </p:txBody>
         </p:sp>
-        <p:cxnSp>
-          <p:nvCxnSpPr>
-            <p:cNvPr id="91" name="Straight Connector 90">
-              <a:extLst>
-                <a:ext uri="{FF2B5EF4-FFF2-40B4-BE49-F238E27FC236}">
-                  <a16:creationId xmlns:a16="http://schemas.microsoft.com/office/drawing/2014/main" id="{E67A1FEB-3C7A-BC7F-CF96-17CFCA19FFE1}"/>
-                </a:ext>
-              </a:extLst>
-            </p:cNvPr>
-            <p:cNvCxnSpPr>
-              <a:cxnSpLocks/>
-              <a:stCxn id="90" idx="6"/>
-            </p:cNvCxnSpPr>
-            <p:nvPr/>
-          </p:nvCxnSpPr>
-          <p:spPr>
-            <a:xfrm>
-              <a:off x="8791811" y="2668943"/>
-              <a:ext cx="786729" cy="23312"/>
-            </a:xfrm>
-            <a:prstGeom prst="line">
-              <a:avLst/>
-            </a:prstGeom>
-            <a:ln w="25400">
-              <a:solidFill>
-                <a:srgbClr val="00B0F0"/>
-              </a:solidFill>
-              <a:tailEnd type="triangle"/>
-            </a:ln>
-          </p:spPr>
-          <p:style>
-            <a:lnRef idx="1">
-              <a:schemeClr val="accent1"/>
-            </a:lnRef>
-            <a:fillRef idx="0">
-              <a:schemeClr val="accent1"/>
-            </a:fillRef>
-            <a:effectRef idx="0">
-              <a:schemeClr val="accent1"/>
-            </a:effectRef>
-            <a:fontRef idx="minor">
-              <a:schemeClr val="tx1"/>
-            </a:fontRef>
-          </p:style>
-        </p:cxnSp>
       </p:grpSp>
+      <p:sp>
+        <p:nvSpPr>
+          <p:cNvPr id="9" name="Rectangle 8">
+            <a:extLst>
+              <a:ext uri="{FF2B5EF4-FFF2-40B4-BE49-F238E27FC236}">
+                <a16:creationId xmlns:a16="http://schemas.microsoft.com/office/drawing/2014/main" id="{E3C2C078-6AF9-C056-AE34-285307287409}"/>
+              </a:ext>
+            </a:extLst>
+          </p:cNvPr>
+          <p:cNvSpPr/>
+          <p:nvPr/>
+        </p:nvSpPr>
+        <p:spPr>
+          <a:xfrm>
+            <a:off x="6432106" y="2441504"/>
+            <a:ext cx="1602068" cy="353171"/>
+          </a:xfrm>
+          <a:prstGeom prst="rect">
+            <a:avLst/>
+          </a:prstGeom>
+          <a:noFill/>
+          <a:ln w="28575">
+            <a:solidFill>
+              <a:srgbClr val="00B0F0"/>
+            </a:solidFill>
+          </a:ln>
+        </p:spPr>
+        <p:style>
+          <a:lnRef idx="2">
+            <a:schemeClr val="accent1">
+              <a:shade val="50000"/>
+            </a:schemeClr>
+          </a:lnRef>
+          <a:fillRef idx="1">
+            <a:schemeClr val="accent1"/>
+          </a:fillRef>
+          <a:effectRef idx="0">
+            <a:schemeClr val="accent1"/>
+          </a:effectRef>
+          <a:fontRef idx="minor">
+            <a:schemeClr val="lt1"/>
+          </a:fontRef>
+        </p:style>
+        <p:txBody>
+          <a:bodyPr rtlCol="0" anchor="ctr"/>
+          <a:lstStyle/>
+          <a:p>
+            <a:pPr algn="ctr"/>
+            <a:endParaRPr lang="en-US" dirty="0"/>
+          </a:p>
+        </p:txBody>
+      </p:sp>
+      <p:pic>
+        <p:nvPicPr>
+          <p:cNvPr id="107" name="Graphic 106" descr="Heart with pulse with solid fill">
+            <a:extLst>
+              <a:ext uri="{FF2B5EF4-FFF2-40B4-BE49-F238E27FC236}">
+                <a16:creationId xmlns:a16="http://schemas.microsoft.com/office/drawing/2014/main" id="{FAF6320C-4E87-C1DF-4BB5-A97AD22FF9F4}"/>
+              </a:ext>
+            </a:extLst>
+          </p:cNvPr>
+          <p:cNvPicPr>
+            <a:picLocks noChangeAspect="1"/>
+          </p:cNvPicPr>
+          <p:nvPr/>
+        </p:nvPicPr>
+        <p:blipFill>
+          <a:blip r:embed="rId4">
+            <a:extLst>
+              <a:ext uri="{96DAC541-7B7A-43D3-8B79-37D633B846F1}">
+                <asvg:svgBlip xmlns:asvg="http://schemas.microsoft.com/office/drawing/2016/SVG/main" r:embed="rId5"/>
+              </a:ext>
+            </a:extLst>
+          </a:blip>
+          <a:stretch>
+            <a:fillRect/>
+          </a:stretch>
+        </p:blipFill>
+        <p:spPr>
+          <a:xfrm>
+            <a:off x="7613408" y="2998715"/>
+            <a:ext cx="342883" cy="342883"/>
+          </a:xfrm>
+          <a:prstGeom prst="rect">
+            <a:avLst/>
+          </a:prstGeom>
+        </p:spPr>
+      </p:pic>
+      <p:sp>
+        <p:nvSpPr>
+          <p:cNvPr id="11" name="Rectangle 10">
+            <a:extLst>
+              <a:ext uri="{FF2B5EF4-FFF2-40B4-BE49-F238E27FC236}">
+                <a16:creationId xmlns:a16="http://schemas.microsoft.com/office/drawing/2014/main" id="{2B337B17-444D-F811-ED6A-DFB4122F9D8D}"/>
+              </a:ext>
+            </a:extLst>
+          </p:cNvPr>
+          <p:cNvSpPr/>
+          <p:nvPr/>
+        </p:nvSpPr>
+        <p:spPr>
+          <a:xfrm>
+            <a:off x="6420475" y="4036846"/>
+            <a:ext cx="1613697" cy="353171"/>
+          </a:xfrm>
+          <a:prstGeom prst="rect">
+            <a:avLst/>
+          </a:prstGeom>
+          <a:noFill/>
+          <a:ln w="28575">
+            <a:solidFill>
+              <a:srgbClr val="00B0F0"/>
+            </a:solidFill>
+          </a:ln>
+        </p:spPr>
+        <p:style>
+          <a:lnRef idx="2">
+            <a:schemeClr val="accent1">
+              <a:shade val="50000"/>
+            </a:schemeClr>
+          </a:lnRef>
+          <a:fillRef idx="1">
+            <a:schemeClr val="accent1"/>
+          </a:fillRef>
+          <a:effectRef idx="0">
+            <a:schemeClr val="accent1"/>
+          </a:effectRef>
+          <a:fontRef idx="minor">
+            <a:schemeClr val="lt1"/>
+          </a:fontRef>
+        </p:style>
+        <p:txBody>
+          <a:bodyPr rtlCol="0" anchor="ctr"/>
+          <a:lstStyle/>
+          <a:p>
+            <a:pPr algn="ctr"/>
+            <a:endParaRPr lang="en-US" dirty="0"/>
+          </a:p>
+        </p:txBody>
+      </p:sp>
+      <p:sp>
+        <p:nvSpPr>
+          <p:cNvPr id="12" name="Rectangle 11">
+            <a:extLst>
+              <a:ext uri="{FF2B5EF4-FFF2-40B4-BE49-F238E27FC236}">
+                <a16:creationId xmlns:a16="http://schemas.microsoft.com/office/drawing/2014/main" id="{572BED38-E512-4324-9464-A5246BFDADFD}"/>
+              </a:ext>
+            </a:extLst>
+          </p:cNvPr>
+          <p:cNvSpPr/>
+          <p:nvPr/>
+        </p:nvSpPr>
+        <p:spPr>
+          <a:xfrm>
+            <a:off x="4589189" y="3283603"/>
+            <a:ext cx="1091181" cy="821249"/>
+          </a:xfrm>
+          <a:prstGeom prst="rect">
+            <a:avLst/>
+          </a:prstGeom>
+          <a:noFill/>
+          <a:ln w="28575">
+            <a:solidFill>
+              <a:schemeClr val="accent4"/>
+            </a:solidFill>
+          </a:ln>
+        </p:spPr>
+        <p:style>
+          <a:lnRef idx="2">
+            <a:schemeClr val="accent1">
+              <a:shade val="50000"/>
+            </a:schemeClr>
+          </a:lnRef>
+          <a:fillRef idx="1">
+            <a:schemeClr val="accent1"/>
+          </a:fillRef>
+          <a:effectRef idx="0">
+            <a:schemeClr val="accent1"/>
+          </a:effectRef>
+          <a:fontRef idx="minor">
+            <a:schemeClr val="lt1"/>
+          </a:fontRef>
+        </p:style>
+        <p:txBody>
+          <a:bodyPr rtlCol="0" anchor="ctr"/>
+          <a:lstStyle/>
+          <a:p>
+            <a:pPr algn="ctr"/>
+            <a:endParaRPr lang="en-US" dirty="0"/>
+          </a:p>
+        </p:txBody>
+      </p:sp>
       <p:grpSp>
         <p:nvGrpSpPr>
-          <p:cNvPr id="30" name="Group 29">
-            <a:extLst>
-              <a:ext uri="{FF2B5EF4-FFF2-40B4-BE49-F238E27FC236}">
-                <a16:creationId xmlns:a16="http://schemas.microsoft.com/office/drawing/2014/main" id="{892B9922-41AF-D8C5-1742-CCC405A5C29C}"/>
+          <p:cNvPr id="1077" name="Group 1076">
+            <a:extLst>
+              <a:ext uri="{FF2B5EF4-FFF2-40B4-BE49-F238E27FC236}">
+                <a16:creationId xmlns:a16="http://schemas.microsoft.com/office/drawing/2014/main" id="{80FCEB2E-8ACC-FE2B-611F-4DFDA77B004C}"/>
               </a:ext>
             </a:extLst>
           </p:cNvPr>
@@ -3923,314 +4155,18 @@
         </p:nvGrpSpPr>
         <p:grpSpPr>
           <a:xfrm>
-            <a:off x="1795634" y="2433423"/>
-            <a:ext cx="6752852" cy="2489843"/>
-            <a:chOff x="2017512" y="2421966"/>
-            <a:chExt cx="6752852" cy="2489843"/>
+            <a:off x="2277812" y="3211579"/>
+            <a:ext cx="497413" cy="1004128"/>
+            <a:chOff x="2152340" y="3211974"/>
+            <a:chExt cx="731521" cy="1004128"/>
           </a:xfrm>
         </p:grpSpPr>
-        <p:sp>
-          <p:nvSpPr>
-            <p:cNvPr id="9" name="Rectangle 8">
+        <p:grpSp>
+          <p:nvGrpSpPr>
+            <p:cNvPr id="43" name="Group 42">
               <a:extLst>
                 <a:ext uri="{FF2B5EF4-FFF2-40B4-BE49-F238E27FC236}">
-                  <a16:creationId xmlns:a16="http://schemas.microsoft.com/office/drawing/2014/main" id="{E3C2C078-6AF9-C056-AE34-285307287409}"/>
-                </a:ext>
-              </a:extLst>
-            </p:cNvPr>
-            <p:cNvSpPr/>
-            <p:nvPr/>
-          </p:nvSpPr>
-          <p:spPr>
-            <a:xfrm>
-              <a:off x="6653984" y="2430047"/>
-              <a:ext cx="1602068" cy="353171"/>
-            </a:xfrm>
-            <a:prstGeom prst="rect">
-              <a:avLst/>
-            </a:prstGeom>
-            <a:noFill/>
-            <a:ln w="28575">
-              <a:solidFill>
-                <a:srgbClr val="00B0F0"/>
-              </a:solidFill>
-            </a:ln>
-          </p:spPr>
-          <p:style>
-            <a:lnRef idx="2">
-              <a:schemeClr val="accent1">
-                <a:shade val="50000"/>
-              </a:schemeClr>
-            </a:lnRef>
-            <a:fillRef idx="1">
-              <a:schemeClr val="accent1"/>
-            </a:fillRef>
-            <a:effectRef idx="0">
-              <a:schemeClr val="accent1"/>
-            </a:effectRef>
-            <a:fontRef idx="minor">
-              <a:schemeClr val="lt1"/>
-            </a:fontRef>
-          </p:style>
-          <p:txBody>
-            <a:bodyPr rtlCol="0" anchor="ctr"/>
-            <a:lstStyle/>
-            <a:p>
-              <a:pPr algn="ctr"/>
-              <a:endParaRPr lang="en-US"/>
-            </a:p>
-          </p:txBody>
-        </p:sp>
-        <p:pic>
-          <p:nvPicPr>
-            <p:cNvPr id="107" name="Graphic 106" descr="Heart with pulse with solid fill">
-              <a:extLst>
-                <a:ext uri="{FF2B5EF4-FFF2-40B4-BE49-F238E27FC236}">
-                  <a16:creationId xmlns:a16="http://schemas.microsoft.com/office/drawing/2014/main" id="{FAF6320C-4E87-C1DF-4BB5-A97AD22FF9F4}"/>
-                </a:ext>
-              </a:extLst>
-            </p:cNvPr>
-            <p:cNvPicPr>
-              <a:picLocks noChangeAspect="1"/>
-            </p:cNvPicPr>
-            <p:nvPr/>
-          </p:nvPicPr>
-          <p:blipFill>
-            <a:blip r:embed="rId4">
-              <a:extLst>
-                <a:ext uri="{96DAC541-7B7A-43D3-8B79-37D633B846F1}">
-                  <asvg:svgBlip xmlns:asvg="http://schemas.microsoft.com/office/drawing/2016/SVG/main" r:embed="rId5"/>
-                </a:ext>
-              </a:extLst>
-            </a:blip>
-            <a:stretch>
-              <a:fillRect/>
-            </a:stretch>
-          </p:blipFill>
-          <p:spPr>
-            <a:xfrm>
-              <a:off x="7835286" y="2987258"/>
-              <a:ext cx="342883" cy="342883"/>
-            </a:xfrm>
-            <a:prstGeom prst="rect">
-              <a:avLst/>
-            </a:prstGeom>
-          </p:spPr>
-        </p:pic>
-        <p:sp>
-          <p:nvSpPr>
-            <p:cNvPr id="11" name="Rectangle 10">
-              <a:extLst>
-                <a:ext uri="{FF2B5EF4-FFF2-40B4-BE49-F238E27FC236}">
-                  <a16:creationId xmlns:a16="http://schemas.microsoft.com/office/drawing/2014/main" id="{2B337B17-444D-F811-ED6A-DFB4122F9D8D}"/>
-                </a:ext>
-              </a:extLst>
-            </p:cNvPr>
-            <p:cNvSpPr/>
-            <p:nvPr/>
-          </p:nvSpPr>
-          <p:spPr>
-            <a:xfrm>
-              <a:off x="6642353" y="4025389"/>
-              <a:ext cx="1613697" cy="353171"/>
-            </a:xfrm>
-            <a:prstGeom prst="rect">
-              <a:avLst/>
-            </a:prstGeom>
-            <a:noFill/>
-            <a:ln w="28575">
-              <a:solidFill>
-                <a:srgbClr val="00B0F0"/>
-              </a:solidFill>
-            </a:ln>
-          </p:spPr>
-          <p:style>
-            <a:lnRef idx="2">
-              <a:schemeClr val="accent1">
-                <a:shade val="50000"/>
-              </a:schemeClr>
-            </a:lnRef>
-            <a:fillRef idx="1">
-              <a:schemeClr val="accent1"/>
-            </a:fillRef>
-            <a:effectRef idx="0">
-              <a:schemeClr val="accent1"/>
-            </a:effectRef>
-            <a:fontRef idx="minor">
-              <a:schemeClr val="lt1"/>
-            </a:fontRef>
-          </p:style>
-          <p:txBody>
-            <a:bodyPr rtlCol="0" anchor="ctr"/>
-            <a:lstStyle/>
-            <a:p>
-              <a:pPr algn="ctr"/>
-              <a:endParaRPr lang="en-US"/>
-            </a:p>
-          </p:txBody>
-        </p:sp>
-        <p:sp>
-          <p:nvSpPr>
-            <p:cNvPr id="12" name="Rectangle 11">
-              <a:extLst>
-                <a:ext uri="{FF2B5EF4-FFF2-40B4-BE49-F238E27FC236}">
-                  <a16:creationId xmlns:a16="http://schemas.microsoft.com/office/drawing/2014/main" id="{572BED38-E512-4324-9464-A5246BFDADFD}"/>
-                </a:ext>
-              </a:extLst>
-            </p:cNvPr>
-            <p:cNvSpPr/>
-            <p:nvPr/>
-          </p:nvSpPr>
-          <p:spPr>
-            <a:xfrm>
-              <a:off x="4811067" y="3272146"/>
-              <a:ext cx="1091181" cy="821249"/>
-            </a:xfrm>
-            <a:prstGeom prst="rect">
-              <a:avLst/>
-            </a:prstGeom>
-            <a:noFill/>
-            <a:ln w="28575">
-              <a:solidFill>
-                <a:schemeClr val="accent4"/>
-              </a:solidFill>
-            </a:ln>
-          </p:spPr>
-          <p:style>
-            <a:lnRef idx="2">
-              <a:schemeClr val="accent1">
-                <a:shade val="50000"/>
-              </a:schemeClr>
-            </a:lnRef>
-            <a:fillRef idx="1">
-              <a:schemeClr val="accent1"/>
-            </a:fillRef>
-            <a:effectRef idx="0">
-              <a:schemeClr val="accent1"/>
-            </a:effectRef>
-            <a:fontRef idx="minor">
-              <a:schemeClr val="lt1"/>
-            </a:fontRef>
-          </p:style>
-          <p:txBody>
-            <a:bodyPr rtlCol="0" anchor="ctr"/>
-            <a:lstStyle/>
-            <a:p>
-              <a:pPr algn="ctr"/>
-              <a:endParaRPr lang="en-US"/>
-            </a:p>
-          </p:txBody>
-        </p:sp>
-        <p:sp>
-          <p:nvSpPr>
-            <p:cNvPr id="6" name="Rectangle 5">
-              <a:extLst>
-                <a:ext uri="{FF2B5EF4-FFF2-40B4-BE49-F238E27FC236}">
-                  <a16:creationId xmlns:a16="http://schemas.microsoft.com/office/drawing/2014/main" id="{0A141393-793F-C391-3607-A50C9969E1A5}"/>
-                </a:ext>
-              </a:extLst>
-            </p:cNvPr>
-            <p:cNvSpPr/>
-            <p:nvPr/>
-          </p:nvSpPr>
-          <p:spPr>
-            <a:xfrm>
-              <a:off x="2741020" y="3041683"/>
-              <a:ext cx="1280160" cy="353171"/>
-            </a:xfrm>
-            <a:prstGeom prst="rect">
-              <a:avLst/>
-            </a:prstGeom>
-            <a:noFill/>
-            <a:ln w="28575">
-              <a:solidFill>
-                <a:srgbClr val="00B050"/>
-              </a:solidFill>
-            </a:ln>
-          </p:spPr>
-          <p:style>
-            <a:lnRef idx="2">
-              <a:schemeClr val="accent1">
-                <a:shade val="50000"/>
-              </a:schemeClr>
-            </a:lnRef>
-            <a:fillRef idx="1">
-              <a:schemeClr val="accent1"/>
-            </a:fillRef>
-            <a:effectRef idx="0">
-              <a:schemeClr val="accent1"/>
-            </a:effectRef>
-            <a:fontRef idx="minor">
-              <a:schemeClr val="lt1"/>
-            </a:fontRef>
-          </p:style>
-          <p:txBody>
-            <a:bodyPr rtlCol="0" anchor="ctr"/>
-            <a:lstStyle/>
-            <a:p>
-              <a:pPr algn="ctr"/>
-              <a:endParaRPr lang="en-US"/>
-            </a:p>
-          </p:txBody>
-        </p:sp>
-        <p:sp>
-          <p:nvSpPr>
-            <p:cNvPr id="7" name="Rectangle 6">
-              <a:extLst>
-                <a:ext uri="{FF2B5EF4-FFF2-40B4-BE49-F238E27FC236}">
-                  <a16:creationId xmlns:a16="http://schemas.microsoft.com/office/drawing/2014/main" id="{F051FFD9-C52C-AFB0-F1EB-A827D15FE2D2}"/>
-                </a:ext>
-              </a:extLst>
-            </p:cNvPr>
-            <p:cNvSpPr/>
-            <p:nvPr/>
-          </p:nvSpPr>
-          <p:spPr>
-            <a:xfrm>
-              <a:off x="2760470" y="4045812"/>
-              <a:ext cx="1280160" cy="353171"/>
-            </a:xfrm>
-            <a:prstGeom prst="rect">
-              <a:avLst/>
-            </a:prstGeom>
-            <a:noFill/>
-            <a:ln w="28575">
-              <a:solidFill>
-                <a:srgbClr val="00B050"/>
-              </a:solidFill>
-            </a:ln>
-          </p:spPr>
-          <p:style>
-            <a:lnRef idx="2">
-              <a:schemeClr val="accent1">
-                <a:shade val="50000"/>
-              </a:schemeClr>
-            </a:lnRef>
-            <a:fillRef idx="1">
-              <a:schemeClr val="accent1"/>
-            </a:fillRef>
-            <a:effectRef idx="0">
-              <a:schemeClr val="accent1"/>
-            </a:effectRef>
-            <a:fontRef idx="minor">
-              <a:schemeClr val="lt1"/>
-            </a:fontRef>
-          </p:style>
-          <p:txBody>
-            <a:bodyPr rtlCol="0" anchor="ctr"/>
-            <a:lstStyle/>
-            <a:p>
-              <a:pPr algn="ctr"/>
-              <a:endParaRPr lang="en-US"/>
-            </a:p>
-          </p:txBody>
-        </p:sp>
-        <p:grpSp>
-          <p:nvGrpSpPr>
-            <p:cNvPr id="1077" name="Group 1076">
-              <a:extLst>
-                <a:ext uri="{FF2B5EF4-FFF2-40B4-BE49-F238E27FC236}">
-                  <a16:creationId xmlns:a16="http://schemas.microsoft.com/office/drawing/2014/main" id="{80FCEB2E-8ACC-FE2B-611F-4DFDA77B004C}"/>
+                  <a16:creationId xmlns:a16="http://schemas.microsoft.com/office/drawing/2014/main" id="{5F3EBAD2-84D9-600F-8960-1632498D7DB8}"/>
                 </a:ext>
               </a:extLst>
             </p:cNvPr>
@@ -4239,18 +4175,18 @@
           </p:nvGrpSpPr>
           <p:grpSpPr>
             <a:xfrm>
-              <a:off x="2017512" y="3197845"/>
-              <a:ext cx="731521" cy="1004128"/>
-              <a:chOff x="2152340" y="3211974"/>
-              <a:chExt cx="731521" cy="1004128"/>
+              <a:off x="2518100" y="3211974"/>
+              <a:ext cx="365761" cy="1004128"/>
+              <a:chOff x="2682598" y="2595162"/>
+              <a:chExt cx="365761" cy="1004128"/>
             </a:xfrm>
           </p:grpSpPr>
           <p:grpSp>
             <p:nvGrpSpPr>
-              <p:cNvPr id="43" name="Group 42">
+              <p:cNvPr id="33" name="Group 32">
                 <a:extLst>
                   <a:ext uri="{FF2B5EF4-FFF2-40B4-BE49-F238E27FC236}">
-                    <a16:creationId xmlns:a16="http://schemas.microsoft.com/office/drawing/2014/main" id="{5F3EBAD2-84D9-600F-8960-1632498D7DB8}"/>
+                    <a16:creationId xmlns:a16="http://schemas.microsoft.com/office/drawing/2014/main" id="{FF6EEA1A-15D6-E85C-DF3E-51FAC3AABAC3}"/>
                   </a:ext>
                 </a:extLst>
               </p:cNvPr>
@@ -4259,129 +4195,18 @@
             </p:nvGrpSpPr>
             <p:grpSpPr>
               <a:xfrm>
-                <a:off x="2518100" y="3211974"/>
-                <a:ext cx="365761" cy="1004128"/>
-                <a:chOff x="2682598" y="2595162"/>
-                <a:chExt cx="365761" cy="1004128"/>
+                <a:off x="2682599" y="2595162"/>
+                <a:ext cx="365760" cy="365760"/>
+                <a:chOff x="2233463" y="2618738"/>
+                <a:chExt cx="365760" cy="365760"/>
               </a:xfrm>
             </p:grpSpPr>
-            <p:grpSp>
-              <p:nvGrpSpPr>
-                <p:cNvPr id="33" name="Group 32">
+            <p:sp>
+              <p:nvSpPr>
+                <p:cNvPr id="24" name="Arc 23">
                   <a:extLst>
                     <a:ext uri="{FF2B5EF4-FFF2-40B4-BE49-F238E27FC236}">
-                      <a16:creationId xmlns:a16="http://schemas.microsoft.com/office/drawing/2014/main" id="{FF6EEA1A-15D6-E85C-DF3E-51FAC3AABAC3}"/>
-                    </a:ext>
-                  </a:extLst>
-                </p:cNvPr>
-                <p:cNvGrpSpPr/>
-                <p:nvPr/>
-              </p:nvGrpSpPr>
-              <p:grpSpPr>
-                <a:xfrm>
-                  <a:off x="2682599" y="2595162"/>
-                  <a:ext cx="365760" cy="365760"/>
-                  <a:chOff x="2233463" y="2618738"/>
-                  <a:chExt cx="365760" cy="365760"/>
-                </a:xfrm>
-              </p:grpSpPr>
-              <p:sp>
-                <p:nvSpPr>
-                  <p:cNvPr id="24" name="Arc 23">
-                    <a:extLst>
-                      <a:ext uri="{FF2B5EF4-FFF2-40B4-BE49-F238E27FC236}">
-                        <a16:creationId xmlns:a16="http://schemas.microsoft.com/office/drawing/2014/main" id="{38EEF678-C0C1-EAC7-E03F-866E9994D28F}"/>
-                      </a:ext>
-                    </a:extLst>
-                  </p:cNvPr>
-                  <p:cNvSpPr/>
-                  <p:nvPr/>
-                </p:nvSpPr>
-                <p:spPr>
-                  <a:xfrm rot="16200000">
-                    <a:off x="2233463" y="2618738"/>
-                    <a:ext cx="365760" cy="365760"/>
-                  </a:xfrm>
-                  <a:prstGeom prst="arc">
-                    <a:avLst/>
-                  </a:prstGeom>
-                  <a:ln w="25400">
-                    <a:solidFill>
-                      <a:srgbClr val="00B050"/>
-                    </a:solidFill>
-                  </a:ln>
-                </p:spPr>
-                <p:style>
-                  <a:lnRef idx="1">
-                    <a:schemeClr val="accent1"/>
-                  </a:lnRef>
-                  <a:fillRef idx="0">
-                    <a:schemeClr val="accent1"/>
-                  </a:fillRef>
-                  <a:effectRef idx="0">
-                    <a:schemeClr val="accent1"/>
-                  </a:effectRef>
-                  <a:fontRef idx="minor">
-                    <a:schemeClr val="tx1"/>
-                  </a:fontRef>
-                </p:style>
-                <p:txBody>
-                  <a:bodyPr rtlCol="0" anchor="ctr"/>
-                  <a:lstStyle/>
-                  <a:p>
-                    <a:pPr algn="ctr"/>
-                    <a:endParaRPr lang="en-US" dirty="0"/>
-                  </a:p>
-                </p:txBody>
-              </p:sp>
-              <p:cxnSp>
-                <p:nvCxnSpPr>
-                  <p:cNvPr id="26" name="Straight Connector 25">
-                    <a:extLst>
-                      <a:ext uri="{FF2B5EF4-FFF2-40B4-BE49-F238E27FC236}">
-                        <a16:creationId xmlns:a16="http://schemas.microsoft.com/office/drawing/2014/main" id="{905CBFDD-BCAD-056C-7EF7-B41A8C81319A}"/>
-                      </a:ext>
-                    </a:extLst>
-                  </p:cNvPr>
-                  <p:cNvCxnSpPr/>
-                  <p:nvPr/>
-                </p:nvCxnSpPr>
-                <p:spPr>
-                  <a:xfrm>
-                    <a:off x="2416343" y="2618738"/>
-                    <a:ext cx="182880" cy="0"/>
-                  </a:xfrm>
-                  <a:prstGeom prst="line">
-                    <a:avLst/>
-                  </a:prstGeom>
-                  <a:ln w="25400">
-                    <a:solidFill>
-                      <a:srgbClr val="00B050"/>
-                    </a:solidFill>
-                  </a:ln>
-                </p:spPr>
-                <p:style>
-                  <a:lnRef idx="1">
-                    <a:schemeClr val="accent1"/>
-                  </a:lnRef>
-                  <a:fillRef idx="0">
-                    <a:schemeClr val="accent1"/>
-                  </a:fillRef>
-                  <a:effectRef idx="0">
-                    <a:schemeClr val="accent1"/>
-                  </a:effectRef>
-                  <a:fontRef idx="minor">
-                    <a:schemeClr val="tx1"/>
-                  </a:fontRef>
-                </p:style>
-              </p:cxnSp>
-            </p:grpSp>
-            <p:sp>
-              <p:nvSpPr>
-                <p:cNvPr id="38" name="Arc 37">
-                  <a:extLst>
-                    <a:ext uri="{FF2B5EF4-FFF2-40B4-BE49-F238E27FC236}">
-                      <a16:creationId xmlns:a16="http://schemas.microsoft.com/office/drawing/2014/main" id="{62992950-4F9B-30ED-786B-A14DFC53D13D}"/>
+                      <a16:creationId xmlns:a16="http://schemas.microsoft.com/office/drawing/2014/main" id="{38EEF678-C0C1-EAC7-E03F-866E9994D28F}"/>
                     </a:ext>
                   </a:extLst>
                 </p:cNvPr>
@@ -4389,8 +4214,8 @@
                 <p:nvPr/>
               </p:nvSpPr>
               <p:spPr>
-                <a:xfrm rot="10800000">
-                  <a:off x="2682599" y="3233530"/>
+                <a:xfrm rot="16200000">
+                  <a:off x="2233463" y="2618738"/>
                   <a:ext cx="365760" cy="365760"/>
                 </a:xfrm>
                 <a:prstGeom prst="arc">
@@ -4427,10 +4252,10 @@
             </p:sp>
             <p:cxnSp>
               <p:nvCxnSpPr>
-                <p:cNvPr id="39" name="Straight Connector 38">
+                <p:cNvPr id="26" name="Straight Connector 25">
                   <a:extLst>
                     <a:ext uri="{FF2B5EF4-FFF2-40B4-BE49-F238E27FC236}">
-                      <a16:creationId xmlns:a16="http://schemas.microsoft.com/office/drawing/2014/main" id="{869E9A12-FC38-48A1-7561-693A9C513A32}"/>
+                      <a16:creationId xmlns:a16="http://schemas.microsoft.com/office/drawing/2014/main" id="{905CBFDD-BCAD-056C-7EF7-B41A8C81319A}"/>
                     </a:ext>
                   </a:extLst>
                 </p:cNvPr>
@@ -4439,7 +4264,7 @@
               </p:nvCxnSpPr>
               <p:spPr>
                 <a:xfrm>
-                  <a:off x="2865479" y="3599290"/>
+                  <a:off x="2416343" y="2618738"/>
                   <a:ext cx="182880" cy="0"/>
                 </a:xfrm>
                 <a:prstGeom prst="line">
@@ -4466,56 +4291,62 @@
                 </a:fontRef>
               </p:style>
             </p:cxnSp>
-            <p:cxnSp>
-              <p:nvCxnSpPr>
-                <p:cNvPr id="40" name="Straight Connector 39">
-                  <a:extLst>
-                    <a:ext uri="{FF2B5EF4-FFF2-40B4-BE49-F238E27FC236}">
-                      <a16:creationId xmlns:a16="http://schemas.microsoft.com/office/drawing/2014/main" id="{462826D3-A974-DEA2-3EFB-0E499680E668}"/>
-                    </a:ext>
-                  </a:extLst>
-                </p:cNvPr>
-                <p:cNvCxnSpPr>
-                  <a:endCxn id="38" idx="2"/>
-                </p:cNvCxnSpPr>
-                <p:nvPr/>
-              </p:nvCxnSpPr>
-              <p:spPr>
-                <a:xfrm>
-                  <a:off x="2682598" y="2765397"/>
-                  <a:ext cx="1" cy="651013"/>
-                </a:xfrm>
-                <a:prstGeom prst="line">
-                  <a:avLst/>
-                </a:prstGeom>
-                <a:ln w="25400">
-                  <a:solidFill>
-                    <a:srgbClr val="00B050"/>
-                  </a:solidFill>
-                </a:ln>
-              </p:spPr>
-              <p:style>
-                <a:lnRef idx="1">
-                  <a:schemeClr val="accent1"/>
-                </a:lnRef>
-                <a:fillRef idx="0">
-                  <a:schemeClr val="accent1"/>
-                </a:fillRef>
-                <a:effectRef idx="0">
-                  <a:schemeClr val="accent1"/>
-                </a:effectRef>
-                <a:fontRef idx="minor">
-                  <a:schemeClr val="tx1"/>
-                </a:fontRef>
-              </p:style>
-            </p:cxnSp>
           </p:grpSp>
+          <p:sp>
+            <p:nvSpPr>
+              <p:cNvPr id="38" name="Arc 37">
+                <a:extLst>
+                  <a:ext uri="{FF2B5EF4-FFF2-40B4-BE49-F238E27FC236}">
+                    <a16:creationId xmlns:a16="http://schemas.microsoft.com/office/drawing/2014/main" id="{62992950-4F9B-30ED-786B-A14DFC53D13D}"/>
+                  </a:ext>
+                </a:extLst>
+              </p:cNvPr>
+              <p:cNvSpPr/>
+              <p:nvPr/>
+            </p:nvSpPr>
+            <p:spPr>
+              <a:xfrm rot="10800000">
+                <a:off x="2682599" y="3233530"/>
+                <a:ext cx="365760" cy="365760"/>
+              </a:xfrm>
+              <a:prstGeom prst="arc">
+                <a:avLst/>
+              </a:prstGeom>
+              <a:ln w="25400">
+                <a:solidFill>
+                  <a:srgbClr val="00B050"/>
+                </a:solidFill>
+              </a:ln>
+            </p:spPr>
+            <p:style>
+              <a:lnRef idx="1">
+                <a:schemeClr val="accent1"/>
+              </a:lnRef>
+              <a:fillRef idx="0">
+                <a:schemeClr val="accent1"/>
+              </a:fillRef>
+              <a:effectRef idx="0">
+                <a:schemeClr val="accent1"/>
+              </a:effectRef>
+              <a:fontRef idx="minor">
+                <a:schemeClr val="tx1"/>
+              </a:fontRef>
+            </p:style>
+            <p:txBody>
+              <a:bodyPr rtlCol="0" anchor="ctr"/>
+              <a:lstStyle/>
+              <a:p>
+                <a:pPr algn="ctr"/>
+                <a:endParaRPr lang="en-US" dirty="0"/>
+              </a:p>
+            </p:txBody>
+          </p:sp>
           <p:cxnSp>
             <p:nvCxnSpPr>
-              <p:cNvPr id="52" name="Straight Arrow Connector 51">
+              <p:cNvPr id="39" name="Straight Connector 38">
                 <a:extLst>
                   <a:ext uri="{FF2B5EF4-FFF2-40B4-BE49-F238E27FC236}">
-                    <a16:creationId xmlns:a16="http://schemas.microsoft.com/office/drawing/2014/main" id="{7761B656-8BD0-4241-8BCC-42C26D7D1B5F}"/>
+                    <a16:creationId xmlns:a16="http://schemas.microsoft.com/office/drawing/2014/main" id="{869E9A12-FC38-48A1-7561-693A9C513A32}"/>
                   </a:ext>
                 </a:extLst>
               </p:cNvPr>
@@ -4523,18 +4354,60 @@
               <p:nvPr/>
             </p:nvCxnSpPr>
             <p:spPr>
-              <a:xfrm flipH="1">
-                <a:off x="2152340" y="3696243"/>
-                <a:ext cx="365760" cy="0"/>
+              <a:xfrm>
+                <a:off x="2865479" y="3599290"/>
+                <a:ext cx="182880" cy="0"/>
               </a:xfrm>
-              <a:prstGeom prst="straightConnector1">
+              <a:prstGeom prst="line">
                 <a:avLst/>
               </a:prstGeom>
               <a:ln w="25400">
                 <a:solidFill>
                   <a:srgbClr val="00B050"/>
                 </a:solidFill>
-                <a:tailEnd type="triangle"/>
+              </a:ln>
+            </p:spPr>
+            <p:style>
+              <a:lnRef idx="1">
+                <a:schemeClr val="accent1"/>
+              </a:lnRef>
+              <a:fillRef idx="0">
+                <a:schemeClr val="accent1"/>
+              </a:fillRef>
+              <a:effectRef idx="0">
+                <a:schemeClr val="accent1"/>
+              </a:effectRef>
+              <a:fontRef idx="minor">
+                <a:schemeClr val="tx1"/>
+              </a:fontRef>
+            </p:style>
+          </p:cxnSp>
+          <p:cxnSp>
+            <p:nvCxnSpPr>
+              <p:cNvPr id="40" name="Straight Connector 39">
+                <a:extLst>
+                  <a:ext uri="{FF2B5EF4-FFF2-40B4-BE49-F238E27FC236}">
+                    <a16:creationId xmlns:a16="http://schemas.microsoft.com/office/drawing/2014/main" id="{462826D3-A974-DEA2-3EFB-0E499680E668}"/>
+                  </a:ext>
+                </a:extLst>
+              </p:cNvPr>
+              <p:cNvCxnSpPr>
+                <a:endCxn id="38" idx="2"/>
+              </p:cNvCxnSpPr>
+              <p:nvPr/>
+            </p:nvCxnSpPr>
+            <p:spPr>
+              <a:xfrm>
+                <a:off x="2682598" y="2765397"/>
+                <a:ext cx="1" cy="651013"/>
+              </a:xfrm>
+              <a:prstGeom prst="line">
+                <a:avLst/>
+              </a:prstGeom>
+              <a:ln w="25400">
+                <a:solidFill>
+                  <a:srgbClr val="00B050"/>
+                </a:solidFill>
               </a:ln>
             </p:spPr>
             <p:style>
@@ -4553,12 +4426,75 @@
             </p:style>
           </p:cxnSp>
         </p:grpSp>
+        <p:cxnSp>
+          <p:nvCxnSpPr>
+            <p:cNvPr id="52" name="Straight Arrow Connector 51">
+              <a:extLst>
+                <a:ext uri="{FF2B5EF4-FFF2-40B4-BE49-F238E27FC236}">
+                  <a16:creationId xmlns:a16="http://schemas.microsoft.com/office/drawing/2014/main" id="{7761B656-8BD0-4241-8BCC-42C26D7D1B5F}"/>
+                </a:ext>
+              </a:extLst>
+            </p:cNvPr>
+            <p:cNvCxnSpPr/>
+            <p:nvPr/>
+          </p:nvCxnSpPr>
+          <p:spPr>
+            <a:xfrm flipH="1">
+              <a:off x="2152340" y="3696243"/>
+              <a:ext cx="365760" cy="0"/>
+            </a:xfrm>
+            <a:prstGeom prst="straightConnector1">
+              <a:avLst/>
+            </a:prstGeom>
+            <a:ln w="25400">
+              <a:solidFill>
+                <a:srgbClr val="00B050"/>
+              </a:solidFill>
+              <a:tailEnd type="triangle"/>
+            </a:ln>
+          </p:spPr>
+          <p:style>
+            <a:lnRef idx="1">
+              <a:schemeClr val="accent1"/>
+            </a:lnRef>
+            <a:fillRef idx="0">
+              <a:schemeClr val="accent1"/>
+            </a:fillRef>
+            <a:effectRef idx="0">
+              <a:schemeClr val="accent1"/>
+            </a:effectRef>
+            <a:fontRef idx="minor">
+              <a:schemeClr val="tx1"/>
+            </a:fontRef>
+          </p:style>
+        </p:cxnSp>
+      </p:grpSp>
+      <p:grpSp>
+        <p:nvGrpSpPr>
+          <p:cNvPr id="1080" name="Group 1079">
+            <a:extLst>
+              <a:ext uri="{FF2B5EF4-FFF2-40B4-BE49-F238E27FC236}">
+                <a16:creationId xmlns:a16="http://schemas.microsoft.com/office/drawing/2014/main" id="{61A5259B-CBCF-3819-F643-4A9623D3733D}"/>
+              </a:ext>
+            </a:extLst>
+          </p:cNvPr>
+          <p:cNvGrpSpPr/>
+          <p:nvPr/>
+        </p:nvGrpSpPr>
+        <p:grpSpPr>
+          <a:xfrm>
+            <a:off x="4048256" y="3221765"/>
+            <a:ext cx="495525" cy="1004128"/>
+            <a:chOff x="3950300" y="3211974"/>
+            <a:chExt cx="731520" cy="1004128"/>
+          </a:xfrm>
+        </p:grpSpPr>
         <p:grpSp>
           <p:nvGrpSpPr>
-            <p:cNvPr id="1080" name="Group 1079">
+            <p:cNvPr id="44" name="Group 43">
               <a:extLst>
                 <a:ext uri="{FF2B5EF4-FFF2-40B4-BE49-F238E27FC236}">
-                  <a16:creationId xmlns:a16="http://schemas.microsoft.com/office/drawing/2014/main" id="{61A5259B-CBCF-3819-F643-4A9623D3733D}"/>
+                  <a16:creationId xmlns:a16="http://schemas.microsoft.com/office/drawing/2014/main" id="{C29B1960-0C2A-83B4-0087-5E5C78C47921}"/>
                 </a:ext>
               </a:extLst>
             </p:cNvPr>
@@ -4566,19 +4502,19 @@
             <p:nvPr/>
           </p:nvGrpSpPr>
           <p:grpSpPr>
-            <a:xfrm>
-              <a:off x="4034140" y="3210308"/>
-              <a:ext cx="731520" cy="1004128"/>
-              <a:chOff x="3950300" y="3211974"/>
-              <a:chExt cx="731520" cy="1004128"/>
+            <a:xfrm rot="10800000">
+              <a:off x="3950300" y="3211974"/>
+              <a:ext cx="365761" cy="1004128"/>
+              <a:chOff x="2682598" y="2595162"/>
+              <a:chExt cx="365761" cy="1004128"/>
             </a:xfrm>
           </p:grpSpPr>
           <p:grpSp>
             <p:nvGrpSpPr>
-              <p:cNvPr id="44" name="Group 43">
+              <p:cNvPr id="45" name="Group 44">
                 <a:extLst>
                   <a:ext uri="{FF2B5EF4-FFF2-40B4-BE49-F238E27FC236}">
-                    <a16:creationId xmlns:a16="http://schemas.microsoft.com/office/drawing/2014/main" id="{C29B1960-0C2A-83B4-0087-5E5C78C47921}"/>
+                    <a16:creationId xmlns:a16="http://schemas.microsoft.com/office/drawing/2014/main" id="{23CB65E1-6245-A24D-1612-FBBA56A1CB1B}"/>
                   </a:ext>
                 </a:extLst>
               </p:cNvPr>
@@ -4586,130 +4522,19 @@
               <p:nvPr/>
             </p:nvGrpSpPr>
             <p:grpSpPr>
-              <a:xfrm rot="10800000">
-                <a:off x="3950300" y="3211974"/>
-                <a:ext cx="365761" cy="1004128"/>
-                <a:chOff x="2682598" y="2595162"/>
-                <a:chExt cx="365761" cy="1004128"/>
+              <a:xfrm>
+                <a:off x="2682599" y="2595162"/>
+                <a:ext cx="365760" cy="365760"/>
+                <a:chOff x="2233463" y="2618738"/>
+                <a:chExt cx="365760" cy="365760"/>
               </a:xfrm>
             </p:grpSpPr>
-            <p:grpSp>
-              <p:nvGrpSpPr>
-                <p:cNvPr id="45" name="Group 44">
+            <p:sp>
+              <p:nvSpPr>
+                <p:cNvPr id="49" name="Arc 48">
                   <a:extLst>
                     <a:ext uri="{FF2B5EF4-FFF2-40B4-BE49-F238E27FC236}">
-                      <a16:creationId xmlns:a16="http://schemas.microsoft.com/office/drawing/2014/main" id="{23CB65E1-6245-A24D-1612-FBBA56A1CB1B}"/>
-                    </a:ext>
-                  </a:extLst>
-                </p:cNvPr>
-                <p:cNvGrpSpPr/>
-                <p:nvPr/>
-              </p:nvGrpSpPr>
-              <p:grpSpPr>
-                <a:xfrm>
-                  <a:off x="2682599" y="2595162"/>
-                  <a:ext cx="365760" cy="365760"/>
-                  <a:chOff x="2233463" y="2618738"/>
-                  <a:chExt cx="365760" cy="365760"/>
-                </a:xfrm>
-              </p:grpSpPr>
-              <p:sp>
-                <p:nvSpPr>
-                  <p:cNvPr id="49" name="Arc 48">
-                    <a:extLst>
-                      <a:ext uri="{FF2B5EF4-FFF2-40B4-BE49-F238E27FC236}">
-                        <a16:creationId xmlns:a16="http://schemas.microsoft.com/office/drawing/2014/main" id="{725AC818-83DA-37C6-F3F7-42B159146396}"/>
-                      </a:ext>
-                    </a:extLst>
-                  </p:cNvPr>
-                  <p:cNvSpPr/>
-                  <p:nvPr/>
-                </p:nvSpPr>
-                <p:spPr>
-                  <a:xfrm rot="16200000">
-                    <a:off x="2233463" y="2618738"/>
-                    <a:ext cx="365760" cy="365760"/>
-                  </a:xfrm>
-                  <a:prstGeom prst="arc">
-                    <a:avLst/>
-                  </a:prstGeom>
-                  <a:ln w="25400">
-                    <a:solidFill>
-                      <a:srgbClr val="00B050"/>
-                    </a:solidFill>
-                  </a:ln>
-                </p:spPr>
-                <p:style>
-                  <a:lnRef idx="1">
-                    <a:schemeClr val="accent1"/>
-                  </a:lnRef>
-                  <a:fillRef idx="0">
-                    <a:schemeClr val="accent1"/>
-                  </a:fillRef>
-                  <a:effectRef idx="0">
-                    <a:schemeClr val="accent1"/>
-                  </a:effectRef>
-                  <a:fontRef idx="minor">
-                    <a:schemeClr val="tx1"/>
-                  </a:fontRef>
-                </p:style>
-                <p:txBody>
-                  <a:bodyPr rtlCol="0" anchor="ctr"/>
-                  <a:lstStyle/>
-                  <a:p>
-                    <a:pPr algn="ctr"/>
-                    <a:endParaRPr lang="en-US" dirty="0"/>
-                  </a:p>
-                </p:txBody>
-              </p:sp>
-              <p:cxnSp>
-                <p:nvCxnSpPr>
-                  <p:cNvPr id="50" name="Straight Connector 49">
-                    <a:extLst>
-                      <a:ext uri="{FF2B5EF4-FFF2-40B4-BE49-F238E27FC236}">
-                        <a16:creationId xmlns:a16="http://schemas.microsoft.com/office/drawing/2014/main" id="{3D4C03D0-8472-AD7A-6AB9-8342A7A507C0}"/>
-                      </a:ext>
-                    </a:extLst>
-                  </p:cNvPr>
-                  <p:cNvCxnSpPr/>
-                  <p:nvPr/>
-                </p:nvCxnSpPr>
-                <p:spPr>
-                  <a:xfrm>
-                    <a:off x="2416343" y="2618738"/>
-                    <a:ext cx="182880" cy="0"/>
-                  </a:xfrm>
-                  <a:prstGeom prst="line">
-                    <a:avLst/>
-                  </a:prstGeom>
-                  <a:ln w="25400">
-                    <a:solidFill>
-                      <a:srgbClr val="00B050"/>
-                    </a:solidFill>
-                  </a:ln>
-                </p:spPr>
-                <p:style>
-                  <a:lnRef idx="1">
-                    <a:schemeClr val="accent1"/>
-                  </a:lnRef>
-                  <a:fillRef idx="0">
-                    <a:schemeClr val="accent1"/>
-                  </a:fillRef>
-                  <a:effectRef idx="0">
-                    <a:schemeClr val="accent1"/>
-                  </a:effectRef>
-                  <a:fontRef idx="minor">
-                    <a:schemeClr val="tx1"/>
-                  </a:fontRef>
-                </p:style>
-              </p:cxnSp>
-            </p:grpSp>
-            <p:sp>
-              <p:nvSpPr>
-                <p:cNvPr id="46" name="Arc 45">
-                  <a:extLst>
-                    <a:ext uri="{FF2B5EF4-FFF2-40B4-BE49-F238E27FC236}">
-                      <a16:creationId xmlns:a16="http://schemas.microsoft.com/office/drawing/2014/main" id="{C69A9006-2B05-944E-CD7F-0912F1C86F27}"/>
+                      <a16:creationId xmlns:a16="http://schemas.microsoft.com/office/drawing/2014/main" id="{725AC818-83DA-37C6-F3F7-42B159146396}"/>
                     </a:ext>
                   </a:extLst>
                 </p:cNvPr>
@@ -4717,8 +4542,8 @@
                 <p:nvPr/>
               </p:nvSpPr>
               <p:spPr>
-                <a:xfrm rot="10800000">
-                  <a:off x="2682599" y="3233530"/>
+                <a:xfrm rot="16200000">
+                  <a:off x="2233463" y="2618738"/>
                   <a:ext cx="365760" cy="365760"/>
                 </a:xfrm>
                 <a:prstGeom prst="arc">
@@ -4755,10 +4580,10 @@
             </p:sp>
             <p:cxnSp>
               <p:nvCxnSpPr>
-                <p:cNvPr id="47" name="Straight Connector 46">
+                <p:cNvPr id="50" name="Straight Connector 49">
                   <a:extLst>
                     <a:ext uri="{FF2B5EF4-FFF2-40B4-BE49-F238E27FC236}">
-                      <a16:creationId xmlns:a16="http://schemas.microsoft.com/office/drawing/2014/main" id="{5302CE11-13CA-2696-2D3F-72EDF0228258}"/>
+                      <a16:creationId xmlns:a16="http://schemas.microsoft.com/office/drawing/2014/main" id="{3D4C03D0-8472-AD7A-6AB9-8342A7A507C0}"/>
                     </a:ext>
                   </a:extLst>
                 </p:cNvPr>
@@ -4767,7 +4592,7 @@
               </p:nvCxnSpPr>
               <p:spPr>
                 <a:xfrm>
-                  <a:off x="2865479" y="3599290"/>
+                  <a:off x="2416343" y="2618738"/>
                   <a:ext cx="182880" cy="0"/>
                 </a:xfrm>
                 <a:prstGeom prst="line">
@@ -4794,75 +4619,125 @@
                 </a:fontRef>
               </p:style>
             </p:cxnSp>
-            <p:cxnSp>
-              <p:nvCxnSpPr>
-                <p:cNvPr id="48" name="Straight Connector 47">
-                  <a:extLst>
-                    <a:ext uri="{FF2B5EF4-FFF2-40B4-BE49-F238E27FC236}">
-                      <a16:creationId xmlns:a16="http://schemas.microsoft.com/office/drawing/2014/main" id="{972B6AAB-77F3-7364-D5B7-9B80A1A82934}"/>
-                    </a:ext>
-                  </a:extLst>
-                </p:cNvPr>
-                <p:cNvCxnSpPr>
-                  <a:endCxn id="46" idx="2"/>
-                </p:cNvCxnSpPr>
-                <p:nvPr/>
-              </p:nvCxnSpPr>
-              <p:spPr>
-                <a:xfrm>
-                  <a:off x="2682598" y="2765397"/>
-                  <a:ext cx="1" cy="651013"/>
-                </a:xfrm>
-                <a:prstGeom prst="line">
-                  <a:avLst/>
-                </a:prstGeom>
-                <a:ln w="25400">
-                  <a:solidFill>
-                    <a:srgbClr val="00B050"/>
-                  </a:solidFill>
-                </a:ln>
-              </p:spPr>
-              <p:style>
-                <a:lnRef idx="1">
-                  <a:schemeClr val="accent1"/>
-                </a:lnRef>
-                <a:fillRef idx="0">
-                  <a:schemeClr val="accent1"/>
-                </a:fillRef>
-                <a:effectRef idx="0">
-                  <a:schemeClr val="accent1"/>
-                </a:effectRef>
-                <a:fontRef idx="minor">
-                  <a:schemeClr val="tx1"/>
-                </a:fontRef>
-              </p:style>
-            </p:cxnSp>
           </p:grpSp>
-          <p:cxnSp>
-            <p:nvCxnSpPr>
-              <p:cNvPr id="56" name="Straight Arrow Connector 55">
+          <p:sp>
+            <p:nvSpPr>
+              <p:cNvPr id="46" name="Arc 45">
                 <a:extLst>
                   <a:ext uri="{FF2B5EF4-FFF2-40B4-BE49-F238E27FC236}">
-                    <a16:creationId xmlns:a16="http://schemas.microsoft.com/office/drawing/2014/main" id="{37B7C7A3-DCA9-2230-B712-1A6824BD0D39}"/>
+                    <a16:creationId xmlns:a16="http://schemas.microsoft.com/office/drawing/2014/main" id="{C69A9006-2B05-944E-CD7F-0912F1C86F27}"/>
                   </a:ext>
                 </a:extLst>
               </p:cNvPr>
-              <p:cNvCxnSpPr/>
+              <p:cNvSpPr/>
               <p:nvPr/>
-            </p:nvCxnSpPr>
+            </p:nvSpPr>
             <p:spPr>
-              <a:xfrm>
-                <a:off x="4316060" y="3720361"/>
-                <a:ext cx="365760" cy="0"/>
+              <a:xfrm rot="10800000">
+                <a:off x="2682599" y="3233530"/>
+                <a:ext cx="365760" cy="365760"/>
               </a:xfrm>
-              <a:prstGeom prst="straightConnector1">
+              <a:prstGeom prst="arc">
                 <a:avLst/>
               </a:prstGeom>
               <a:ln w="25400">
                 <a:solidFill>
                   <a:srgbClr val="00B050"/>
                 </a:solidFill>
-                <a:tailEnd type="triangle"/>
+              </a:ln>
+            </p:spPr>
+            <p:style>
+              <a:lnRef idx="1">
+                <a:schemeClr val="accent1"/>
+              </a:lnRef>
+              <a:fillRef idx="0">
+                <a:schemeClr val="accent1"/>
+              </a:fillRef>
+              <a:effectRef idx="0">
+                <a:schemeClr val="accent1"/>
+              </a:effectRef>
+              <a:fontRef idx="minor">
+                <a:schemeClr val="tx1"/>
+              </a:fontRef>
+            </p:style>
+            <p:txBody>
+              <a:bodyPr rtlCol="0" anchor="ctr"/>
+              <a:lstStyle/>
+              <a:p>
+                <a:pPr algn="ctr"/>
+                <a:endParaRPr lang="en-US" dirty="0"/>
+              </a:p>
+            </p:txBody>
+          </p:sp>
+          <p:cxnSp>
+            <p:nvCxnSpPr>
+              <p:cNvPr id="47" name="Straight Connector 46">
+                <a:extLst>
+                  <a:ext uri="{FF2B5EF4-FFF2-40B4-BE49-F238E27FC236}">
+                    <a16:creationId xmlns:a16="http://schemas.microsoft.com/office/drawing/2014/main" id="{5302CE11-13CA-2696-2D3F-72EDF0228258}"/>
+                  </a:ext>
+                </a:extLst>
+              </p:cNvPr>
+              <p:cNvCxnSpPr>
+                <a:cxnSpLocks/>
+              </p:cNvCxnSpPr>
+              <p:nvPr/>
+            </p:nvCxnSpPr>
+            <p:spPr>
+              <a:xfrm>
+                <a:off x="2865479" y="3599290"/>
+                <a:ext cx="182880" cy="0"/>
+              </a:xfrm>
+              <a:prstGeom prst="line">
+                <a:avLst/>
+              </a:prstGeom>
+              <a:ln w="25400">
+                <a:solidFill>
+                  <a:srgbClr val="00B050"/>
+                </a:solidFill>
+              </a:ln>
+            </p:spPr>
+            <p:style>
+              <a:lnRef idx="1">
+                <a:schemeClr val="accent1"/>
+              </a:lnRef>
+              <a:fillRef idx="0">
+                <a:schemeClr val="accent1"/>
+              </a:fillRef>
+              <a:effectRef idx="0">
+                <a:schemeClr val="accent1"/>
+              </a:effectRef>
+              <a:fontRef idx="minor">
+                <a:schemeClr val="tx1"/>
+              </a:fontRef>
+            </p:style>
+          </p:cxnSp>
+          <p:cxnSp>
+            <p:nvCxnSpPr>
+              <p:cNvPr id="48" name="Straight Connector 47">
+                <a:extLst>
+                  <a:ext uri="{FF2B5EF4-FFF2-40B4-BE49-F238E27FC236}">
+                    <a16:creationId xmlns:a16="http://schemas.microsoft.com/office/drawing/2014/main" id="{972B6AAB-77F3-7364-D5B7-9B80A1A82934}"/>
+                  </a:ext>
+                </a:extLst>
+              </p:cNvPr>
+              <p:cNvCxnSpPr>
+                <a:endCxn id="46" idx="2"/>
+              </p:cNvCxnSpPr>
+              <p:nvPr/>
+            </p:nvCxnSpPr>
+            <p:spPr>
+              <a:xfrm>
+                <a:off x="2682598" y="2765397"/>
+                <a:ext cx="1" cy="651013"/>
+              </a:xfrm>
+              <a:prstGeom prst="line">
+                <a:avLst/>
+              </a:prstGeom>
+              <a:ln w="25400">
+                <a:solidFill>
+                  <a:srgbClr val="00B050"/>
+                </a:solidFill>
               </a:ln>
             </p:spPr>
             <p:style>
@@ -4881,12 +4756,75 @@
             </p:style>
           </p:cxnSp>
         </p:grpSp>
+        <p:cxnSp>
+          <p:nvCxnSpPr>
+            <p:cNvPr id="56" name="Straight Arrow Connector 55">
+              <a:extLst>
+                <a:ext uri="{FF2B5EF4-FFF2-40B4-BE49-F238E27FC236}">
+                  <a16:creationId xmlns:a16="http://schemas.microsoft.com/office/drawing/2014/main" id="{37B7C7A3-DCA9-2230-B712-1A6824BD0D39}"/>
+                </a:ext>
+              </a:extLst>
+            </p:cNvPr>
+            <p:cNvCxnSpPr/>
+            <p:nvPr/>
+          </p:nvCxnSpPr>
+          <p:spPr>
+            <a:xfrm>
+              <a:off x="4316060" y="3720361"/>
+              <a:ext cx="365760" cy="0"/>
+            </a:xfrm>
+            <a:prstGeom prst="straightConnector1">
+              <a:avLst/>
+            </a:prstGeom>
+            <a:ln w="25400">
+              <a:solidFill>
+                <a:srgbClr val="00B050"/>
+              </a:solidFill>
+              <a:tailEnd type="triangle"/>
+            </a:ln>
+          </p:spPr>
+          <p:style>
+            <a:lnRef idx="1">
+              <a:schemeClr val="accent1"/>
+            </a:lnRef>
+            <a:fillRef idx="0">
+              <a:schemeClr val="accent1"/>
+            </a:fillRef>
+            <a:effectRef idx="0">
+              <a:schemeClr val="accent1"/>
+            </a:effectRef>
+            <a:fontRef idx="minor">
+              <a:schemeClr val="tx1"/>
+            </a:fontRef>
+          </p:style>
+        </p:cxnSp>
+      </p:grpSp>
+      <p:grpSp>
+        <p:nvGrpSpPr>
+          <p:cNvPr id="67" name="Group 66">
+            <a:extLst>
+              <a:ext uri="{FF2B5EF4-FFF2-40B4-BE49-F238E27FC236}">
+                <a16:creationId xmlns:a16="http://schemas.microsoft.com/office/drawing/2014/main" id="{E65CB6E6-81A6-9C96-BB32-2E08DC72EAAF}"/>
+              </a:ext>
+            </a:extLst>
+          </p:cNvPr>
+          <p:cNvGrpSpPr/>
+          <p:nvPr/>
+        </p:nvGrpSpPr>
+        <p:grpSpPr>
+          <a:xfrm>
+            <a:off x="5900347" y="2609095"/>
+            <a:ext cx="455530" cy="2144977"/>
+            <a:chOff x="5640470" y="2255141"/>
+            <a:chExt cx="455530" cy="1604332"/>
+          </a:xfrm>
+        </p:grpSpPr>
         <p:grpSp>
           <p:nvGrpSpPr>
-            <p:cNvPr id="67" name="Group 66">
+            <p:cNvPr id="59" name="Group 58">
               <a:extLst>
                 <a:ext uri="{FF2B5EF4-FFF2-40B4-BE49-F238E27FC236}">
-                  <a16:creationId xmlns:a16="http://schemas.microsoft.com/office/drawing/2014/main" id="{E65CB6E6-81A6-9C96-BB32-2E08DC72EAAF}"/>
+                  <a16:creationId xmlns:a16="http://schemas.microsoft.com/office/drawing/2014/main" id="{2A1D84E8-CC1D-8787-07AF-140F5F5DF9FB}"/>
                 </a:ext>
               </a:extLst>
             </p:cNvPr>
@@ -4895,130 +4833,18 @@
           </p:nvGrpSpPr>
           <p:grpSpPr>
             <a:xfrm>
-              <a:off x="6122225" y="2597638"/>
-              <a:ext cx="455530" cy="2144977"/>
-              <a:chOff x="5640470" y="2255141"/>
-              <a:chExt cx="455530" cy="1604332"/>
+              <a:off x="5640470" y="2255141"/>
+              <a:ext cx="455530" cy="365760"/>
+              <a:chOff x="2233463" y="2618738"/>
+              <a:chExt cx="455530" cy="365760"/>
             </a:xfrm>
           </p:grpSpPr>
-          <p:grpSp>
-            <p:nvGrpSpPr>
-              <p:cNvPr id="59" name="Group 58">
+          <p:sp>
+            <p:nvSpPr>
+              <p:cNvPr id="63" name="Arc 62">
                 <a:extLst>
                   <a:ext uri="{FF2B5EF4-FFF2-40B4-BE49-F238E27FC236}">
-                    <a16:creationId xmlns:a16="http://schemas.microsoft.com/office/drawing/2014/main" id="{2A1D84E8-CC1D-8787-07AF-140F5F5DF9FB}"/>
-                  </a:ext>
-                </a:extLst>
-              </p:cNvPr>
-              <p:cNvGrpSpPr/>
-              <p:nvPr/>
-            </p:nvGrpSpPr>
-            <p:grpSpPr>
-              <a:xfrm>
-                <a:off x="5640470" y="2255141"/>
-                <a:ext cx="455530" cy="365760"/>
-                <a:chOff x="2233463" y="2618738"/>
-                <a:chExt cx="455530" cy="365760"/>
-              </a:xfrm>
-            </p:grpSpPr>
-            <p:sp>
-              <p:nvSpPr>
-                <p:cNvPr id="63" name="Arc 62">
-                  <a:extLst>
-                    <a:ext uri="{FF2B5EF4-FFF2-40B4-BE49-F238E27FC236}">
-                      <a16:creationId xmlns:a16="http://schemas.microsoft.com/office/drawing/2014/main" id="{EF9B5E79-9ED8-FF8F-C069-7ED500FDF32B}"/>
-                    </a:ext>
-                  </a:extLst>
-                </p:cNvPr>
-                <p:cNvSpPr/>
-                <p:nvPr/>
-              </p:nvSpPr>
-              <p:spPr>
-                <a:xfrm rot="16200000">
-                  <a:off x="2233463" y="2618738"/>
-                  <a:ext cx="365760" cy="365760"/>
-                </a:xfrm>
-                <a:prstGeom prst="arc">
-                  <a:avLst/>
-                </a:prstGeom>
-                <a:ln w="25400">
-                  <a:solidFill>
-                    <a:schemeClr val="accent4"/>
-                  </a:solidFill>
-                </a:ln>
-              </p:spPr>
-              <p:style>
-                <a:lnRef idx="1">
-                  <a:schemeClr val="accent1"/>
-                </a:lnRef>
-                <a:fillRef idx="0">
-                  <a:schemeClr val="accent1"/>
-                </a:fillRef>
-                <a:effectRef idx="0">
-                  <a:schemeClr val="accent1"/>
-                </a:effectRef>
-                <a:fontRef idx="minor">
-                  <a:schemeClr val="tx1"/>
-                </a:fontRef>
-              </p:style>
-              <p:txBody>
-                <a:bodyPr rtlCol="0" anchor="ctr"/>
-                <a:lstStyle/>
-                <a:p>
-                  <a:pPr algn="ctr"/>
-                  <a:endParaRPr lang="en-US" dirty="0"/>
-                </a:p>
-              </p:txBody>
-            </p:sp>
-            <p:cxnSp>
-              <p:nvCxnSpPr>
-                <p:cNvPr id="64" name="Straight Connector 63">
-                  <a:extLst>
-                    <a:ext uri="{FF2B5EF4-FFF2-40B4-BE49-F238E27FC236}">
-                      <a16:creationId xmlns:a16="http://schemas.microsoft.com/office/drawing/2014/main" id="{BCA6A994-308D-63CD-8C76-8D4A2606084A}"/>
-                    </a:ext>
-                  </a:extLst>
-                </p:cNvPr>
-                <p:cNvCxnSpPr/>
-                <p:nvPr/>
-              </p:nvCxnSpPr>
-              <p:spPr>
-                <a:xfrm>
-                  <a:off x="2416343" y="2618738"/>
-                  <a:ext cx="272650" cy="0"/>
-                </a:xfrm>
-                <a:prstGeom prst="line">
-                  <a:avLst/>
-                </a:prstGeom>
-                <a:ln w="25400">
-                  <a:solidFill>
-                    <a:schemeClr val="accent4"/>
-                  </a:solidFill>
-                  <a:tailEnd type="triangle"/>
-                </a:ln>
-              </p:spPr>
-              <p:style>
-                <a:lnRef idx="1">
-                  <a:schemeClr val="accent1"/>
-                </a:lnRef>
-                <a:fillRef idx="0">
-                  <a:schemeClr val="accent1"/>
-                </a:fillRef>
-                <a:effectRef idx="0">
-                  <a:schemeClr val="accent1"/>
-                </a:effectRef>
-                <a:fontRef idx="minor">
-                  <a:schemeClr val="tx1"/>
-                </a:fontRef>
-              </p:style>
-            </p:cxnSp>
-          </p:grpSp>
-          <p:sp>
-            <p:nvSpPr>
-              <p:cNvPr id="60" name="Arc 59">
-                <a:extLst>
-                  <a:ext uri="{FF2B5EF4-FFF2-40B4-BE49-F238E27FC236}">
-                    <a16:creationId xmlns:a16="http://schemas.microsoft.com/office/drawing/2014/main" id="{DD3AEADC-EFF5-FC4F-BD3D-82A0A8DD4E38}"/>
+                    <a16:creationId xmlns:a16="http://schemas.microsoft.com/office/drawing/2014/main" id="{EF9B5E79-9ED8-FF8F-C069-7ED500FDF32B}"/>
                   </a:ext>
                 </a:extLst>
               </p:cNvPr>
@@ -5026,8 +4852,8 @@
               <p:nvPr/>
             </p:nvSpPr>
             <p:spPr>
-              <a:xfrm rot="10800000">
-                <a:off x="5640470" y="3491018"/>
+              <a:xfrm rot="16200000">
+                <a:off x="2233463" y="2618738"/>
                 <a:ext cx="365760" cy="365760"/>
               </a:xfrm>
               <a:prstGeom prst="arc">
@@ -5064,10 +4890,10 @@
           </p:sp>
           <p:cxnSp>
             <p:nvCxnSpPr>
-              <p:cNvPr id="61" name="Straight Connector 60">
+              <p:cNvPr id="64" name="Straight Connector 63">
                 <a:extLst>
                   <a:ext uri="{FF2B5EF4-FFF2-40B4-BE49-F238E27FC236}">
-                    <a16:creationId xmlns:a16="http://schemas.microsoft.com/office/drawing/2014/main" id="{A3EDA2A4-B586-8101-EE90-398BE33BC65F}"/>
+                    <a16:creationId xmlns:a16="http://schemas.microsoft.com/office/drawing/2014/main" id="{BCA6A994-308D-63CD-8C76-8D4A2606084A}"/>
                   </a:ext>
                 </a:extLst>
               </p:cNvPr>
@@ -5076,7 +4902,7 @@
             </p:nvCxnSpPr>
             <p:spPr>
               <a:xfrm>
-                <a:off x="5779878" y="3859473"/>
+                <a:off x="2416343" y="2618738"/>
                 <a:ext cx="272650" cy="0"/>
               </a:xfrm>
               <a:prstGeom prst="line">
@@ -5086,7 +4912,6 @@
                 <a:solidFill>
                   <a:schemeClr val="accent4"/>
                 </a:solidFill>
-                <a:headEnd type="none"/>
                 <a:tailEnd type="triangle"/>
               </a:ln>
             </p:spPr>
@@ -5105,99 +4930,13 @@
               </a:fontRef>
             </p:style>
           </p:cxnSp>
-          <p:cxnSp>
-            <p:nvCxnSpPr>
-              <p:cNvPr id="62" name="Straight Connector 61">
-                <a:extLst>
-                  <a:ext uri="{FF2B5EF4-FFF2-40B4-BE49-F238E27FC236}">
-                    <a16:creationId xmlns:a16="http://schemas.microsoft.com/office/drawing/2014/main" id="{251E1E4D-2834-1CA8-D886-E65D73F14FB6}"/>
-                  </a:ext>
-                </a:extLst>
-              </p:cNvPr>
-              <p:cNvCxnSpPr>
-                <a:stCxn id="63" idx="0"/>
-                <a:endCxn id="60" idx="2"/>
-              </p:cNvCxnSpPr>
-              <p:nvPr/>
-            </p:nvCxnSpPr>
-            <p:spPr>
-              <a:xfrm>
-                <a:off x="5640470" y="2438021"/>
-                <a:ext cx="0" cy="1235877"/>
-              </a:xfrm>
-              <a:prstGeom prst="line">
-                <a:avLst/>
-              </a:prstGeom>
-              <a:ln w="25400">
-                <a:solidFill>
-                  <a:schemeClr val="accent4"/>
-                </a:solidFill>
-              </a:ln>
-            </p:spPr>
-            <p:style>
-              <a:lnRef idx="1">
-                <a:schemeClr val="accent1"/>
-              </a:lnRef>
-              <a:fillRef idx="0">
-                <a:schemeClr val="accent1"/>
-              </a:fillRef>
-              <a:effectRef idx="0">
-                <a:schemeClr val="accent1"/>
-              </a:effectRef>
-              <a:fontRef idx="minor">
-                <a:schemeClr val="tx1"/>
-              </a:fontRef>
-            </p:style>
-          </p:cxnSp>
         </p:grpSp>
-        <p:cxnSp>
-          <p:nvCxnSpPr>
-            <p:cNvPr id="68" name="Straight Arrow Connector 67">
+        <p:sp>
+          <p:nvSpPr>
+            <p:cNvPr id="60" name="Arc 59">
               <a:extLst>
                 <a:ext uri="{FF2B5EF4-FFF2-40B4-BE49-F238E27FC236}">
-                  <a16:creationId xmlns:a16="http://schemas.microsoft.com/office/drawing/2014/main" id="{CA84B2C6-C01C-F6CA-0239-B251262459BE}"/>
-                </a:ext>
-              </a:extLst>
-            </p:cNvPr>
-            <p:cNvCxnSpPr/>
-            <p:nvPr/>
-          </p:nvCxnSpPr>
-          <p:spPr>
-            <a:xfrm flipV="1">
-              <a:off x="5905735" y="3720333"/>
-              <a:ext cx="628548" cy="6"/>
-            </a:xfrm>
-            <a:prstGeom prst="straightConnector1">
-              <a:avLst/>
-            </a:prstGeom>
-            <a:ln w="25400">
-              <a:solidFill>
-                <a:schemeClr val="accent4"/>
-              </a:solidFill>
-              <a:tailEnd type="triangle"/>
-            </a:ln>
-          </p:spPr>
-          <p:style>
-            <a:lnRef idx="1">
-              <a:schemeClr val="accent1"/>
-            </a:lnRef>
-            <a:fillRef idx="0">
-              <a:schemeClr val="accent1"/>
-            </a:fillRef>
-            <a:effectRef idx="0">
-              <a:schemeClr val="accent1"/>
-            </a:effectRef>
-            <a:fontRef idx="minor">
-              <a:schemeClr val="tx1"/>
-            </a:fontRef>
-          </p:style>
-        </p:cxnSp>
-        <p:sp>
-          <p:nvSpPr>
-            <p:cNvPr id="78" name="Arc 77">
-              <a:extLst>
-                <a:ext uri="{FF2B5EF4-FFF2-40B4-BE49-F238E27FC236}">
-                  <a16:creationId xmlns:a16="http://schemas.microsoft.com/office/drawing/2014/main" id="{DC58F88F-3ADC-614F-1D89-144C5C4C7556}"/>
+                  <a16:creationId xmlns:a16="http://schemas.microsoft.com/office/drawing/2014/main" id="{DD3AEADC-EFF5-FC4F-BD3D-82A0A8DD4E38}"/>
                 </a:ext>
               </a:extLst>
             </p:cNvPr>
@@ -5205,8 +4944,8 @@
             <p:nvPr/>
           </p:nvSpPr>
           <p:spPr>
-            <a:xfrm rot="5400000">
-              <a:off x="8298579" y="4376858"/>
+            <a:xfrm rot="10800000">
+              <a:off x="5640470" y="3491018"/>
               <a:ext cx="365760" cy="365760"/>
             </a:xfrm>
             <a:prstGeom prst="arc">
@@ -5214,7 +4953,7 @@
             </a:prstGeom>
             <a:ln w="25400">
               <a:solidFill>
-                <a:srgbClr val="00B0F0"/>
+                <a:schemeClr val="accent4"/>
               </a:solidFill>
             </a:ln>
           </p:spPr>
@@ -5243,31 +4982,30 @@
         </p:sp>
         <p:cxnSp>
           <p:nvCxnSpPr>
-            <p:cNvPr id="79" name="Straight Connector 78">
+            <p:cNvPr id="61" name="Straight Connector 60">
               <a:extLst>
                 <a:ext uri="{FF2B5EF4-FFF2-40B4-BE49-F238E27FC236}">
-                  <a16:creationId xmlns:a16="http://schemas.microsoft.com/office/drawing/2014/main" id="{EDE1AC3C-6602-D160-4FA8-AF1CA0A5CBD6}"/>
+                  <a16:creationId xmlns:a16="http://schemas.microsoft.com/office/drawing/2014/main" id="{A3EDA2A4-B586-8101-EE90-398BE33BC65F}"/>
                 </a:ext>
               </a:extLst>
             </p:cNvPr>
-            <p:cNvCxnSpPr>
-              <a:endCxn id="11" idx="3"/>
-            </p:cNvCxnSpPr>
+            <p:cNvCxnSpPr/>
             <p:nvPr/>
           </p:nvCxnSpPr>
           <p:spPr>
-            <a:xfrm flipH="1">
-              <a:off x="8256050" y="4201973"/>
-              <a:ext cx="408289" cy="2"/>
+            <a:xfrm>
+              <a:off x="5779878" y="3859473"/>
+              <a:ext cx="272650" cy="0"/>
             </a:xfrm>
             <a:prstGeom prst="line">
               <a:avLst/>
             </a:prstGeom>
             <a:ln w="25400">
               <a:solidFill>
-                <a:srgbClr val="00B0F0"/>
+                <a:schemeClr val="accent4"/>
               </a:solidFill>
-              <a:tailEnd type="none"/>
+              <a:headEnd type="none"/>
+              <a:tailEnd type="triangle"/>
             </a:ln>
           </p:spPr>
           <p:style>
@@ -5287,74 +5025,30 @@
         </p:cxnSp>
         <p:cxnSp>
           <p:nvCxnSpPr>
-            <p:cNvPr id="76" name="Straight Connector 75">
+            <p:cNvPr id="62" name="Straight Connector 61">
               <a:extLst>
                 <a:ext uri="{FF2B5EF4-FFF2-40B4-BE49-F238E27FC236}">
-                  <a16:creationId xmlns:a16="http://schemas.microsoft.com/office/drawing/2014/main" id="{C7A6D99B-6031-25EE-576A-58DB92B2E778}"/>
+                  <a16:creationId xmlns:a16="http://schemas.microsoft.com/office/drawing/2014/main" id="{251E1E4D-2834-1CA8-D886-E65D73F14FB6}"/>
                 </a:ext>
               </a:extLst>
             </p:cNvPr>
             <p:cNvCxnSpPr>
-              <a:stCxn id="1070" idx="0"/>
+              <a:stCxn id="63" idx="0"/>
+              <a:endCxn id="60" idx="2"/>
             </p:cNvCxnSpPr>
             <p:nvPr/>
           </p:nvCxnSpPr>
           <p:spPr>
-            <a:xfrm flipH="1" flipV="1">
-              <a:off x="8252281" y="2597642"/>
-              <a:ext cx="228335" cy="1"/>
+            <a:xfrm>
+              <a:off x="5640470" y="2438021"/>
+              <a:ext cx="0" cy="1235877"/>
             </a:xfrm>
             <a:prstGeom prst="line">
               <a:avLst/>
             </a:prstGeom>
             <a:ln w="25400">
               <a:solidFill>
-                <a:srgbClr val="00B0F0"/>
-              </a:solidFill>
-              <a:headEnd type="none"/>
-              <a:tailEnd type="none"/>
-            </a:ln>
-          </p:spPr>
-          <p:style>
-            <a:lnRef idx="1">
-              <a:schemeClr val="accent1"/>
-            </a:lnRef>
-            <a:fillRef idx="0">
-              <a:schemeClr val="accent1"/>
-            </a:fillRef>
-            <a:effectRef idx="0">
-              <a:schemeClr val="accent1"/>
-            </a:effectRef>
-            <a:fontRef idx="minor">
-              <a:schemeClr val="tx1"/>
-            </a:fontRef>
-          </p:style>
-        </p:cxnSp>
-        <p:cxnSp>
-          <p:nvCxnSpPr>
-            <p:cNvPr id="77" name="Straight Connector 76">
-              <a:extLst>
-                <a:ext uri="{FF2B5EF4-FFF2-40B4-BE49-F238E27FC236}">
-                  <a16:creationId xmlns:a16="http://schemas.microsoft.com/office/drawing/2014/main" id="{A9F54010-5450-DA1E-4FEC-9812202308B7}"/>
-                </a:ext>
-              </a:extLst>
-            </p:cNvPr>
-            <p:cNvCxnSpPr>
-              <a:stCxn id="78" idx="0"/>
-            </p:cNvCxnSpPr>
-            <p:nvPr/>
-          </p:nvCxnSpPr>
-          <p:spPr>
-            <a:xfrm flipV="1">
-              <a:off x="8664339" y="2780521"/>
-              <a:ext cx="0" cy="1779217"/>
-            </a:xfrm>
-            <a:prstGeom prst="line">
-              <a:avLst/>
-            </a:prstGeom>
-            <a:ln w="25400">
-              <a:solidFill>
-                <a:srgbClr val="00B0F0"/>
+                <a:schemeClr val="accent4"/>
               </a:solidFill>
             </a:ln>
           </p:spPr>
@@ -5373,47 +5067,721 @@
             </a:fontRef>
           </p:style>
         </p:cxnSp>
+      </p:grpSp>
+      <p:cxnSp>
+        <p:nvCxnSpPr>
+          <p:cNvPr id="68" name="Straight Arrow Connector 67">
+            <a:extLst>
+              <a:ext uri="{FF2B5EF4-FFF2-40B4-BE49-F238E27FC236}">
+                <a16:creationId xmlns:a16="http://schemas.microsoft.com/office/drawing/2014/main" id="{CA84B2C6-C01C-F6CA-0239-B251262459BE}"/>
+              </a:ext>
+            </a:extLst>
+          </p:cNvPr>
+          <p:cNvCxnSpPr/>
+          <p:nvPr/>
+        </p:nvCxnSpPr>
+        <p:spPr>
+          <a:xfrm flipV="1">
+            <a:off x="5683857" y="3731790"/>
+            <a:ext cx="628548" cy="6"/>
+          </a:xfrm>
+          <a:prstGeom prst="straightConnector1">
+            <a:avLst/>
+          </a:prstGeom>
+          <a:ln w="25400">
+            <a:solidFill>
+              <a:schemeClr val="accent4"/>
+            </a:solidFill>
+            <a:tailEnd type="triangle"/>
+          </a:ln>
+        </p:spPr>
+        <p:style>
+          <a:lnRef idx="1">
+            <a:schemeClr val="accent1"/>
+          </a:lnRef>
+          <a:fillRef idx="0">
+            <a:schemeClr val="accent1"/>
+          </a:fillRef>
+          <a:effectRef idx="0">
+            <a:schemeClr val="accent1"/>
+          </a:effectRef>
+          <a:fontRef idx="minor">
+            <a:schemeClr val="tx1"/>
+          </a:fontRef>
+        </p:style>
+      </p:cxnSp>
+      <p:sp>
+        <p:nvSpPr>
+          <p:cNvPr id="78" name="Arc 77">
+            <a:extLst>
+              <a:ext uri="{FF2B5EF4-FFF2-40B4-BE49-F238E27FC236}">
+                <a16:creationId xmlns:a16="http://schemas.microsoft.com/office/drawing/2014/main" id="{DC58F88F-3ADC-614F-1D89-144C5C4C7556}"/>
+              </a:ext>
+            </a:extLst>
+          </p:cNvPr>
+          <p:cNvSpPr/>
+          <p:nvPr/>
+        </p:nvSpPr>
+        <p:spPr>
+          <a:xfrm rot="5400000">
+            <a:off x="8076701" y="4388315"/>
+            <a:ext cx="365760" cy="365760"/>
+          </a:xfrm>
+          <a:prstGeom prst="arc">
+            <a:avLst/>
+          </a:prstGeom>
+          <a:ln w="25400">
+            <a:solidFill>
+              <a:srgbClr val="00B0F0"/>
+            </a:solidFill>
+          </a:ln>
+        </p:spPr>
+        <p:style>
+          <a:lnRef idx="1">
+            <a:schemeClr val="accent1"/>
+          </a:lnRef>
+          <a:fillRef idx="0">
+            <a:schemeClr val="accent1"/>
+          </a:fillRef>
+          <a:effectRef idx="0">
+            <a:schemeClr val="accent1"/>
+          </a:effectRef>
+          <a:fontRef idx="minor">
+            <a:schemeClr val="tx1"/>
+          </a:fontRef>
+        </p:style>
+        <p:txBody>
+          <a:bodyPr rtlCol="0" anchor="ctr"/>
+          <a:lstStyle/>
+          <a:p>
+            <a:pPr algn="ctr"/>
+            <a:endParaRPr lang="en-US" dirty="0"/>
+          </a:p>
+        </p:txBody>
+      </p:sp>
+      <p:cxnSp>
+        <p:nvCxnSpPr>
+          <p:cNvPr id="79" name="Straight Connector 78">
+            <a:extLst>
+              <a:ext uri="{FF2B5EF4-FFF2-40B4-BE49-F238E27FC236}">
+                <a16:creationId xmlns:a16="http://schemas.microsoft.com/office/drawing/2014/main" id="{EDE1AC3C-6602-D160-4FA8-AF1CA0A5CBD6}"/>
+              </a:ext>
+            </a:extLst>
+          </p:cNvPr>
+          <p:cNvCxnSpPr>
+            <a:endCxn id="11" idx="3"/>
+          </p:cNvCxnSpPr>
+          <p:nvPr/>
+        </p:nvCxnSpPr>
+        <p:spPr>
+          <a:xfrm flipH="1">
+            <a:off x="8034172" y="4213430"/>
+            <a:ext cx="408289" cy="2"/>
+          </a:xfrm>
+          <a:prstGeom prst="line">
+            <a:avLst/>
+          </a:prstGeom>
+          <a:ln w="25400">
+            <a:solidFill>
+              <a:srgbClr val="00B0F0"/>
+            </a:solidFill>
+            <a:tailEnd type="none"/>
+          </a:ln>
+        </p:spPr>
+        <p:style>
+          <a:lnRef idx="1">
+            <a:schemeClr val="accent1"/>
+          </a:lnRef>
+          <a:fillRef idx="0">
+            <a:schemeClr val="accent1"/>
+          </a:fillRef>
+          <a:effectRef idx="0">
+            <a:schemeClr val="accent1"/>
+          </a:effectRef>
+          <a:fontRef idx="minor">
+            <a:schemeClr val="tx1"/>
+          </a:fontRef>
+        </p:style>
+      </p:cxnSp>
+      <p:cxnSp>
+        <p:nvCxnSpPr>
+          <p:cNvPr id="76" name="Straight Connector 75">
+            <a:extLst>
+              <a:ext uri="{FF2B5EF4-FFF2-40B4-BE49-F238E27FC236}">
+                <a16:creationId xmlns:a16="http://schemas.microsoft.com/office/drawing/2014/main" id="{C7A6D99B-6031-25EE-576A-58DB92B2E778}"/>
+              </a:ext>
+            </a:extLst>
+          </p:cNvPr>
+          <p:cNvCxnSpPr>
+            <a:stCxn id="1070" idx="0"/>
+          </p:cNvCxnSpPr>
+          <p:nvPr/>
+        </p:nvCxnSpPr>
+        <p:spPr>
+          <a:xfrm flipH="1" flipV="1">
+            <a:off x="8030403" y="2609099"/>
+            <a:ext cx="228335" cy="1"/>
+          </a:xfrm>
+          <a:prstGeom prst="line">
+            <a:avLst/>
+          </a:prstGeom>
+          <a:ln w="25400">
+            <a:solidFill>
+              <a:srgbClr val="00B0F0"/>
+            </a:solidFill>
+            <a:headEnd type="none"/>
+            <a:tailEnd type="none"/>
+          </a:ln>
+        </p:spPr>
+        <p:style>
+          <a:lnRef idx="1">
+            <a:schemeClr val="accent1"/>
+          </a:lnRef>
+          <a:fillRef idx="0">
+            <a:schemeClr val="accent1"/>
+          </a:fillRef>
+          <a:effectRef idx="0">
+            <a:schemeClr val="accent1"/>
+          </a:effectRef>
+          <a:fontRef idx="minor">
+            <a:schemeClr val="tx1"/>
+          </a:fontRef>
+        </p:style>
+      </p:cxnSp>
+      <p:cxnSp>
+        <p:nvCxnSpPr>
+          <p:cNvPr id="77" name="Straight Connector 76">
+            <a:extLst>
+              <a:ext uri="{FF2B5EF4-FFF2-40B4-BE49-F238E27FC236}">
+                <a16:creationId xmlns:a16="http://schemas.microsoft.com/office/drawing/2014/main" id="{A9F54010-5450-DA1E-4FEC-9812202308B7}"/>
+              </a:ext>
+            </a:extLst>
+          </p:cNvPr>
+          <p:cNvCxnSpPr>
+            <a:stCxn id="78" idx="0"/>
+          </p:cNvCxnSpPr>
+          <p:nvPr/>
+        </p:nvCxnSpPr>
+        <p:spPr>
+          <a:xfrm flipV="1">
+            <a:off x="8442461" y="2791978"/>
+            <a:ext cx="0" cy="1779217"/>
+          </a:xfrm>
+          <a:prstGeom prst="line">
+            <a:avLst/>
+          </a:prstGeom>
+          <a:ln w="25400">
+            <a:solidFill>
+              <a:srgbClr val="00B0F0"/>
+            </a:solidFill>
+          </a:ln>
+        </p:spPr>
+        <p:style>
+          <a:lnRef idx="1">
+            <a:schemeClr val="accent1"/>
+          </a:lnRef>
+          <a:fillRef idx="0">
+            <a:schemeClr val="accent1"/>
+          </a:fillRef>
+          <a:effectRef idx="0">
+            <a:schemeClr val="accent1"/>
+          </a:effectRef>
+          <a:fontRef idx="minor">
+            <a:schemeClr val="tx1"/>
+          </a:fontRef>
+        </p:style>
+      </p:cxnSp>
+      <p:sp>
+        <p:nvSpPr>
+          <p:cNvPr id="92" name="TextBox 91">
+            <a:extLst>
+              <a:ext uri="{FF2B5EF4-FFF2-40B4-BE49-F238E27FC236}">
+                <a16:creationId xmlns:a16="http://schemas.microsoft.com/office/drawing/2014/main" id="{7C61AB87-D9C7-522A-C76E-5367368215FE}"/>
+              </a:ext>
+            </a:extLst>
+          </p:cNvPr>
+          <p:cNvSpPr txBox="1"/>
+          <p:nvPr/>
+        </p:nvSpPr>
+        <p:spPr>
+          <a:xfrm>
+            <a:off x="6612269" y="2433423"/>
+            <a:ext cx="681597" cy="369332"/>
+          </a:xfrm>
+          <a:prstGeom prst="rect">
+            <a:avLst/>
+          </a:prstGeom>
+          <a:noFill/>
+        </p:spPr>
+        <p:txBody>
+          <a:bodyPr wrap="none" rtlCol="0">
+            <a:spAutoFit/>
+          </a:bodyPr>
+          <a:lstStyle/>
+          <a:p>
+            <a:r>
+              <a:rPr lang="en-US" dirty="0"/>
+              <a:t>SpO2</a:t>
+            </a:r>
+          </a:p>
+        </p:txBody>
+      </p:sp>
+      <p:sp>
+        <p:nvSpPr>
+          <p:cNvPr id="10" name="Rectangle 9">
+            <a:extLst>
+              <a:ext uri="{FF2B5EF4-FFF2-40B4-BE49-F238E27FC236}">
+                <a16:creationId xmlns:a16="http://schemas.microsoft.com/office/drawing/2014/main" id="{B4DEEF3E-AFD3-4E98-6156-A4DC8263B74B}"/>
+              </a:ext>
+            </a:extLst>
+          </p:cNvPr>
+          <p:cNvSpPr/>
+          <p:nvPr/>
+        </p:nvSpPr>
+        <p:spPr>
+          <a:xfrm>
+            <a:off x="6426291" y="2984547"/>
+            <a:ext cx="1607883" cy="353171"/>
+          </a:xfrm>
+          <a:prstGeom prst="rect">
+            <a:avLst/>
+          </a:prstGeom>
+          <a:noFill/>
+          <a:ln w="28575">
+            <a:solidFill>
+              <a:srgbClr val="00B0F0"/>
+            </a:solidFill>
+          </a:ln>
+        </p:spPr>
+        <p:style>
+          <a:lnRef idx="2">
+            <a:schemeClr val="accent1">
+              <a:shade val="50000"/>
+            </a:schemeClr>
+          </a:lnRef>
+          <a:fillRef idx="1">
+            <a:schemeClr val="accent1"/>
+          </a:fillRef>
+          <a:effectRef idx="0">
+            <a:schemeClr val="accent1"/>
+          </a:effectRef>
+          <a:fontRef idx="minor">
+            <a:schemeClr val="lt1"/>
+          </a:fontRef>
+        </p:style>
+        <p:txBody>
+          <a:bodyPr rtlCol="0" anchor="ctr"/>
+          <a:lstStyle/>
+          <a:p>
+            <a:pPr algn="ctr"/>
+            <a:endParaRPr lang="en-US" dirty="0"/>
+          </a:p>
+        </p:txBody>
+      </p:sp>
+      <p:cxnSp>
+        <p:nvCxnSpPr>
+          <p:cNvPr id="80" name="Straight Arrow Connector 79">
+            <a:extLst>
+              <a:ext uri="{FF2B5EF4-FFF2-40B4-BE49-F238E27FC236}">
+                <a16:creationId xmlns:a16="http://schemas.microsoft.com/office/drawing/2014/main" id="{3EABFBE3-43FC-6EE3-DE6D-6743BDD48BE3}"/>
+              </a:ext>
+            </a:extLst>
+          </p:cNvPr>
+          <p:cNvCxnSpPr/>
+          <p:nvPr/>
+        </p:nvCxnSpPr>
+        <p:spPr>
+          <a:xfrm>
+            <a:off x="8040695" y="3157984"/>
+            <a:ext cx="401766" cy="0"/>
+          </a:xfrm>
+          <a:prstGeom prst="straightConnector1">
+            <a:avLst/>
+          </a:prstGeom>
+          <a:ln w="25400">
+            <a:solidFill>
+              <a:srgbClr val="00B0F0"/>
+            </a:solidFill>
+            <a:tailEnd type="none"/>
+          </a:ln>
+        </p:spPr>
+        <p:style>
+          <a:lnRef idx="1">
+            <a:schemeClr val="accent1"/>
+          </a:lnRef>
+          <a:fillRef idx="0">
+            <a:schemeClr val="accent1"/>
+          </a:fillRef>
+          <a:effectRef idx="0">
+            <a:schemeClr val="accent1"/>
+          </a:effectRef>
+          <a:fontRef idx="minor">
+            <a:schemeClr val="tx1"/>
+          </a:fontRef>
+        </p:style>
+      </p:cxnSp>
+      <p:sp>
+        <p:nvSpPr>
+          <p:cNvPr id="93" name="TextBox 92">
+            <a:extLst>
+              <a:ext uri="{FF2B5EF4-FFF2-40B4-BE49-F238E27FC236}">
+                <a16:creationId xmlns:a16="http://schemas.microsoft.com/office/drawing/2014/main" id="{6A3F12BC-44F9-31D1-7B7E-870A16953214}"/>
+              </a:ext>
+            </a:extLst>
+          </p:cNvPr>
+          <p:cNvSpPr txBox="1"/>
+          <p:nvPr/>
+        </p:nvSpPr>
+        <p:spPr>
+          <a:xfrm>
+            <a:off x="6441280" y="2966919"/>
+            <a:ext cx="1178846" cy="369332"/>
+          </a:xfrm>
+          <a:prstGeom prst="rect">
+            <a:avLst/>
+          </a:prstGeom>
+          <a:noFill/>
+        </p:spPr>
+        <p:txBody>
+          <a:bodyPr wrap="square" rtlCol="0">
+            <a:spAutoFit/>
+          </a:bodyPr>
+          <a:lstStyle/>
+          <a:p>
+            <a:r>
+              <a:rPr lang="en-US" dirty="0"/>
+              <a:t>Heart Rate</a:t>
+            </a:r>
+          </a:p>
+        </p:txBody>
+      </p:sp>
+      <p:pic>
+        <p:nvPicPr>
+          <p:cNvPr id="122" name="Picture 121" descr="Logo, icon&#10;&#10;Description automatically generated">
+            <a:extLst>
+              <a:ext uri="{FF2B5EF4-FFF2-40B4-BE49-F238E27FC236}">
+                <a16:creationId xmlns:a16="http://schemas.microsoft.com/office/drawing/2014/main" id="{251EE51D-D9A0-DA46-4F58-E3BA5930FEE3}"/>
+              </a:ext>
+            </a:extLst>
+          </p:cNvPr>
+          <p:cNvPicPr>
+            <a:picLocks noChangeAspect="1"/>
+          </p:cNvPicPr>
+          <p:nvPr/>
+        </p:nvPicPr>
+        <p:blipFill>
+          <a:blip r:embed="rId6"/>
+          <a:stretch>
+            <a:fillRect/>
+          </a:stretch>
+        </p:blipFill>
+        <p:spPr>
+          <a:xfrm>
+            <a:off x="7670012" y="2468057"/>
+            <a:ext cx="219308" cy="301549"/>
+          </a:xfrm>
+          <a:prstGeom prst="rect">
+            <a:avLst/>
+          </a:prstGeom>
+        </p:spPr>
+      </p:pic>
+      <p:pic>
+        <p:nvPicPr>
+          <p:cNvPr id="1028" name="Picture 4" descr="Accelerometer Icons - Free SVG &amp; PNG Accelerometer Images - Noun Project">
+            <a:extLst>
+              <a:ext uri="{FF2B5EF4-FFF2-40B4-BE49-F238E27FC236}">
+                <a16:creationId xmlns:a16="http://schemas.microsoft.com/office/drawing/2014/main" id="{CFAFBD0B-0D7E-AB3B-9F2D-D712FADC2EF5}"/>
+              </a:ext>
+            </a:extLst>
+          </p:cNvPr>
+          <p:cNvPicPr>
+            <a:picLocks noChangeAspect="1" noChangeArrowheads="1"/>
+          </p:cNvPicPr>
+          <p:nvPr/>
+        </p:nvPicPr>
+        <p:blipFill>
+          <a:blip r:embed="rId7">
+            <a:extLst>
+              <a:ext uri="{28A0092B-C50C-407E-A947-70E740481C1C}">
+                <a14:useLocalDpi xmlns:a14="http://schemas.microsoft.com/office/drawing/2010/main" val="0"/>
+              </a:ext>
+            </a:extLst>
+          </a:blip>
+          <a:srcRect/>
+          <a:stretch>
+            <a:fillRect/>
+          </a:stretch>
+        </p:blipFill>
+        <p:spPr bwMode="auto">
+          <a:xfrm flipV="1">
+            <a:off x="7651083" y="3563200"/>
+            <a:ext cx="272652" cy="272652"/>
+          </a:xfrm>
+          <a:prstGeom prst="rect">
+            <a:avLst/>
+          </a:prstGeom>
+          <a:noFill/>
+          <a:extLst>
+            <a:ext uri="{909E8E84-426E-40DD-AFC4-6F175D3DCCD1}">
+              <a14:hiddenFill xmlns:a14="http://schemas.microsoft.com/office/drawing/2010/main">
+                <a:solidFill>
+                  <a:srgbClr val="FFFFFF"/>
+                </a:solidFill>
+              </a14:hiddenFill>
+            </a:ext>
+          </a:extLst>
+        </p:spPr>
+      </p:pic>
+      <p:pic>
+        <p:nvPicPr>
+          <p:cNvPr id="1034" name="Picture 10" descr="Gyroscope Sensor Icon - Free PNG &amp; SVG 614173 - Noun Project">
+            <a:extLst>
+              <a:ext uri="{FF2B5EF4-FFF2-40B4-BE49-F238E27FC236}">
+                <a16:creationId xmlns:a16="http://schemas.microsoft.com/office/drawing/2014/main" id="{A604DB0E-E58C-C725-FF2A-41BB18F582E2}"/>
+              </a:ext>
+            </a:extLst>
+          </p:cNvPr>
+          <p:cNvPicPr>
+            <a:picLocks noChangeAspect="1" noChangeArrowheads="1"/>
+          </p:cNvPicPr>
+          <p:nvPr/>
+        </p:nvPicPr>
+        <p:blipFill>
+          <a:blip r:embed="rId8">
+            <a:extLst>
+              <a:ext uri="{28A0092B-C50C-407E-A947-70E740481C1C}">
+                <a14:useLocalDpi xmlns:a14="http://schemas.microsoft.com/office/drawing/2010/main" val="0"/>
+              </a:ext>
+            </a:extLst>
+          </a:blip>
+          <a:srcRect/>
+          <a:stretch>
+            <a:fillRect/>
+          </a:stretch>
+        </p:blipFill>
+        <p:spPr bwMode="auto">
+          <a:xfrm flipH="1" flipV="1">
+            <a:off x="7670668" y="4088856"/>
+            <a:ext cx="235185" cy="235185"/>
+          </a:xfrm>
+          <a:prstGeom prst="rect">
+            <a:avLst/>
+          </a:prstGeom>
+          <a:noFill/>
+          <a:extLst>
+            <a:ext uri="{909E8E84-426E-40DD-AFC4-6F175D3DCCD1}">
+              <a14:hiddenFill xmlns:a14="http://schemas.microsoft.com/office/drawing/2010/main">
+                <a:solidFill>
+                  <a:srgbClr val="FFFFFF"/>
+                </a:solidFill>
+              </a14:hiddenFill>
+            </a:ext>
+          </a:extLst>
+        </p:spPr>
+      </p:pic>
+      <p:pic>
+        <p:nvPicPr>
+          <p:cNvPr id="125" name="Picture 14" descr="Compass Symbol Vector Art, Icons, and Graphics for Free Download">
+            <a:extLst>
+              <a:ext uri="{FF2B5EF4-FFF2-40B4-BE49-F238E27FC236}">
+                <a16:creationId xmlns:a16="http://schemas.microsoft.com/office/drawing/2014/main" id="{6F9742B0-59F4-898C-5A39-20475145976E}"/>
+              </a:ext>
+            </a:extLst>
+          </p:cNvPr>
+          <p:cNvPicPr>
+            <a:picLocks noChangeAspect="1" noChangeArrowheads="1"/>
+          </p:cNvPicPr>
+          <p:nvPr/>
+        </p:nvPicPr>
+        <p:blipFill rotWithShape="1">
+          <a:blip r:embed="rId9">
+            <a:extLst>
+              <a:ext uri="{28A0092B-C50C-407E-A947-70E740481C1C}">
+                <a14:useLocalDpi xmlns:a14="http://schemas.microsoft.com/office/drawing/2010/main" val="0"/>
+              </a:ext>
+            </a:extLst>
+          </a:blip>
+          <a:srcRect l="20082" t="19150" r="18637" b="19461"/>
+          <a:stretch/>
+        </p:blipFill>
+        <p:spPr bwMode="auto">
+          <a:xfrm>
+            <a:off x="7643001" y="4608443"/>
+            <a:ext cx="275991" cy="276474"/>
+          </a:xfrm>
+          <a:prstGeom prst="rect">
+            <a:avLst/>
+          </a:prstGeom>
+          <a:noFill/>
+          <a:extLst>
+            <a:ext uri="{909E8E84-426E-40DD-AFC4-6F175D3DCCD1}">
+              <a14:hiddenFill xmlns:a14="http://schemas.microsoft.com/office/drawing/2010/main">
+                <a:solidFill>
+                  <a:srgbClr val="FFFFFF"/>
+                </a:solidFill>
+              </a14:hiddenFill>
+            </a:ext>
+          </a:extLst>
+        </p:spPr>
+      </p:pic>
+      <p:sp>
+        <p:nvSpPr>
+          <p:cNvPr id="126" name="Rectangle 125">
+            <a:extLst>
+              <a:ext uri="{FF2B5EF4-FFF2-40B4-BE49-F238E27FC236}">
+                <a16:creationId xmlns:a16="http://schemas.microsoft.com/office/drawing/2014/main" id="{5CFD5F3F-7F56-26FE-A8F6-18356C19300B}"/>
+              </a:ext>
+            </a:extLst>
+          </p:cNvPr>
+          <p:cNvSpPr/>
+          <p:nvPr/>
+        </p:nvSpPr>
+        <p:spPr>
+          <a:xfrm>
+            <a:off x="6420475" y="3519511"/>
+            <a:ext cx="1607884" cy="353171"/>
+          </a:xfrm>
+          <a:prstGeom prst="rect">
+            <a:avLst/>
+          </a:prstGeom>
+          <a:noFill/>
+          <a:ln w="28575">
+            <a:solidFill>
+              <a:srgbClr val="00B0F0"/>
+            </a:solidFill>
+          </a:ln>
+        </p:spPr>
+        <p:style>
+          <a:lnRef idx="2">
+            <a:schemeClr val="accent1">
+              <a:shade val="50000"/>
+            </a:schemeClr>
+          </a:lnRef>
+          <a:fillRef idx="1">
+            <a:schemeClr val="accent1"/>
+          </a:fillRef>
+          <a:effectRef idx="0">
+            <a:schemeClr val="accent1"/>
+          </a:effectRef>
+          <a:fontRef idx="minor">
+            <a:schemeClr val="lt1"/>
+          </a:fontRef>
+        </p:style>
+        <p:txBody>
+          <a:bodyPr rtlCol="0" anchor="ctr"/>
+          <a:lstStyle/>
+          <a:p>
+            <a:pPr algn="ctr"/>
+            <a:endParaRPr lang="en-US" dirty="0"/>
+          </a:p>
+        </p:txBody>
+      </p:sp>
+      <p:cxnSp>
+        <p:nvCxnSpPr>
+          <p:cNvPr id="127" name="Straight Connector 126">
+            <a:extLst>
+              <a:ext uri="{FF2B5EF4-FFF2-40B4-BE49-F238E27FC236}">
+                <a16:creationId xmlns:a16="http://schemas.microsoft.com/office/drawing/2014/main" id="{7A11E4A5-8493-97C0-59FB-200FA981E0E5}"/>
+              </a:ext>
+            </a:extLst>
+          </p:cNvPr>
+          <p:cNvCxnSpPr>
+            <a:cxnSpLocks/>
+            <a:endCxn id="126" idx="3"/>
+          </p:cNvCxnSpPr>
+          <p:nvPr/>
+        </p:nvCxnSpPr>
+        <p:spPr>
+          <a:xfrm flipH="1" flipV="1">
+            <a:off x="8028359" y="3696097"/>
+            <a:ext cx="520127" cy="273"/>
+          </a:xfrm>
+          <a:prstGeom prst="line">
+            <a:avLst/>
+          </a:prstGeom>
+          <a:ln w="25400">
+            <a:solidFill>
+              <a:srgbClr val="00B0F0"/>
+            </a:solidFill>
+            <a:tailEnd type="none"/>
+          </a:ln>
+        </p:spPr>
+        <p:style>
+          <a:lnRef idx="1">
+            <a:schemeClr val="accent1"/>
+          </a:lnRef>
+          <a:fillRef idx="0">
+            <a:schemeClr val="accent1"/>
+          </a:fillRef>
+          <a:effectRef idx="0">
+            <a:schemeClr val="accent1"/>
+          </a:effectRef>
+          <a:fontRef idx="minor">
+            <a:schemeClr val="tx1"/>
+          </a:fontRef>
+        </p:style>
+      </p:cxnSp>
+      <p:sp>
+        <p:nvSpPr>
+          <p:cNvPr id="1024" name="TextBox 1023">
+            <a:extLst>
+              <a:ext uri="{FF2B5EF4-FFF2-40B4-BE49-F238E27FC236}">
+                <a16:creationId xmlns:a16="http://schemas.microsoft.com/office/drawing/2014/main" id="{55B195A7-7A6C-EB74-DCA6-6C7F3E8D52BB}"/>
+              </a:ext>
+            </a:extLst>
+          </p:cNvPr>
+          <p:cNvSpPr txBox="1"/>
+          <p:nvPr/>
+        </p:nvSpPr>
+        <p:spPr>
+          <a:xfrm>
+            <a:off x="6420474" y="3545637"/>
+            <a:ext cx="1257717" cy="307777"/>
+          </a:xfrm>
+          <a:prstGeom prst="rect">
+            <a:avLst/>
+          </a:prstGeom>
+          <a:noFill/>
+        </p:spPr>
+        <p:txBody>
+          <a:bodyPr wrap="none" rtlCol="0">
+            <a:spAutoFit/>
+          </a:bodyPr>
+          <a:lstStyle/>
+          <a:p>
+            <a:r>
+              <a:rPr lang="en-US" sz="1400" dirty="0"/>
+              <a:t>Accelerometer</a:t>
+            </a:r>
+          </a:p>
+        </p:txBody>
+      </p:sp>
+      <p:grpSp>
+        <p:nvGrpSpPr>
+          <p:cNvPr id="1040" name="Group 1039">
+            <a:extLst>
+              <a:ext uri="{FF2B5EF4-FFF2-40B4-BE49-F238E27FC236}">
+                <a16:creationId xmlns:a16="http://schemas.microsoft.com/office/drawing/2014/main" id="{547365CE-FC98-8767-86F5-1C2E96D02A3C}"/>
+              </a:ext>
+            </a:extLst>
+          </p:cNvPr>
+          <p:cNvGrpSpPr/>
+          <p:nvPr/>
+        </p:nvGrpSpPr>
+        <p:grpSpPr>
+          <a:xfrm>
+            <a:off x="6435854" y="4570095"/>
+            <a:ext cx="1822884" cy="353171"/>
+            <a:chOff x="5711801" y="4637465"/>
+            <a:chExt cx="1822884" cy="353171"/>
+          </a:xfrm>
+        </p:grpSpPr>
         <p:sp>
           <p:nvSpPr>
-            <p:cNvPr id="92" name="TextBox 91">
+            <p:cNvPr id="1033" name="Rectangle 1032">
               <a:extLst>
                 <a:ext uri="{FF2B5EF4-FFF2-40B4-BE49-F238E27FC236}">
-                  <a16:creationId xmlns:a16="http://schemas.microsoft.com/office/drawing/2014/main" id="{7C61AB87-D9C7-522A-C76E-5367368215FE}"/>
-                </a:ext>
-              </a:extLst>
-            </p:cNvPr>
-            <p:cNvSpPr txBox="1"/>
-            <p:nvPr/>
-          </p:nvSpPr>
-          <p:spPr>
-            <a:xfrm>
-              <a:off x="6834147" y="2421966"/>
-              <a:ext cx="681597" cy="369332"/>
-            </a:xfrm>
-            <a:prstGeom prst="rect">
-              <a:avLst/>
-            </a:prstGeom>
-            <a:noFill/>
-          </p:spPr>
-          <p:txBody>
-            <a:bodyPr wrap="none" rtlCol="0">
-              <a:spAutoFit/>
-            </a:bodyPr>
-            <a:lstStyle/>
-            <a:p>
-              <a:r>
-                <a:rPr lang="en-US" dirty="0"/>
-                <a:t>SpO2</a:t>
-              </a:r>
-            </a:p>
-          </p:txBody>
-        </p:sp>
-        <p:sp>
-          <p:nvSpPr>
-            <p:cNvPr id="10" name="Rectangle 9">
-              <a:extLst>
-                <a:ext uri="{FF2B5EF4-FFF2-40B4-BE49-F238E27FC236}">
-                  <a16:creationId xmlns:a16="http://schemas.microsoft.com/office/drawing/2014/main" id="{B4DEEF3E-AFD3-4E98-6156-A4DC8263B74B}"/>
+                  <a16:creationId xmlns:a16="http://schemas.microsoft.com/office/drawing/2014/main" id="{E5ED364C-DC76-00AB-EA14-CCED9DCEDF06}"/>
                 </a:ext>
               </a:extLst>
             </p:cNvPr>
@@ -5422,8 +5790,8 @@
           </p:nvSpPr>
           <p:spPr>
             <a:xfrm>
-              <a:off x="6648169" y="2973090"/>
-              <a:ext cx="1607883" cy="353171"/>
+              <a:off x="5711801" y="4637465"/>
+              <a:ext cx="1602068" cy="353171"/>
             </a:xfrm>
             <a:prstGeom prst="rect">
               <a:avLst/>
@@ -5456,16 +5824,16 @@
             <a:lstStyle/>
             <a:p>
               <a:pPr algn="ctr"/>
-              <a:endParaRPr lang="en-US"/>
+              <a:endParaRPr lang="en-US" dirty="0"/>
             </a:p>
           </p:txBody>
         </p:sp>
         <p:cxnSp>
           <p:nvCxnSpPr>
-            <p:cNvPr id="80" name="Straight Arrow Connector 79">
+            <p:cNvPr id="1035" name="Straight Connector 1034">
               <a:extLst>
                 <a:ext uri="{FF2B5EF4-FFF2-40B4-BE49-F238E27FC236}">
-                  <a16:creationId xmlns:a16="http://schemas.microsoft.com/office/drawing/2014/main" id="{3EABFBE3-43FC-6EE3-DE6D-6743BDD48BE3}"/>
+                  <a16:creationId xmlns:a16="http://schemas.microsoft.com/office/drawing/2014/main" id="{A90C6517-AF56-A691-4A4A-AF0C864A4DA9}"/>
                 </a:ext>
               </a:extLst>
             </p:cNvPr>
@@ -5473,310 +5841,9 @@
             <p:nvPr/>
           </p:nvCxnSpPr>
           <p:spPr>
-            <a:xfrm>
-              <a:off x="8262573" y="3146527"/>
-              <a:ext cx="401766" cy="0"/>
-            </a:xfrm>
-            <a:prstGeom prst="straightConnector1">
-              <a:avLst/>
-            </a:prstGeom>
-            <a:ln w="25400">
-              <a:solidFill>
-                <a:srgbClr val="00B0F0"/>
-              </a:solidFill>
-              <a:tailEnd type="none"/>
-            </a:ln>
-          </p:spPr>
-          <p:style>
-            <a:lnRef idx="1">
-              <a:schemeClr val="accent1"/>
-            </a:lnRef>
-            <a:fillRef idx="0">
-              <a:schemeClr val="accent1"/>
-            </a:fillRef>
-            <a:effectRef idx="0">
-              <a:schemeClr val="accent1"/>
-            </a:effectRef>
-            <a:fontRef idx="minor">
-              <a:schemeClr val="tx1"/>
-            </a:fontRef>
-          </p:style>
-        </p:cxnSp>
-        <p:sp>
-          <p:nvSpPr>
-            <p:cNvPr id="93" name="TextBox 92">
-              <a:extLst>
-                <a:ext uri="{FF2B5EF4-FFF2-40B4-BE49-F238E27FC236}">
-                  <a16:creationId xmlns:a16="http://schemas.microsoft.com/office/drawing/2014/main" id="{6A3F12BC-44F9-31D1-7B7E-870A16953214}"/>
-                </a:ext>
-              </a:extLst>
-            </p:cNvPr>
-            <p:cNvSpPr txBox="1"/>
-            <p:nvPr/>
-          </p:nvSpPr>
-          <p:spPr>
-            <a:xfrm>
-              <a:off x="6663158" y="2955462"/>
-              <a:ext cx="1178846" cy="369332"/>
-            </a:xfrm>
-            <a:prstGeom prst="rect">
-              <a:avLst/>
-            </a:prstGeom>
-            <a:noFill/>
-          </p:spPr>
-          <p:txBody>
-            <a:bodyPr wrap="square" rtlCol="0">
-              <a:spAutoFit/>
-            </a:bodyPr>
-            <a:lstStyle/>
-            <a:p>
-              <a:r>
-                <a:rPr lang="en-US" dirty="0"/>
-                <a:t>Heart Rate</a:t>
-              </a:r>
-            </a:p>
-          </p:txBody>
-        </p:sp>
-        <p:pic>
-          <p:nvPicPr>
-            <p:cNvPr id="122" name="Picture 121" descr="Logo, icon&#10;&#10;Description automatically generated">
-              <a:extLst>
-                <a:ext uri="{FF2B5EF4-FFF2-40B4-BE49-F238E27FC236}">
-                  <a16:creationId xmlns:a16="http://schemas.microsoft.com/office/drawing/2014/main" id="{251EE51D-D9A0-DA46-4F58-E3BA5930FEE3}"/>
-                </a:ext>
-              </a:extLst>
-            </p:cNvPr>
-            <p:cNvPicPr>
-              <a:picLocks noChangeAspect="1"/>
-            </p:cNvPicPr>
-            <p:nvPr/>
-          </p:nvPicPr>
-          <p:blipFill>
-            <a:blip r:embed="rId6"/>
-            <a:stretch>
-              <a:fillRect/>
-            </a:stretch>
-          </p:blipFill>
-          <p:spPr>
-            <a:xfrm>
-              <a:off x="7891890" y="2456600"/>
-              <a:ext cx="219308" cy="301549"/>
-            </a:xfrm>
-            <a:prstGeom prst="rect">
-              <a:avLst/>
-            </a:prstGeom>
-          </p:spPr>
-        </p:pic>
-        <p:pic>
-          <p:nvPicPr>
-            <p:cNvPr id="1028" name="Picture 4" descr="Accelerometer Icons - Free SVG &amp; PNG Accelerometer Images - Noun Project">
-              <a:extLst>
-                <a:ext uri="{FF2B5EF4-FFF2-40B4-BE49-F238E27FC236}">
-                  <a16:creationId xmlns:a16="http://schemas.microsoft.com/office/drawing/2014/main" id="{CFAFBD0B-0D7E-AB3B-9F2D-D712FADC2EF5}"/>
-                </a:ext>
-              </a:extLst>
-            </p:cNvPr>
-            <p:cNvPicPr>
-              <a:picLocks noChangeAspect="1" noChangeArrowheads="1"/>
-            </p:cNvPicPr>
-            <p:nvPr/>
-          </p:nvPicPr>
-          <p:blipFill>
-            <a:blip r:embed="rId7">
-              <a:extLst>
-                <a:ext uri="{28A0092B-C50C-407E-A947-70E740481C1C}">
-                  <a14:useLocalDpi xmlns:a14="http://schemas.microsoft.com/office/drawing/2010/main" val="0"/>
-                </a:ext>
-              </a:extLst>
-            </a:blip>
-            <a:srcRect/>
-            <a:stretch>
-              <a:fillRect/>
-            </a:stretch>
-          </p:blipFill>
-          <p:spPr bwMode="auto">
-            <a:xfrm flipV="1">
-              <a:off x="7872961" y="3551743"/>
-              <a:ext cx="272652" cy="272652"/>
-            </a:xfrm>
-            <a:prstGeom prst="rect">
-              <a:avLst/>
-            </a:prstGeom>
-            <a:noFill/>
-            <a:extLst>
-              <a:ext uri="{909E8E84-426E-40DD-AFC4-6F175D3DCCD1}">
-                <a14:hiddenFill xmlns:a14="http://schemas.microsoft.com/office/drawing/2010/main">
-                  <a:solidFill>
-                    <a:srgbClr val="FFFFFF"/>
-                  </a:solidFill>
-                </a14:hiddenFill>
-              </a:ext>
-            </a:extLst>
-          </p:spPr>
-        </p:pic>
-        <p:pic>
-          <p:nvPicPr>
-            <p:cNvPr id="1034" name="Picture 10" descr="Gyroscope Sensor Icon - Free PNG &amp; SVG 614173 - Noun Project">
-              <a:extLst>
-                <a:ext uri="{FF2B5EF4-FFF2-40B4-BE49-F238E27FC236}">
-                  <a16:creationId xmlns:a16="http://schemas.microsoft.com/office/drawing/2014/main" id="{A604DB0E-E58C-C725-FF2A-41BB18F582E2}"/>
-                </a:ext>
-              </a:extLst>
-            </p:cNvPr>
-            <p:cNvPicPr>
-              <a:picLocks noChangeAspect="1" noChangeArrowheads="1"/>
-            </p:cNvPicPr>
-            <p:nvPr/>
-          </p:nvPicPr>
-          <p:blipFill>
-            <a:blip r:embed="rId8">
-              <a:extLst>
-                <a:ext uri="{28A0092B-C50C-407E-A947-70E740481C1C}">
-                  <a14:useLocalDpi xmlns:a14="http://schemas.microsoft.com/office/drawing/2010/main" val="0"/>
-                </a:ext>
-              </a:extLst>
-            </a:blip>
-            <a:srcRect/>
-            <a:stretch>
-              <a:fillRect/>
-            </a:stretch>
-          </p:blipFill>
-          <p:spPr bwMode="auto">
-            <a:xfrm flipH="1" flipV="1">
-              <a:off x="7892546" y="4077399"/>
-              <a:ext cx="235185" cy="235185"/>
-            </a:xfrm>
-            <a:prstGeom prst="rect">
-              <a:avLst/>
-            </a:prstGeom>
-            <a:noFill/>
-            <a:extLst>
-              <a:ext uri="{909E8E84-426E-40DD-AFC4-6F175D3DCCD1}">
-                <a14:hiddenFill xmlns:a14="http://schemas.microsoft.com/office/drawing/2010/main">
-                  <a:solidFill>
-                    <a:srgbClr val="FFFFFF"/>
-                  </a:solidFill>
-                </a14:hiddenFill>
-              </a:ext>
-            </a:extLst>
-          </p:spPr>
-        </p:pic>
-        <p:pic>
-          <p:nvPicPr>
-            <p:cNvPr id="125" name="Picture 14" descr="Compass Symbol Vector Art, Icons, and Graphics for Free Download">
-              <a:extLst>
-                <a:ext uri="{FF2B5EF4-FFF2-40B4-BE49-F238E27FC236}">
-                  <a16:creationId xmlns:a16="http://schemas.microsoft.com/office/drawing/2014/main" id="{6F9742B0-59F4-898C-5A39-20475145976E}"/>
-                </a:ext>
-              </a:extLst>
-            </p:cNvPr>
-            <p:cNvPicPr>
-              <a:picLocks noChangeAspect="1" noChangeArrowheads="1"/>
-            </p:cNvPicPr>
-            <p:nvPr/>
-          </p:nvPicPr>
-          <p:blipFill rotWithShape="1">
-            <a:blip r:embed="rId9">
-              <a:extLst>
-                <a:ext uri="{28A0092B-C50C-407E-A947-70E740481C1C}">
-                  <a14:useLocalDpi xmlns:a14="http://schemas.microsoft.com/office/drawing/2010/main" val="0"/>
-                </a:ext>
-              </a:extLst>
-            </a:blip>
-            <a:srcRect l="20082" t="19150" r="18637" b="19461"/>
-            <a:stretch/>
-          </p:blipFill>
-          <p:spPr bwMode="auto">
-            <a:xfrm>
-              <a:off x="7864879" y="4596986"/>
-              <a:ext cx="275991" cy="276474"/>
-            </a:xfrm>
-            <a:prstGeom prst="rect">
-              <a:avLst/>
-            </a:prstGeom>
-            <a:noFill/>
-            <a:extLst>
-              <a:ext uri="{909E8E84-426E-40DD-AFC4-6F175D3DCCD1}">
-                <a14:hiddenFill xmlns:a14="http://schemas.microsoft.com/office/drawing/2010/main">
-                  <a:solidFill>
-                    <a:srgbClr val="FFFFFF"/>
-                  </a:solidFill>
-                </a14:hiddenFill>
-              </a:ext>
-            </a:extLst>
-          </p:spPr>
-        </p:pic>
-        <p:sp>
-          <p:nvSpPr>
-            <p:cNvPr id="126" name="Rectangle 125">
-              <a:extLst>
-                <a:ext uri="{FF2B5EF4-FFF2-40B4-BE49-F238E27FC236}">
-                  <a16:creationId xmlns:a16="http://schemas.microsoft.com/office/drawing/2014/main" id="{5CFD5F3F-7F56-26FE-A8F6-18356C19300B}"/>
-                </a:ext>
-              </a:extLst>
-            </p:cNvPr>
-            <p:cNvSpPr/>
-            <p:nvPr/>
-          </p:nvSpPr>
-          <p:spPr>
-            <a:xfrm>
-              <a:off x="6642353" y="3508054"/>
-              <a:ext cx="1607884" cy="353171"/>
-            </a:xfrm>
-            <a:prstGeom prst="rect">
-              <a:avLst/>
-            </a:prstGeom>
-            <a:noFill/>
-            <a:ln w="28575">
-              <a:solidFill>
-                <a:srgbClr val="00B0F0"/>
-              </a:solidFill>
-            </a:ln>
-          </p:spPr>
-          <p:style>
-            <a:lnRef idx="2">
-              <a:schemeClr val="accent1">
-                <a:shade val="50000"/>
-              </a:schemeClr>
-            </a:lnRef>
-            <a:fillRef idx="1">
-              <a:schemeClr val="accent1"/>
-            </a:fillRef>
-            <a:effectRef idx="0">
-              <a:schemeClr val="accent1"/>
-            </a:effectRef>
-            <a:fontRef idx="minor">
-              <a:schemeClr val="lt1"/>
-            </a:fontRef>
-          </p:style>
-          <p:txBody>
-            <a:bodyPr rtlCol="0" anchor="ctr"/>
-            <a:lstStyle/>
-            <a:p>
-              <a:pPr algn="ctr"/>
-              <a:endParaRPr lang="en-US"/>
-            </a:p>
-          </p:txBody>
-        </p:sp>
-        <p:cxnSp>
-          <p:nvCxnSpPr>
-            <p:cNvPr id="127" name="Straight Connector 126">
-              <a:extLst>
-                <a:ext uri="{FF2B5EF4-FFF2-40B4-BE49-F238E27FC236}">
-                  <a16:creationId xmlns:a16="http://schemas.microsoft.com/office/drawing/2014/main" id="{7A11E4A5-8493-97C0-59FB-200FA981E0E5}"/>
-                </a:ext>
-              </a:extLst>
-            </p:cNvPr>
-            <p:cNvCxnSpPr>
-              <a:cxnSpLocks/>
-              <a:endCxn id="126" idx="3"/>
-            </p:cNvCxnSpPr>
-            <p:nvPr/>
-          </p:nvCxnSpPr>
-          <p:spPr>
-            <a:xfrm flipH="1" flipV="1">
-              <a:off x="8250237" y="3684640"/>
-              <a:ext cx="520127" cy="273"/>
+            <a:xfrm flipH="1">
+              <a:off x="7313869" y="4821445"/>
+              <a:ext cx="220816" cy="0"/>
             </a:xfrm>
             <a:prstGeom prst="line">
               <a:avLst/>
@@ -5803,366 +5870,286 @@
             </a:fontRef>
           </p:style>
         </p:cxnSp>
+      </p:grpSp>
+      <p:sp>
+        <p:nvSpPr>
+          <p:cNvPr id="1051" name="TextBox 1050">
+            <a:extLst>
+              <a:ext uri="{FF2B5EF4-FFF2-40B4-BE49-F238E27FC236}">
+                <a16:creationId xmlns:a16="http://schemas.microsoft.com/office/drawing/2014/main" id="{98BAD896-36CE-5AF7-9C53-FD43A6B0AED6}"/>
+              </a:ext>
+            </a:extLst>
+          </p:cNvPr>
+          <p:cNvSpPr txBox="1"/>
+          <p:nvPr/>
+        </p:nvSpPr>
+        <p:spPr>
+          <a:xfrm>
+            <a:off x="6426291" y="4050060"/>
+            <a:ext cx="955133" cy="307777"/>
+          </a:xfrm>
+          <a:prstGeom prst="rect">
+            <a:avLst/>
+          </a:prstGeom>
+          <a:noFill/>
+        </p:spPr>
+        <p:txBody>
+          <a:bodyPr wrap="none" rtlCol="0">
+            <a:spAutoFit/>
+          </a:bodyPr>
+          <a:lstStyle/>
+          <a:p>
+            <a:r>
+              <a:rPr lang="en-US" sz="1400" dirty="0"/>
+              <a:t>Gyroscope</a:t>
+            </a:r>
+          </a:p>
+        </p:txBody>
+      </p:sp>
+      <p:sp>
+        <p:nvSpPr>
+          <p:cNvPr id="1052" name="TextBox 1051">
+            <a:extLst>
+              <a:ext uri="{FF2B5EF4-FFF2-40B4-BE49-F238E27FC236}">
+                <a16:creationId xmlns:a16="http://schemas.microsoft.com/office/drawing/2014/main" id="{99C44299-8A1F-2118-EA89-E8991860D543}"/>
+              </a:ext>
+            </a:extLst>
+          </p:cNvPr>
+          <p:cNvSpPr txBox="1"/>
+          <p:nvPr/>
+        </p:nvSpPr>
+        <p:spPr>
+          <a:xfrm>
+            <a:off x="6461122" y="4580533"/>
+            <a:ext cx="840295" cy="307777"/>
+          </a:xfrm>
+          <a:prstGeom prst="rect">
+            <a:avLst/>
+          </a:prstGeom>
+          <a:noFill/>
+        </p:spPr>
+        <p:txBody>
+          <a:bodyPr wrap="none" rtlCol="0">
+            <a:spAutoFit/>
+          </a:bodyPr>
+          <a:lstStyle/>
+          <a:p>
+            <a:r>
+              <a:rPr lang="en-US" sz="1400" dirty="0"/>
+              <a:t>Compass</a:t>
+            </a:r>
+          </a:p>
+        </p:txBody>
+      </p:sp>
+      <p:cxnSp>
+        <p:nvCxnSpPr>
+          <p:cNvPr id="1055" name="Straight Arrow Connector 1054">
+            <a:extLst>
+              <a:ext uri="{FF2B5EF4-FFF2-40B4-BE49-F238E27FC236}">
+                <a16:creationId xmlns:a16="http://schemas.microsoft.com/office/drawing/2014/main" id="{8C2A5294-6F21-28CC-C176-68ABE118DB4B}"/>
+              </a:ext>
+            </a:extLst>
+          </p:cNvPr>
+          <p:cNvCxnSpPr/>
+          <p:nvPr/>
+        </p:nvCxnSpPr>
+        <p:spPr>
+          <a:xfrm>
+            <a:off x="5900346" y="4213430"/>
+            <a:ext cx="412059" cy="0"/>
+          </a:xfrm>
+          <a:prstGeom prst="straightConnector1">
+            <a:avLst/>
+          </a:prstGeom>
+          <a:ln w="25400">
+            <a:solidFill>
+              <a:schemeClr val="accent4"/>
+            </a:solidFill>
+            <a:tailEnd type="triangle"/>
+          </a:ln>
+        </p:spPr>
+        <p:style>
+          <a:lnRef idx="1">
+            <a:schemeClr val="accent1"/>
+          </a:lnRef>
+          <a:fillRef idx="0">
+            <a:schemeClr val="accent1"/>
+          </a:fillRef>
+          <a:effectRef idx="0">
+            <a:schemeClr val="accent1"/>
+          </a:effectRef>
+          <a:fontRef idx="minor">
+            <a:schemeClr val="tx1"/>
+          </a:fontRef>
+        </p:style>
+      </p:cxnSp>
+      <p:cxnSp>
+        <p:nvCxnSpPr>
+          <p:cNvPr id="1059" name="Straight Arrow Connector 1058">
+            <a:extLst>
+              <a:ext uri="{FF2B5EF4-FFF2-40B4-BE49-F238E27FC236}">
+                <a16:creationId xmlns:a16="http://schemas.microsoft.com/office/drawing/2014/main" id="{6083D268-01A5-4432-878C-AA4BDE89EE24}"/>
+              </a:ext>
+            </a:extLst>
+          </p:cNvPr>
+          <p:cNvCxnSpPr/>
+          <p:nvPr/>
+        </p:nvCxnSpPr>
+        <p:spPr>
+          <a:xfrm>
+            <a:off x="5900346" y="3193375"/>
+            <a:ext cx="412059" cy="0"/>
+          </a:xfrm>
+          <a:prstGeom prst="straightConnector1">
+            <a:avLst/>
+          </a:prstGeom>
+          <a:ln w="25400">
+            <a:solidFill>
+              <a:schemeClr val="accent4"/>
+            </a:solidFill>
+            <a:tailEnd type="triangle"/>
+          </a:ln>
+        </p:spPr>
+        <p:style>
+          <a:lnRef idx="1">
+            <a:schemeClr val="accent1"/>
+          </a:lnRef>
+          <a:fillRef idx="0">
+            <a:schemeClr val="accent1"/>
+          </a:fillRef>
+          <a:effectRef idx="0">
+            <a:schemeClr val="accent1"/>
+          </a:effectRef>
+          <a:fontRef idx="minor">
+            <a:schemeClr val="tx1"/>
+          </a:fontRef>
+        </p:style>
+      </p:cxnSp>
+      <p:sp>
+        <p:nvSpPr>
+          <p:cNvPr id="1061" name="TextBox 1060">
+            <a:extLst>
+              <a:ext uri="{FF2B5EF4-FFF2-40B4-BE49-F238E27FC236}">
+                <a16:creationId xmlns:a16="http://schemas.microsoft.com/office/drawing/2014/main" id="{1671271E-2AC1-FD97-7F57-DE5F44105155}"/>
+              </a:ext>
+            </a:extLst>
+          </p:cNvPr>
+          <p:cNvSpPr txBox="1"/>
+          <p:nvPr/>
+        </p:nvSpPr>
+        <p:spPr>
+          <a:xfrm>
+            <a:off x="4548643" y="3232562"/>
+            <a:ext cx="1178015" cy="923330"/>
+          </a:xfrm>
+          <a:prstGeom prst="rect">
+            <a:avLst/>
+          </a:prstGeom>
+          <a:noFill/>
+        </p:spPr>
+        <p:txBody>
+          <a:bodyPr wrap="none" rtlCol="0">
+            <a:spAutoFit/>
+          </a:bodyPr>
+          <a:lstStyle/>
+          <a:p>
+            <a:pPr algn="ctr"/>
+            <a:r>
+              <a:rPr lang="en-US" dirty="0"/>
+              <a:t>Digital </a:t>
+            </a:r>
+          </a:p>
+          <a:p>
+            <a:pPr algn="ctr"/>
+            <a:r>
+              <a:rPr lang="en-US" dirty="0"/>
+              <a:t>Signal </a:t>
+            </a:r>
+          </a:p>
+          <a:p>
+            <a:pPr algn="ctr"/>
+            <a:r>
+              <a:rPr lang="en-US" dirty="0"/>
+              <a:t>Processing</a:t>
+            </a:r>
+          </a:p>
+        </p:txBody>
+      </p:sp>
+      <p:sp>
+        <p:nvSpPr>
+          <p:cNvPr id="1070" name="Arc 1069">
+            <a:extLst>
+              <a:ext uri="{FF2B5EF4-FFF2-40B4-BE49-F238E27FC236}">
+                <a16:creationId xmlns:a16="http://schemas.microsoft.com/office/drawing/2014/main" id="{F193C00F-871B-55E5-3DFF-EFE79859CA2C}"/>
+              </a:ext>
+            </a:extLst>
+          </p:cNvPr>
+          <p:cNvSpPr/>
+          <p:nvPr/>
+        </p:nvSpPr>
+        <p:spPr>
+          <a:xfrm>
+            <a:off x="8075858" y="2609100"/>
+            <a:ext cx="365760" cy="365760"/>
+          </a:xfrm>
+          <a:prstGeom prst="arc">
+            <a:avLst/>
+          </a:prstGeom>
+          <a:ln w="25400">
+            <a:solidFill>
+              <a:srgbClr val="00B0F0"/>
+            </a:solidFill>
+          </a:ln>
+        </p:spPr>
+        <p:style>
+          <a:lnRef idx="1">
+            <a:schemeClr val="accent1"/>
+          </a:lnRef>
+          <a:fillRef idx="0">
+            <a:schemeClr val="accent1"/>
+          </a:fillRef>
+          <a:effectRef idx="0">
+            <a:schemeClr val="accent1"/>
+          </a:effectRef>
+          <a:fontRef idx="minor">
+            <a:schemeClr val="tx1"/>
+          </a:fontRef>
+        </p:style>
+        <p:txBody>
+          <a:bodyPr rtlCol="0" anchor="ctr"/>
+          <a:lstStyle/>
+          <a:p>
+            <a:pPr algn="ctr"/>
+            <a:endParaRPr lang="en-US" dirty="0"/>
+          </a:p>
+        </p:txBody>
+      </p:sp>
+      <p:grpSp>
+        <p:nvGrpSpPr>
+          <p:cNvPr id="8" name="组合 7">
+            <a:extLst>
+              <a:ext uri="{FF2B5EF4-FFF2-40B4-BE49-F238E27FC236}">
+                <a16:creationId xmlns:a16="http://schemas.microsoft.com/office/drawing/2014/main" id="{47E24496-E2D2-3DE4-6424-606E16DA43EB}"/>
+              </a:ext>
+            </a:extLst>
+          </p:cNvPr>
+          <p:cNvGrpSpPr/>
+          <p:nvPr/>
+        </p:nvGrpSpPr>
+        <p:grpSpPr>
+          <a:xfrm>
+            <a:off x="2758653" y="3045801"/>
+            <a:ext cx="1325262" cy="1368702"/>
+            <a:chOff x="2519142" y="3049818"/>
+            <a:chExt cx="1325262" cy="1368702"/>
+          </a:xfrm>
+        </p:grpSpPr>
         <p:sp>
           <p:nvSpPr>
-            <p:cNvPr id="1024" name="TextBox 1023">
+            <p:cNvPr id="6" name="Rectangle 5">
               <a:extLst>
                 <a:ext uri="{FF2B5EF4-FFF2-40B4-BE49-F238E27FC236}">
-                  <a16:creationId xmlns:a16="http://schemas.microsoft.com/office/drawing/2014/main" id="{55B195A7-7A6C-EB74-DCA6-6C7F3E8D52BB}"/>
-                </a:ext>
-              </a:extLst>
-            </p:cNvPr>
-            <p:cNvSpPr txBox="1"/>
-            <p:nvPr/>
-          </p:nvSpPr>
-          <p:spPr>
-            <a:xfrm>
-              <a:off x="6642352" y="3534180"/>
-              <a:ext cx="1257717" cy="307777"/>
-            </a:xfrm>
-            <a:prstGeom prst="rect">
-              <a:avLst/>
-            </a:prstGeom>
-            <a:noFill/>
-          </p:spPr>
-          <p:txBody>
-            <a:bodyPr wrap="none" rtlCol="0">
-              <a:spAutoFit/>
-            </a:bodyPr>
-            <a:lstStyle/>
-            <a:p>
-              <a:r>
-                <a:rPr lang="en-US" sz="1400" dirty="0"/>
-                <a:t>Accelerometer</a:t>
-              </a:r>
-            </a:p>
-          </p:txBody>
-        </p:sp>
-        <p:grpSp>
-          <p:nvGrpSpPr>
-            <p:cNvPr id="1040" name="Group 1039">
-              <a:extLst>
-                <a:ext uri="{FF2B5EF4-FFF2-40B4-BE49-F238E27FC236}">
-                  <a16:creationId xmlns:a16="http://schemas.microsoft.com/office/drawing/2014/main" id="{547365CE-FC98-8767-86F5-1C2E96D02A3C}"/>
-                </a:ext>
-              </a:extLst>
-            </p:cNvPr>
-            <p:cNvGrpSpPr/>
-            <p:nvPr/>
-          </p:nvGrpSpPr>
-          <p:grpSpPr>
-            <a:xfrm>
-              <a:off x="6657732" y="4558638"/>
-              <a:ext cx="1822884" cy="353171"/>
-              <a:chOff x="5711801" y="4637465"/>
-              <a:chExt cx="1822884" cy="353171"/>
-            </a:xfrm>
-          </p:grpSpPr>
-          <p:sp>
-            <p:nvSpPr>
-              <p:cNvPr id="1033" name="Rectangle 1032">
-                <a:extLst>
-                  <a:ext uri="{FF2B5EF4-FFF2-40B4-BE49-F238E27FC236}">
-                    <a16:creationId xmlns:a16="http://schemas.microsoft.com/office/drawing/2014/main" id="{E5ED364C-DC76-00AB-EA14-CCED9DCEDF06}"/>
-                  </a:ext>
-                </a:extLst>
-              </p:cNvPr>
-              <p:cNvSpPr/>
-              <p:nvPr/>
-            </p:nvSpPr>
-            <p:spPr>
-              <a:xfrm>
-                <a:off x="5711801" y="4637465"/>
-                <a:ext cx="1602068" cy="353171"/>
-              </a:xfrm>
-              <a:prstGeom prst="rect">
-                <a:avLst/>
-              </a:prstGeom>
-              <a:noFill/>
-              <a:ln w="28575">
-                <a:solidFill>
-                  <a:srgbClr val="00B0F0"/>
-                </a:solidFill>
-              </a:ln>
-            </p:spPr>
-            <p:style>
-              <a:lnRef idx="2">
-                <a:schemeClr val="accent1">
-                  <a:shade val="50000"/>
-                </a:schemeClr>
-              </a:lnRef>
-              <a:fillRef idx="1">
-                <a:schemeClr val="accent1"/>
-              </a:fillRef>
-              <a:effectRef idx="0">
-                <a:schemeClr val="accent1"/>
-              </a:effectRef>
-              <a:fontRef idx="minor">
-                <a:schemeClr val="lt1"/>
-              </a:fontRef>
-            </p:style>
-            <p:txBody>
-              <a:bodyPr rtlCol="0" anchor="ctr"/>
-              <a:lstStyle/>
-              <a:p>
-                <a:pPr algn="ctr"/>
-                <a:endParaRPr lang="en-US"/>
-              </a:p>
-            </p:txBody>
-          </p:sp>
-          <p:cxnSp>
-            <p:nvCxnSpPr>
-              <p:cNvPr id="1035" name="Straight Connector 1034">
-                <a:extLst>
-                  <a:ext uri="{FF2B5EF4-FFF2-40B4-BE49-F238E27FC236}">
-                    <a16:creationId xmlns:a16="http://schemas.microsoft.com/office/drawing/2014/main" id="{A90C6517-AF56-A691-4A4A-AF0C864A4DA9}"/>
-                  </a:ext>
-                </a:extLst>
-              </p:cNvPr>
-              <p:cNvCxnSpPr/>
-              <p:nvPr/>
-            </p:nvCxnSpPr>
-            <p:spPr>
-              <a:xfrm flipH="1">
-                <a:off x="7313869" y="4821445"/>
-                <a:ext cx="220816" cy="0"/>
-              </a:xfrm>
-              <a:prstGeom prst="line">
-                <a:avLst/>
-              </a:prstGeom>
-              <a:ln w="25400">
-                <a:solidFill>
-                  <a:srgbClr val="00B0F0"/>
-                </a:solidFill>
-                <a:tailEnd type="none"/>
-              </a:ln>
-            </p:spPr>
-            <p:style>
-              <a:lnRef idx="1">
-                <a:schemeClr val="accent1"/>
-              </a:lnRef>
-              <a:fillRef idx="0">
-                <a:schemeClr val="accent1"/>
-              </a:fillRef>
-              <a:effectRef idx="0">
-                <a:schemeClr val="accent1"/>
-              </a:effectRef>
-              <a:fontRef idx="minor">
-                <a:schemeClr val="tx1"/>
-              </a:fontRef>
-            </p:style>
-          </p:cxnSp>
-        </p:grpSp>
-        <p:sp>
-          <p:nvSpPr>
-            <p:cNvPr id="1051" name="TextBox 1050">
-              <a:extLst>
-                <a:ext uri="{FF2B5EF4-FFF2-40B4-BE49-F238E27FC236}">
-                  <a16:creationId xmlns:a16="http://schemas.microsoft.com/office/drawing/2014/main" id="{98BAD896-36CE-5AF7-9C53-FD43A6B0AED6}"/>
-                </a:ext>
-              </a:extLst>
-            </p:cNvPr>
-            <p:cNvSpPr txBox="1"/>
-            <p:nvPr/>
-          </p:nvSpPr>
-          <p:spPr>
-            <a:xfrm>
-              <a:off x="6648169" y="4038603"/>
-              <a:ext cx="955133" cy="307777"/>
-            </a:xfrm>
-            <a:prstGeom prst="rect">
-              <a:avLst/>
-            </a:prstGeom>
-            <a:noFill/>
-          </p:spPr>
-          <p:txBody>
-            <a:bodyPr wrap="none" rtlCol="0">
-              <a:spAutoFit/>
-            </a:bodyPr>
-            <a:lstStyle/>
-            <a:p>
-              <a:r>
-                <a:rPr lang="en-US" sz="1400" dirty="0"/>
-                <a:t>Gyroscope</a:t>
-              </a:r>
-            </a:p>
-          </p:txBody>
-        </p:sp>
-        <p:sp>
-          <p:nvSpPr>
-            <p:cNvPr id="1052" name="TextBox 1051">
-              <a:extLst>
-                <a:ext uri="{FF2B5EF4-FFF2-40B4-BE49-F238E27FC236}">
-                  <a16:creationId xmlns:a16="http://schemas.microsoft.com/office/drawing/2014/main" id="{99C44299-8A1F-2118-EA89-E8991860D543}"/>
-                </a:ext>
-              </a:extLst>
-            </p:cNvPr>
-            <p:cNvSpPr txBox="1"/>
-            <p:nvPr/>
-          </p:nvSpPr>
-          <p:spPr>
-            <a:xfrm>
-              <a:off x="6683000" y="4569076"/>
-              <a:ext cx="840295" cy="307777"/>
-            </a:xfrm>
-            <a:prstGeom prst="rect">
-              <a:avLst/>
-            </a:prstGeom>
-            <a:noFill/>
-          </p:spPr>
-          <p:txBody>
-            <a:bodyPr wrap="none" rtlCol="0">
-              <a:spAutoFit/>
-            </a:bodyPr>
-            <a:lstStyle/>
-            <a:p>
-              <a:r>
-                <a:rPr lang="en-US" sz="1400" dirty="0"/>
-                <a:t>Compass</a:t>
-              </a:r>
-            </a:p>
-          </p:txBody>
-        </p:sp>
-        <p:cxnSp>
-          <p:nvCxnSpPr>
-            <p:cNvPr id="1055" name="Straight Arrow Connector 1054">
-              <a:extLst>
-                <a:ext uri="{FF2B5EF4-FFF2-40B4-BE49-F238E27FC236}">
-                  <a16:creationId xmlns:a16="http://schemas.microsoft.com/office/drawing/2014/main" id="{8C2A5294-6F21-28CC-C176-68ABE118DB4B}"/>
-                </a:ext>
-              </a:extLst>
-            </p:cNvPr>
-            <p:cNvCxnSpPr/>
-            <p:nvPr/>
-          </p:nvCxnSpPr>
-          <p:spPr>
-            <a:xfrm>
-              <a:off x="6122224" y="4201973"/>
-              <a:ext cx="412059" cy="0"/>
-            </a:xfrm>
-            <a:prstGeom prst="straightConnector1">
-              <a:avLst/>
-            </a:prstGeom>
-            <a:ln w="25400">
-              <a:solidFill>
-                <a:schemeClr val="accent4"/>
-              </a:solidFill>
-              <a:tailEnd type="triangle"/>
-            </a:ln>
-          </p:spPr>
-          <p:style>
-            <a:lnRef idx="1">
-              <a:schemeClr val="accent1"/>
-            </a:lnRef>
-            <a:fillRef idx="0">
-              <a:schemeClr val="accent1"/>
-            </a:fillRef>
-            <a:effectRef idx="0">
-              <a:schemeClr val="accent1"/>
-            </a:effectRef>
-            <a:fontRef idx="minor">
-              <a:schemeClr val="tx1"/>
-            </a:fontRef>
-          </p:style>
-        </p:cxnSp>
-        <p:cxnSp>
-          <p:nvCxnSpPr>
-            <p:cNvPr id="1059" name="Straight Arrow Connector 1058">
-              <a:extLst>
-                <a:ext uri="{FF2B5EF4-FFF2-40B4-BE49-F238E27FC236}">
-                  <a16:creationId xmlns:a16="http://schemas.microsoft.com/office/drawing/2014/main" id="{6083D268-01A5-4432-878C-AA4BDE89EE24}"/>
-                </a:ext>
-              </a:extLst>
-            </p:cNvPr>
-            <p:cNvCxnSpPr/>
-            <p:nvPr/>
-          </p:nvCxnSpPr>
-          <p:spPr>
-            <a:xfrm>
-              <a:off x="6122224" y="3181918"/>
-              <a:ext cx="412059" cy="0"/>
-            </a:xfrm>
-            <a:prstGeom prst="straightConnector1">
-              <a:avLst/>
-            </a:prstGeom>
-            <a:ln w="25400">
-              <a:solidFill>
-                <a:schemeClr val="accent4"/>
-              </a:solidFill>
-              <a:tailEnd type="triangle"/>
-            </a:ln>
-          </p:spPr>
-          <p:style>
-            <a:lnRef idx="1">
-              <a:schemeClr val="accent1"/>
-            </a:lnRef>
-            <a:fillRef idx="0">
-              <a:schemeClr val="accent1"/>
-            </a:fillRef>
-            <a:effectRef idx="0">
-              <a:schemeClr val="accent1"/>
-            </a:effectRef>
-            <a:fontRef idx="minor">
-              <a:schemeClr val="tx1"/>
-            </a:fontRef>
-          </p:style>
-        </p:cxnSp>
-        <p:sp>
-          <p:nvSpPr>
-            <p:cNvPr id="1061" name="TextBox 1060">
-              <a:extLst>
-                <a:ext uri="{FF2B5EF4-FFF2-40B4-BE49-F238E27FC236}">
-                  <a16:creationId xmlns:a16="http://schemas.microsoft.com/office/drawing/2014/main" id="{1671271E-2AC1-FD97-7F57-DE5F44105155}"/>
-                </a:ext>
-              </a:extLst>
-            </p:cNvPr>
-            <p:cNvSpPr txBox="1"/>
-            <p:nvPr/>
-          </p:nvSpPr>
-          <p:spPr>
-            <a:xfrm>
-              <a:off x="4770521" y="3221105"/>
-              <a:ext cx="1178015" cy="923330"/>
-            </a:xfrm>
-            <a:prstGeom prst="rect">
-              <a:avLst/>
-            </a:prstGeom>
-            <a:noFill/>
-          </p:spPr>
-          <p:txBody>
-            <a:bodyPr wrap="none" rtlCol="0">
-              <a:spAutoFit/>
-            </a:bodyPr>
-            <a:lstStyle/>
-            <a:p>
-              <a:pPr algn="ctr"/>
-              <a:r>
-                <a:rPr lang="en-US" dirty="0"/>
-                <a:t>Digital </a:t>
-              </a:r>
-            </a:p>
-            <a:p>
-              <a:pPr algn="ctr"/>
-              <a:r>
-                <a:rPr lang="en-US" dirty="0"/>
-                <a:t>Signal </a:t>
-              </a:r>
-            </a:p>
-            <a:p>
-              <a:pPr algn="ctr"/>
-              <a:r>
-                <a:rPr lang="en-US" dirty="0"/>
-                <a:t>Processing</a:t>
-              </a:r>
-            </a:p>
-          </p:txBody>
-        </p:sp>
-        <p:sp>
-          <p:nvSpPr>
-            <p:cNvPr id="1070" name="Arc 1069">
-              <a:extLst>
-                <a:ext uri="{FF2B5EF4-FFF2-40B4-BE49-F238E27FC236}">
-                  <a16:creationId xmlns:a16="http://schemas.microsoft.com/office/drawing/2014/main" id="{F193C00F-871B-55E5-3DFF-EFE79859CA2C}"/>
+                  <a16:creationId xmlns:a16="http://schemas.microsoft.com/office/drawing/2014/main" id="{0A141393-793F-C391-3607-A50C9969E1A5}"/>
                 </a:ext>
               </a:extLst>
             </p:cNvPr>
@@ -6171,30 +6158,85 @@
           </p:nvSpPr>
           <p:spPr>
             <a:xfrm>
-              <a:off x="8297736" y="2597643"/>
-              <a:ext cx="365760" cy="365760"/>
+              <a:off x="2519142" y="3053140"/>
+              <a:ext cx="1280160" cy="353171"/>
             </a:xfrm>
-            <a:prstGeom prst="arc">
+            <a:prstGeom prst="rect">
               <a:avLst/>
             </a:prstGeom>
-            <a:ln w="25400">
+            <a:noFill/>
+            <a:ln w="28575">
               <a:solidFill>
-                <a:srgbClr val="00B0F0"/>
+                <a:srgbClr val="00B050"/>
               </a:solidFill>
             </a:ln>
           </p:spPr>
           <p:style>
-            <a:lnRef idx="1">
-              <a:schemeClr val="accent1"/>
+            <a:lnRef idx="2">
+              <a:schemeClr val="accent1">
+                <a:shade val="50000"/>
+              </a:schemeClr>
             </a:lnRef>
-            <a:fillRef idx="0">
+            <a:fillRef idx="1">
               <a:schemeClr val="accent1"/>
             </a:fillRef>
             <a:effectRef idx="0">
               <a:schemeClr val="accent1"/>
             </a:effectRef>
             <a:fontRef idx="minor">
-              <a:schemeClr val="tx1"/>
+              <a:schemeClr val="lt1"/>
+            </a:fontRef>
+          </p:style>
+          <p:txBody>
+            <a:bodyPr rtlCol="0" anchor="ctr"/>
+            <a:lstStyle/>
+            <a:p>
+              <a:pPr algn="ctr"/>
+              <a:endParaRPr lang="en-US" dirty="0"/>
+            </a:p>
+          </p:txBody>
+        </p:sp>
+        <p:sp>
+          <p:nvSpPr>
+            <p:cNvPr id="7" name="Rectangle 6">
+              <a:extLst>
+                <a:ext uri="{FF2B5EF4-FFF2-40B4-BE49-F238E27FC236}">
+                  <a16:creationId xmlns:a16="http://schemas.microsoft.com/office/drawing/2014/main" id="{F051FFD9-C52C-AFB0-F1EB-A827D15FE2D2}"/>
+                </a:ext>
+              </a:extLst>
+            </p:cNvPr>
+            <p:cNvSpPr/>
+            <p:nvPr/>
+          </p:nvSpPr>
+          <p:spPr>
+            <a:xfrm>
+              <a:off x="2538592" y="4057269"/>
+              <a:ext cx="1280160" cy="353171"/>
+            </a:xfrm>
+            <a:prstGeom prst="rect">
+              <a:avLst/>
+            </a:prstGeom>
+            <a:noFill/>
+            <a:ln w="28575">
+              <a:solidFill>
+                <a:srgbClr val="00B050"/>
+              </a:solidFill>
+            </a:ln>
+          </p:spPr>
+          <p:style>
+            <a:lnRef idx="2">
+              <a:schemeClr val="accent1">
+                <a:shade val="50000"/>
+              </a:schemeClr>
+            </a:lnRef>
+            <a:fillRef idx="1">
+              <a:schemeClr val="accent1"/>
+            </a:fillRef>
+            <a:effectRef idx="0">
+              <a:schemeClr val="accent1"/>
+            </a:effectRef>
+            <a:fontRef idx="minor">
+              <a:schemeClr val="lt1"/>
             </a:fontRef>
           </p:style>
           <p:txBody>
@@ -6220,7 +6262,7 @@
           </p:nvSpPr>
           <p:spPr>
             <a:xfrm>
-              <a:off x="2810829" y="3038361"/>
+              <a:off x="2588951" y="3049818"/>
               <a:ext cx="1148554" cy="369332"/>
             </a:xfrm>
             <a:prstGeom prst="rect">
@@ -6255,7 +6297,7 @@
           </p:nvSpPr>
           <p:spPr>
             <a:xfrm>
-              <a:off x="2786122" y="4037731"/>
+              <a:off x="2564244" y="4049188"/>
               <a:ext cx="1280160" cy="369332"/>
             </a:xfrm>
             <a:prstGeom prst="rect">
@@ -6277,53 +6319,192 @@
           </p:txBody>
         </p:sp>
       </p:grpSp>
-      <p:pic>
-        <p:nvPicPr>
-          <p:cNvPr id="1029" name="Picture 5" descr="Bluetooth">
-            <a:extLst>
-              <a:ext uri="{FF2B5EF4-FFF2-40B4-BE49-F238E27FC236}">
-                <a16:creationId xmlns:a16="http://schemas.microsoft.com/office/drawing/2014/main" id="{9FFD11A0-222B-E909-E8B2-2330FA2868A8}"/>
-              </a:ext>
-            </a:extLst>
-          </p:cNvPr>
-          <p:cNvPicPr>
-            <a:picLocks noChangeAspect="1" noChangeArrowheads="1"/>
-          </p:cNvPicPr>
+      <p:grpSp>
+        <p:nvGrpSpPr>
+          <p:cNvPr id="4" name="组合 3">
+            <a:extLst>
+              <a:ext uri="{FF2B5EF4-FFF2-40B4-BE49-F238E27FC236}">
+                <a16:creationId xmlns:a16="http://schemas.microsoft.com/office/drawing/2014/main" id="{DDC29EB0-545F-344D-A979-3DF5CE49044A}"/>
+              </a:ext>
+            </a:extLst>
+          </p:cNvPr>
+          <p:cNvGrpSpPr/>
           <p:nvPr/>
-        </p:nvPicPr>
-        <p:blipFill>
-          <a:blip r:embed="rId10">
-            <a:extLst>
-              <a:ext uri="{28A0092B-C50C-407E-A947-70E740481C1C}">
-                <a14:useLocalDpi xmlns:a14="http://schemas.microsoft.com/office/drawing/2010/main" val="0"/>
-              </a:ext>
-            </a:extLst>
-          </a:blip>
-          <a:srcRect/>
-          <a:stretch>
-            <a:fillRect/>
-          </a:stretch>
-        </p:blipFill>
-        <p:spPr bwMode="auto">
+        </p:nvGrpSpPr>
+        <p:grpSpPr>
           <a:xfrm>
-            <a:off x="8597428" y="3559907"/>
-            <a:ext cx="272651" cy="272651"/>
+            <a:off x="8548486" y="3519511"/>
+            <a:ext cx="976137" cy="365760"/>
+            <a:chOff x="5802034" y="5225598"/>
+            <a:chExt cx="976137" cy="365760"/>
           </a:xfrm>
-          <a:prstGeom prst="rect">
-            <a:avLst/>
-          </a:prstGeom>
-          <a:noFill/>
-          <a:extLst>
-            <a:ext uri="{909E8E84-426E-40DD-AFC4-6F175D3DCCD1}">
-              <a14:hiddenFill xmlns:a14="http://schemas.microsoft.com/office/drawing/2010/main">
+        </p:grpSpPr>
+        <p:grpSp>
+          <p:nvGrpSpPr>
+            <p:cNvPr id="1063" name="Group 1062">
+              <a:extLst>
+                <a:ext uri="{FF2B5EF4-FFF2-40B4-BE49-F238E27FC236}">
+                  <a16:creationId xmlns:a16="http://schemas.microsoft.com/office/drawing/2014/main" id="{69E9E644-B029-E55E-8F32-802BE401F846}"/>
+                </a:ext>
+              </a:extLst>
+            </p:cNvPr>
+            <p:cNvGrpSpPr/>
+            <p:nvPr/>
+          </p:nvGrpSpPr>
+          <p:grpSpPr>
+            <a:xfrm>
+              <a:off x="5802034" y="5225598"/>
+              <a:ext cx="976137" cy="365760"/>
+              <a:chOff x="8426051" y="2486063"/>
+              <a:chExt cx="976137" cy="365760"/>
+            </a:xfrm>
+          </p:grpSpPr>
+          <p:sp>
+            <p:nvSpPr>
+              <p:cNvPr id="90" name="Oval 89">
+                <a:extLst>
+                  <a:ext uri="{FF2B5EF4-FFF2-40B4-BE49-F238E27FC236}">
+                    <a16:creationId xmlns:a16="http://schemas.microsoft.com/office/drawing/2014/main" id="{6B46394F-F6BC-7964-5566-C155CE0F9CAC}"/>
+                  </a:ext>
+                </a:extLst>
+              </p:cNvPr>
+              <p:cNvSpPr/>
+              <p:nvPr/>
+            </p:nvSpPr>
+            <p:spPr>
+              <a:xfrm>
+                <a:off x="8426051" y="2486063"/>
+                <a:ext cx="365760" cy="365760"/>
+              </a:xfrm>
+              <a:prstGeom prst="ellipse">
+                <a:avLst/>
+              </a:prstGeom>
+              <a:noFill/>
+              <a:ln w="25400">
                 <a:solidFill>
-                  <a:srgbClr val="FFFFFF"/>
+                  <a:srgbClr val="00B0F0"/>
                 </a:solidFill>
-              </a14:hiddenFill>
-            </a:ext>
-          </a:extLst>
-        </p:spPr>
-      </p:pic>
+              </a:ln>
+            </p:spPr>
+            <p:style>
+              <a:lnRef idx="2">
+                <a:schemeClr val="accent1">
+                  <a:shade val="50000"/>
+                </a:schemeClr>
+              </a:lnRef>
+              <a:fillRef idx="1">
+                <a:schemeClr val="accent1"/>
+              </a:fillRef>
+              <a:effectRef idx="0">
+                <a:schemeClr val="accent1"/>
+              </a:effectRef>
+              <a:fontRef idx="minor">
+                <a:schemeClr val="lt1"/>
+              </a:fontRef>
+            </p:style>
+            <p:txBody>
+              <a:bodyPr rtlCol="0" anchor="ctr"/>
+              <a:lstStyle/>
+              <a:p>
+                <a:pPr algn="ctr"/>
+                <a:endParaRPr lang="en-US" dirty="0"/>
+              </a:p>
+            </p:txBody>
+          </p:sp>
+          <p:cxnSp>
+            <p:nvCxnSpPr>
+              <p:cNvPr id="91" name="Straight Connector 90">
+                <a:extLst>
+                  <a:ext uri="{FF2B5EF4-FFF2-40B4-BE49-F238E27FC236}">
+                    <a16:creationId xmlns:a16="http://schemas.microsoft.com/office/drawing/2014/main" id="{E67A1FEB-3C7A-BC7F-CF96-17CFCA19FFE1}"/>
+                  </a:ext>
+                </a:extLst>
+              </p:cNvPr>
+              <p:cNvCxnSpPr>
+                <a:cxnSpLocks/>
+                <a:stCxn id="90" idx="6"/>
+              </p:cNvCxnSpPr>
+              <p:nvPr/>
+            </p:nvCxnSpPr>
+            <p:spPr>
+              <a:xfrm>
+                <a:off x="8791811" y="2668943"/>
+                <a:ext cx="610377" cy="0"/>
+              </a:xfrm>
+              <a:prstGeom prst="line">
+                <a:avLst/>
+              </a:prstGeom>
+              <a:ln w="25400">
+                <a:solidFill>
+                  <a:srgbClr val="00B0F0"/>
+                </a:solidFill>
+                <a:tailEnd type="triangle"/>
+              </a:ln>
+            </p:spPr>
+            <p:style>
+              <a:lnRef idx="1">
+                <a:schemeClr val="accent1"/>
+              </a:lnRef>
+              <a:fillRef idx="0">
+                <a:schemeClr val="accent1"/>
+              </a:fillRef>
+              <a:effectRef idx="0">
+                <a:schemeClr val="accent1"/>
+              </a:effectRef>
+              <a:fontRef idx="minor">
+                <a:schemeClr val="tx1"/>
+              </a:fontRef>
+            </p:style>
+          </p:cxnSp>
+        </p:grpSp>
+        <p:pic>
+          <p:nvPicPr>
+            <p:cNvPr id="1029" name="Picture 5" descr="Bluetooth">
+              <a:extLst>
+                <a:ext uri="{FF2B5EF4-FFF2-40B4-BE49-F238E27FC236}">
+                  <a16:creationId xmlns:a16="http://schemas.microsoft.com/office/drawing/2014/main" id="{9FFD11A0-222B-E909-E8B2-2330FA2868A8}"/>
+                </a:ext>
+              </a:extLst>
+            </p:cNvPr>
+            <p:cNvPicPr>
+              <a:picLocks noChangeAspect="1" noChangeArrowheads="1"/>
+            </p:cNvPicPr>
+            <p:nvPr/>
+          </p:nvPicPr>
+          <p:blipFill>
+            <a:blip r:embed="rId10">
+              <a:extLst>
+                <a:ext uri="{28A0092B-C50C-407E-A947-70E740481C1C}">
+                  <a14:useLocalDpi xmlns:a14="http://schemas.microsoft.com/office/drawing/2010/main" val="0"/>
+                </a:ext>
+              </a:extLst>
+            </a:blip>
+            <a:srcRect/>
+            <a:stretch>
+              <a:fillRect/>
+            </a:stretch>
+          </p:blipFill>
+          <p:spPr bwMode="auto">
+            <a:xfrm>
+              <a:off x="5848589" y="5272152"/>
+              <a:ext cx="272651" cy="272651"/>
+            </a:xfrm>
+            <a:prstGeom prst="rect">
+              <a:avLst/>
+            </a:prstGeom>
+            <a:noFill/>
+            <a:extLst>
+              <a:ext uri="{909E8E84-426E-40DD-AFC4-6F175D3DCCD1}">
+                <a14:hiddenFill xmlns:a14="http://schemas.microsoft.com/office/drawing/2010/main">
+                  <a:solidFill>
+                    <a:srgbClr val="FFFFFF"/>
+                  </a:solidFill>
+                </a14:hiddenFill>
+              </a:ext>
+            </a:extLst>
+          </p:spPr>
+        </p:pic>
+      </p:grpSp>
       <p:sp>
         <p:nvSpPr>
           <p:cNvPr id="14" name="Rectangle 6">
@@ -6407,7 +6588,7 @@
               <a:tabLst/>
             </a:pPr>
             <a:br>
-              <a:rPr kumimoji="0" lang="en-US" altLang="en-US" sz="1800" b="0" i="0" u="none" strike="noStrike" cap="none" normalizeH="0" baseline="0">
+              <a:rPr kumimoji="0" lang="en-US" altLang="en-US" sz="1800" b="0" i="0" u="none" strike="noStrike" cap="none" normalizeH="0" baseline="0" dirty="0">
                 <a:ln>
                   <a:noFill/>
                 </a:ln>
@@ -6418,7 +6599,7 @@
                 <a:latin typeface="Arial" panose="020B0604020202020204" pitchFamily="34" charset="0"/>
               </a:rPr>
             </a:br>
-            <a:endParaRPr kumimoji="0" lang="en-US" altLang="en-US" sz="1800" b="0" i="0" u="none" strike="noStrike" cap="none" normalizeH="0" baseline="0">
+            <a:endParaRPr kumimoji="0" lang="en-US" altLang="en-US" sz="1800" b="0" i="0" u="none" strike="noStrike" cap="none" normalizeH="0" baseline="0" dirty="0">
               <a:ln>
                 <a:noFill/>
               </a:ln>
@@ -6431,62 +6612,3065 @@
           </a:p>
         </p:txBody>
       </p:sp>
-      <p:sp>
-        <p:nvSpPr>
-          <p:cNvPr id="28" name="Oval 27">
-            <a:extLst>
-              <a:ext uri="{FF2B5EF4-FFF2-40B4-BE49-F238E27FC236}">
-                <a16:creationId xmlns:a16="http://schemas.microsoft.com/office/drawing/2014/main" id="{718CC454-A8A3-E086-94C5-513DD2158617}"/>
-              </a:ext>
-            </a:extLst>
-          </p:cNvPr>
-          <p:cNvSpPr/>
-          <p:nvPr/>
-        </p:nvSpPr>
-        <p:spPr>
-          <a:xfrm rot="20127732">
-            <a:off x="10049885" y="3728325"/>
-            <a:ext cx="84853" cy="53346"/>
-          </a:xfrm>
-          <a:prstGeom prst="ellipse">
-            <a:avLst/>
-          </a:prstGeom>
-          <a:solidFill>
-            <a:schemeClr val="tx1"/>
-          </a:solidFill>
-          <a:ln>
-            <a:noFill/>
-          </a:ln>
-        </p:spPr>
-        <p:style>
-          <a:lnRef idx="2">
-            <a:schemeClr val="accent1">
-              <a:shade val="50000"/>
-            </a:schemeClr>
-          </a:lnRef>
-          <a:fillRef idx="1">
-            <a:schemeClr val="accent1"/>
-          </a:fillRef>
-          <a:effectRef idx="0">
-            <a:schemeClr val="accent1"/>
-          </a:effectRef>
-          <a:fontRef idx="minor">
-            <a:schemeClr val="lt1"/>
-          </a:fontRef>
-        </p:style>
-        <p:txBody>
-          <a:bodyPr rtlCol="0" anchor="ctr"/>
-          <a:lstStyle/>
-          <a:p>
-            <a:pPr algn="ctr"/>
-            <a:endParaRPr lang="en-US"/>
-          </a:p>
-        </p:txBody>
-      </p:sp>
     </p:spTree>
     <p:extLst>
       <p:ext uri="{BB962C8B-B14F-4D97-AF65-F5344CB8AC3E}">
         <p14:creationId xmlns:p14="http://schemas.microsoft.com/office/powerpoint/2010/main" val="3537936303"/>
+      </p:ext>
+    </p:extLst>
+  </p:cSld>
+  <p:clrMapOvr>
+    <a:masterClrMapping/>
+  </p:clrMapOvr>
+</p:sld>
+</file>
+
+<file path=ppt/slides/slide2.xml><?xml version="1.0" encoding="utf-8"?>
+<p:sld xmlns:a="http://schemas.openxmlformats.org/drawingml/2006/main" xmlns:r="http://schemas.openxmlformats.org/officeDocument/2006/relationships" xmlns:p="http://schemas.openxmlformats.org/presentationml/2006/main">
+  <p:cSld>
+    <p:spTree>
+      <p:nvGrpSpPr>
+        <p:cNvPr id="1" name=""/>
+        <p:cNvGrpSpPr/>
+        <p:nvPr/>
+      </p:nvGrpSpPr>
+      <p:grpSpPr>
+        <a:xfrm>
+          <a:off x="0" y="0"/>
+          <a:ext cx="0" cy="0"/>
+          <a:chOff x="0" y="0"/>
+          <a:chExt cx="0" cy="0"/>
+        </a:xfrm>
+      </p:grpSpPr>
+      <p:grpSp>
+        <p:nvGrpSpPr>
+          <p:cNvPr id="34" name="组合 33">
+            <a:extLst>
+              <a:ext uri="{FF2B5EF4-FFF2-40B4-BE49-F238E27FC236}">
+                <a16:creationId xmlns:a16="http://schemas.microsoft.com/office/drawing/2014/main" id="{BE95555F-6BB7-0CF5-47C3-F77A9F57E30C}"/>
+              </a:ext>
+            </a:extLst>
+          </p:cNvPr>
+          <p:cNvGrpSpPr/>
+          <p:nvPr/>
+        </p:nvGrpSpPr>
+        <p:grpSpPr>
+          <a:xfrm>
+            <a:off x="5273794" y="2037905"/>
+            <a:ext cx="1178015" cy="923330"/>
+            <a:chOff x="4334320" y="1014910"/>
+            <a:chExt cx="1178015" cy="923330"/>
+          </a:xfrm>
+        </p:grpSpPr>
+        <p:sp>
+          <p:nvSpPr>
+            <p:cNvPr id="12" name="Rectangle 11">
+              <a:extLst>
+                <a:ext uri="{FF2B5EF4-FFF2-40B4-BE49-F238E27FC236}">
+                  <a16:creationId xmlns:a16="http://schemas.microsoft.com/office/drawing/2014/main" id="{572BED38-E512-4324-9464-A5246BFDADFD}"/>
+                </a:ext>
+              </a:extLst>
+            </p:cNvPr>
+            <p:cNvSpPr/>
+            <p:nvPr/>
+          </p:nvSpPr>
+          <p:spPr>
+            <a:xfrm>
+              <a:off x="4374866" y="1065951"/>
+              <a:ext cx="1091181" cy="821249"/>
+            </a:xfrm>
+            <a:prstGeom prst="rect">
+              <a:avLst/>
+            </a:prstGeom>
+            <a:noFill/>
+            <a:ln w="28575">
+              <a:solidFill>
+                <a:schemeClr val="accent4"/>
+              </a:solidFill>
+            </a:ln>
+          </p:spPr>
+          <p:style>
+            <a:lnRef idx="2">
+              <a:schemeClr val="accent1">
+                <a:shade val="50000"/>
+              </a:schemeClr>
+            </a:lnRef>
+            <a:fillRef idx="1">
+              <a:schemeClr val="accent1"/>
+            </a:fillRef>
+            <a:effectRef idx="0">
+              <a:schemeClr val="accent1"/>
+            </a:effectRef>
+            <a:fontRef idx="minor">
+              <a:schemeClr val="lt1"/>
+            </a:fontRef>
+          </p:style>
+          <p:txBody>
+            <a:bodyPr rtlCol="0" anchor="ctr"/>
+            <a:lstStyle/>
+            <a:p>
+              <a:pPr algn="ctr"/>
+              <a:endParaRPr lang="en-US" dirty="0"/>
+            </a:p>
+          </p:txBody>
+        </p:sp>
+        <p:sp>
+          <p:nvSpPr>
+            <p:cNvPr id="1061" name="TextBox 1060">
+              <a:extLst>
+                <a:ext uri="{FF2B5EF4-FFF2-40B4-BE49-F238E27FC236}">
+                  <a16:creationId xmlns:a16="http://schemas.microsoft.com/office/drawing/2014/main" id="{1671271E-2AC1-FD97-7F57-DE5F44105155}"/>
+                </a:ext>
+              </a:extLst>
+            </p:cNvPr>
+            <p:cNvSpPr txBox="1"/>
+            <p:nvPr/>
+          </p:nvSpPr>
+          <p:spPr>
+            <a:xfrm>
+              <a:off x="4334320" y="1014910"/>
+              <a:ext cx="1178015" cy="923330"/>
+            </a:xfrm>
+            <a:prstGeom prst="rect">
+              <a:avLst/>
+            </a:prstGeom>
+            <a:noFill/>
+          </p:spPr>
+          <p:txBody>
+            <a:bodyPr wrap="none" rtlCol="0">
+              <a:spAutoFit/>
+            </a:bodyPr>
+            <a:lstStyle/>
+            <a:p>
+              <a:pPr algn="ctr"/>
+              <a:r>
+                <a:rPr lang="en-US" dirty="0"/>
+                <a:t>Digital </a:t>
+              </a:r>
+            </a:p>
+            <a:p>
+              <a:pPr algn="ctr"/>
+              <a:r>
+                <a:rPr lang="en-US" dirty="0"/>
+                <a:t>Signal </a:t>
+              </a:r>
+            </a:p>
+            <a:p>
+              <a:pPr algn="ctr"/>
+              <a:r>
+                <a:rPr lang="en-US" dirty="0"/>
+                <a:t>Processing</a:t>
+              </a:r>
+            </a:p>
+          </p:txBody>
+        </p:sp>
+      </p:grpSp>
+      <p:grpSp>
+        <p:nvGrpSpPr>
+          <p:cNvPr id="1077" name="Group 1076">
+            <a:extLst>
+              <a:ext uri="{FF2B5EF4-FFF2-40B4-BE49-F238E27FC236}">
+                <a16:creationId xmlns:a16="http://schemas.microsoft.com/office/drawing/2014/main" id="{80FCEB2E-8ACC-FE2B-611F-4DFDA77B004C}"/>
+              </a:ext>
+            </a:extLst>
+          </p:cNvPr>
+          <p:cNvGrpSpPr/>
+          <p:nvPr/>
+        </p:nvGrpSpPr>
+        <p:grpSpPr>
+          <a:xfrm>
+            <a:off x="3087764" y="2232194"/>
+            <a:ext cx="463876" cy="577070"/>
+            <a:chOff x="2152340" y="3211974"/>
+            <a:chExt cx="731521" cy="1004128"/>
+          </a:xfrm>
+        </p:grpSpPr>
+        <p:grpSp>
+          <p:nvGrpSpPr>
+            <p:cNvPr id="43" name="Group 42">
+              <a:extLst>
+                <a:ext uri="{FF2B5EF4-FFF2-40B4-BE49-F238E27FC236}">
+                  <a16:creationId xmlns:a16="http://schemas.microsoft.com/office/drawing/2014/main" id="{5F3EBAD2-84D9-600F-8960-1632498D7DB8}"/>
+                </a:ext>
+              </a:extLst>
+            </p:cNvPr>
+            <p:cNvGrpSpPr/>
+            <p:nvPr/>
+          </p:nvGrpSpPr>
+          <p:grpSpPr>
+            <a:xfrm>
+              <a:off x="2518100" y="3211974"/>
+              <a:ext cx="365761" cy="1004128"/>
+              <a:chOff x="2682598" y="2595162"/>
+              <a:chExt cx="365761" cy="1004128"/>
+            </a:xfrm>
+          </p:grpSpPr>
+          <p:grpSp>
+            <p:nvGrpSpPr>
+              <p:cNvPr id="33" name="Group 32">
+                <a:extLst>
+                  <a:ext uri="{FF2B5EF4-FFF2-40B4-BE49-F238E27FC236}">
+                    <a16:creationId xmlns:a16="http://schemas.microsoft.com/office/drawing/2014/main" id="{FF6EEA1A-15D6-E85C-DF3E-51FAC3AABAC3}"/>
+                  </a:ext>
+                </a:extLst>
+              </p:cNvPr>
+              <p:cNvGrpSpPr/>
+              <p:nvPr/>
+            </p:nvGrpSpPr>
+            <p:grpSpPr>
+              <a:xfrm>
+                <a:off x="2682599" y="2595162"/>
+                <a:ext cx="365760" cy="365760"/>
+                <a:chOff x="2233463" y="2618738"/>
+                <a:chExt cx="365760" cy="365760"/>
+              </a:xfrm>
+            </p:grpSpPr>
+            <p:sp>
+              <p:nvSpPr>
+                <p:cNvPr id="24" name="Arc 23">
+                  <a:extLst>
+                    <a:ext uri="{FF2B5EF4-FFF2-40B4-BE49-F238E27FC236}">
+                      <a16:creationId xmlns:a16="http://schemas.microsoft.com/office/drawing/2014/main" id="{38EEF678-C0C1-EAC7-E03F-866E9994D28F}"/>
+                    </a:ext>
+                  </a:extLst>
+                </p:cNvPr>
+                <p:cNvSpPr/>
+                <p:nvPr/>
+              </p:nvSpPr>
+              <p:spPr>
+                <a:xfrm rot="16200000">
+                  <a:off x="2233463" y="2618738"/>
+                  <a:ext cx="365760" cy="365760"/>
+                </a:xfrm>
+                <a:prstGeom prst="arc">
+                  <a:avLst/>
+                </a:prstGeom>
+                <a:ln w="25400">
+                  <a:solidFill>
+                    <a:srgbClr val="00B050"/>
+                  </a:solidFill>
+                </a:ln>
+              </p:spPr>
+              <p:style>
+                <a:lnRef idx="1">
+                  <a:schemeClr val="accent1"/>
+                </a:lnRef>
+                <a:fillRef idx="0">
+                  <a:schemeClr val="accent1"/>
+                </a:fillRef>
+                <a:effectRef idx="0">
+                  <a:schemeClr val="accent1"/>
+                </a:effectRef>
+                <a:fontRef idx="minor">
+                  <a:schemeClr val="tx1"/>
+                </a:fontRef>
+              </p:style>
+              <p:txBody>
+                <a:bodyPr rtlCol="0" anchor="ctr"/>
+                <a:lstStyle/>
+                <a:p>
+                  <a:pPr algn="ctr"/>
+                  <a:endParaRPr lang="en-US" dirty="0"/>
+                </a:p>
+              </p:txBody>
+            </p:sp>
+            <p:cxnSp>
+              <p:nvCxnSpPr>
+                <p:cNvPr id="26" name="Straight Connector 25">
+                  <a:extLst>
+                    <a:ext uri="{FF2B5EF4-FFF2-40B4-BE49-F238E27FC236}">
+                      <a16:creationId xmlns:a16="http://schemas.microsoft.com/office/drawing/2014/main" id="{905CBFDD-BCAD-056C-7EF7-B41A8C81319A}"/>
+                    </a:ext>
+                  </a:extLst>
+                </p:cNvPr>
+                <p:cNvCxnSpPr/>
+                <p:nvPr/>
+              </p:nvCxnSpPr>
+              <p:spPr>
+                <a:xfrm>
+                  <a:off x="2416343" y="2618738"/>
+                  <a:ext cx="182880" cy="0"/>
+                </a:xfrm>
+                <a:prstGeom prst="line">
+                  <a:avLst/>
+                </a:prstGeom>
+                <a:ln w="25400">
+                  <a:solidFill>
+                    <a:srgbClr val="00B050"/>
+                  </a:solidFill>
+                </a:ln>
+              </p:spPr>
+              <p:style>
+                <a:lnRef idx="1">
+                  <a:schemeClr val="accent1"/>
+                </a:lnRef>
+                <a:fillRef idx="0">
+                  <a:schemeClr val="accent1"/>
+                </a:fillRef>
+                <a:effectRef idx="0">
+                  <a:schemeClr val="accent1"/>
+                </a:effectRef>
+                <a:fontRef idx="minor">
+                  <a:schemeClr val="tx1"/>
+                </a:fontRef>
+              </p:style>
+            </p:cxnSp>
+          </p:grpSp>
+          <p:sp>
+            <p:nvSpPr>
+              <p:cNvPr id="38" name="Arc 37">
+                <a:extLst>
+                  <a:ext uri="{FF2B5EF4-FFF2-40B4-BE49-F238E27FC236}">
+                    <a16:creationId xmlns:a16="http://schemas.microsoft.com/office/drawing/2014/main" id="{62992950-4F9B-30ED-786B-A14DFC53D13D}"/>
+                  </a:ext>
+                </a:extLst>
+              </p:cNvPr>
+              <p:cNvSpPr/>
+              <p:nvPr/>
+            </p:nvSpPr>
+            <p:spPr>
+              <a:xfrm rot="10800000">
+                <a:off x="2682599" y="3233530"/>
+                <a:ext cx="365760" cy="365760"/>
+              </a:xfrm>
+              <a:prstGeom prst="arc">
+                <a:avLst/>
+              </a:prstGeom>
+              <a:ln w="25400">
+                <a:solidFill>
+                  <a:srgbClr val="00B050"/>
+                </a:solidFill>
+              </a:ln>
+            </p:spPr>
+            <p:style>
+              <a:lnRef idx="1">
+                <a:schemeClr val="accent1"/>
+              </a:lnRef>
+              <a:fillRef idx="0">
+                <a:schemeClr val="accent1"/>
+              </a:fillRef>
+              <a:effectRef idx="0">
+                <a:schemeClr val="accent1"/>
+              </a:effectRef>
+              <a:fontRef idx="minor">
+                <a:schemeClr val="tx1"/>
+              </a:fontRef>
+            </p:style>
+            <p:txBody>
+              <a:bodyPr rtlCol="0" anchor="ctr"/>
+              <a:lstStyle/>
+              <a:p>
+                <a:pPr algn="ctr"/>
+                <a:endParaRPr lang="en-US" dirty="0"/>
+              </a:p>
+            </p:txBody>
+          </p:sp>
+          <p:cxnSp>
+            <p:nvCxnSpPr>
+              <p:cNvPr id="39" name="Straight Connector 38">
+                <a:extLst>
+                  <a:ext uri="{FF2B5EF4-FFF2-40B4-BE49-F238E27FC236}">
+                    <a16:creationId xmlns:a16="http://schemas.microsoft.com/office/drawing/2014/main" id="{869E9A12-FC38-48A1-7561-693A9C513A32}"/>
+                  </a:ext>
+                </a:extLst>
+              </p:cNvPr>
+              <p:cNvCxnSpPr/>
+              <p:nvPr/>
+            </p:nvCxnSpPr>
+            <p:spPr>
+              <a:xfrm>
+                <a:off x="2865479" y="3599290"/>
+                <a:ext cx="182880" cy="0"/>
+              </a:xfrm>
+              <a:prstGeom prst="line">
+                <a:avLst/>
+              </a:prstGeom>
+              <a:ln w="25400">
+                <a:solidFill>
+                  <a:srgbClr val="00B050"/>
+                </a:solidFill>
+              </a:ln>
+            </p:spPr>
+            <p:style>
+              <a:lnRef idx="1">
+                <a:schemeClr val="accent1"/>
+              </a:lnRef>
+              <a:fillRef idx="0">
+                <a:schemeClr val="accent1"/>
+              </a:fillRef>
+              <a:effectRef idx="0">
+                <a:schemeClr val="accent1"/>
+              </a:effectRef>
+              <a:fontRef idx="minor">
+                <a:schemeClr val="tx1"/>
+              </a:fontRef>
+            </p:style>
+          </p:cxnSp>
+          <p:cxnSp>
+            <p:nvCxnSpPr>
+              <p:cNvPr id="40" name="Straight Connector 39">
+                <a:extLst>
+                  <a:ext uri="{FF2B5EF4-FFF2-40B4-BE49-F238E27FC236}">
+                    <a16:creationId xmlns:a16="http://schemas.microsoft.com/office/drawing/2014/main" id="{462826D3-A974-DEA2-3EFB-0E499680E668}"/>
+                  </a:ext>
+                </a:extLst>
+              </p:cNvPr>
+              <p:cNvCxnSpPr>
+                <a:endCxn id="38" idx="2"/>
+              </p:cNvCxnSpPr>
+              <p:nvPr/>
+            </p:nvCxnSpPr>
+            <p:spPr>
+              <a:xfrm>
+                <a:off x="2682598" y="2765397"/>
+                <a:ext cx="1" cy="651013"/>
+              </a:xfrm>
+              <a:prstGeom prst="line">
+                <a:avLst/>
+              </a:prstGeom>
+              <a:ln w="25400">
+                <a:solidFill>
+                  <a:srgbClr val="00B050"/>
+                </a:solidFill>
+              </a:ln>
+            </p:spPr>
+            <p:style>
+              <a:lnRef idx="1">
+                <a:schemeClr val="accent1"/>
+              </a:lnRef>
+              <a:fillRef idx="0">
+                <a:schemeClr val="accent1"/>
+              </a:fillRef>
+              <a:effectRef idx="0">
+                <a:schemeClr val="accent1"/>
+              </a:effectRef>
+              <a:fontRef idx="minor">
+                <a:schemeClr val="tx1"/>
+              </a:fontRef>
+            </p:style>
+          </p:cxnSp>
+        </p:grpSp>
+        <p:cxnSp>
+          <p:nvCxnSpPr>
+            <p:cNvPr id="52" name="Straight Arrow Connector 51">
+              <a:extLst>
+                <a:ext uri="{FF2B5EF4-FFF2-40B4-BE49-F238E27FC236}">
+                  <a16:creationId xmlns:a16="http://schemas.microsoft.com/office/drawing/2014/main" id="{7761B656-8BD0-4241-8BCC-42C26D7D1B5F}"/>
+                </a:ext>
+              </a:extLst>
+            </p:cNvPr>
+            <p:cNvCxnSpPr/>
+            <p:nvPr/>
+          </p:nvCxnSpPr>
+          <p:spPr>
+            <a:xfrm flipH="1">
+              <a:off x="2152340" y="3696243"/>
+              <a:ext cx="365760" cy="0"/>
+            </a:xfrm>
+            <a:prstGeom prst="straightConnector1">
+              <a:avLst/>
+            </a:prstGeom>
+            <a:ln w="25400">
+              <a:solidFill>
+                <a:srgbClr val="00B050"/>
+              </a:solidFill>
+              <a:tailEnd type="triangle"/>
+            </a:ln>
+          </p:spPr>
+          <p:style>
+            <a:lnRef idx="1">
+              <a:schemeClr val="accent1"/>
+            </a:lnRef>
+            <a:fillRef idx="0">
+              <a:schemeClr val="accent1"/>
+            </a:fillRef>
+            <a:effectRef idx="0">
+              <a:schemeClr val="accent1"/>
+            </a:effectRef>
+            <a:fontRef idx="minor">
+              <a:schemeClr val="tx1"/>
+            </a:fontRef>
+          </p:style>
+        </p:cxnSp>
+      </p:grpSp>
+      <p:grpSp>
+        <p:nvGrpSpPr>
+          <p:cNvPr id="1080" name="Group 1079">
+            <a:extLst>
+              <a:ext uri="{FF2B5EF4-FFF2-40B4-BE49-F238E27FC236}">
+                <a16:creationId xmlns:a16="http://schemas.microsoft.com/office/drawing/2014/main" id="{61A5259B-CBCF-3819-F643-4A9623D3733D}"/>
+              </a:ext>
+            </a:extLst>
+          </p:cNvPr>
+          <p:cNvGrpSpPr/>
+          <p:nvPr/>
+        </p:nvGrpSpPr>
+        <p:grpSpPr>
+          <a:xfrm>
+            <a:off x="4823617" y="2232194"/>
+            <a:ext cx="451837" cy="577070"/>
+            <a:chOff x="3950300" y="3211974"/>
+            <a:chExt cx="731520" cy="1004128"/>
+          </a:xfrm>
+        </p:grpSpPr>
+        <p:grpSp>
+          <p:nvGrpSpPr>
+            <p:cNvPr id="44" name="Group 43">
+              <a:extLst>
+                <a:ext uri="{FF2B5EF4-FFF2-40B4-BE49-F238E27FC236}">
+                  <a16:creationId xmlns:a16="http://schemas.microsoft.com/office/drawing/2014/main" id="{C29B1960-0C2A-83B4-0087-5E5C78C47921}"/>
+                </a:ext>
+              </a:extLst>
+            </p:cNvPr>
+            <p:cNvGrpSpPr/>
+            <p:nvPr/>
+          </p:nvGrpSpPr>
+          <p:grpSpPr>
+            <a:xfrm rot="10800000">
+              <a:off x="3950300" y="3211974"/>
+              <a:ext cx="365761" cy="1004128"/>
+              <a:chOff x="2682598" y="2595162"/>
+              <a:chExt cx="365761" cy="1004128"/>
+            </a:xfrm>
+          </p:grpSpPr>
+          <p:grpSp>
+            <p:nvGrpSpPr>
+              <p:cNvPr id="45" name="Group 44">
+                <a:extLst>
+                  <a:ext uri="{FF2B5EF4-FFF2-40B4-BE49-F238E27FC236}">
+                    <a16:creationId xmlns:a16="http://schemas.microsoft.com/office/drawing/2014/main" id="{23CB65E1-6245-A24D-1612-FBBA56A1CB1B}"/>
+                  </a:ext>
+                </a:extLst>
+              </p:cNvPr>
+              <p:cNvGrpSpPr/>
+              <p:nvPr/>
+            </p:nvGrpSpPr>
+            <p:grpSpPr>
+              <a:xfrm>
+                <a:off x="2682599" y="2595162"/>
+                <a:ext cx="365760" cy="365760"/>
+                <a:chOff x="2233463" y="2618738"/>
+                <a:chExt cx="365760" cy="365760"/>
+              </a:xfrm>
+            </p:grpSpPr>
+            <p:sp>
+              <p:nvSpPr>
+                <p:cNvPr id="49" name="Arc 48">
+                  <a:extLst>
+                    <a:ext uri="{FF2B5EF4-FFF2-40B4-BE49-F238E27FC236}">
+                      <a16:creationId xmlns:a16="http://schemas.microsoft.com/office/drawing/2014/main" id="{725AC818-83DA-37C6-F3F7-42B159146396}"/>
+                    </a:ext>
+                  </a:extLst>
+                </p:cNvPr>
+                <p:cNvSpPr/>
+                <p:nvPr/>
+              </p:nvSpPr>
+              <p:spPr>
+                <a:xfrm rot="16200000">
+                  <a:off x="2233463" y="2618738"/>
+                  <a:ext cx="365760" cy="365760"/>
+                </a:xfrm>
+                <a:prstGeom prst="arc">
+                  <a:avLst/>
+                </a:prstGeom>
+                <a:ln w="25400">
+                  <a:solidFill>
+                    <a:srgbClr val="00B050"/>
+                  </a:solidFill>
+                </a:ln>
+              </p:spPr>
+              <p:style>
+                <a:lnRef idx="1">
+                  <a:schemeClr val="accent1"/>
+                </a:lnRef>
+                <a:fillRef idx="0">
+                  <a:schemeClr val="accent1"/>
+                </a:fillRef>
+                <a:effectRef idx="0">
+                  <a:schemeClr val="accent1"/>
+                </a:effectRef>
+                <a:fontRef idx="minor">
+                  <a:schemeClr val="tx1"/>
+                </a:fontRef>
+              </p:style>
+              <p:txBody>
+                <a:bodyPr rtlCol="0" anchor="ctr"/>
+                <a:lstStyle/>
+                <a:p>
+                  <a:pPr algn="ctr"/>
+                  <a:endParaRPr lang="en-US" dirty="0"/>
+                </a:p>
+              </p:txBody>
+            </p:sp>
+            <p:cxnSp>
+              <p:nvCxnSpPr>
+                <p:cNvPr id="50" name="Straight Connector 49">
+                  <a:extLst>
+                    <a:ext uri="{FF2B5EF4-FFF2-40B4-BE49-F238E27FC236}">
+                      <a16:creationId xmlns:a16="http://schemas.microsoft.com/office/drawing/2014/main" id="{3D4C03D0-8472-AD7A-6AB9-8342A7A507C0}"/>
+                    </a:ext>
+                  </a:extLst>
+                </p:cNvPr>
+                <p:cNvCxnSpPr/>
+                <p:nvPr/>
+              </p:nvCxnSpPr>
+              <p:spPr>
+                <a:xfrm>
+                  <a:off x="2416343" y="2618738"/>
+                  <a:ext cx="182880" cy="0"/>
+                </a:xfrm>
+                <a:prstGeom prst="line">
+                  <a:avLst/>
+                </a:prstGeom>
+                <a:ln w="25400">
+                  <a:solidFill>
+                    <a:srgbClr val="00B050"/>
+                  </a:solidFill>
+                </a:ln>
+              </p:spPr>
+              <p:style>
+                <a:lnRef idx="1">
+                  <a:schemeClr val="accent1"/>
+                </a:lnRef>
+                <a:fillRef idx="0">
+                  <a:schemeClr val="accent1"/>
+                </a:fillRef>
+                <a:effectRef idx="0">
+                  <a:schemeClr val="accent1"/>
+                </a:effectRef>
+                <a:fontRef idx="minor">
+                  <a:schemeClr val="tx1"/>
+                </a:fontRef>
+              </p:style>
+            </p:cxnSp>
+          </p:grpSp>
+          <p:sp>
+            <p:nvSpPr>
+              <p:cNvPr id="46" name="Arc 45">
+                <a:extLst>
+                  <a:ext uri="{FF2B5EF4-FFF2-40B4-BE49-F238E27FC236}">
+                    <a16:creationId xmlns:a16="http://schemas.microsoft.com/office/drawing/2014/main" id="{C69A9006-2B05-944E-CD7F-0912F1C86F27}"/>
+                  </a:ext>
+                </a:extLst>
+              </p:cNvPr>
+              <p:cNvSpPr/>
+              <p:nvPr/>
+            </p:nvSpPr>
+            <p:spPr>
+              <a:xfrm rot="10800000">
+                <a:off x="2682599" y="3233530"/>
+                <a:ext cx="365760" cy="365760"/>
+              </a:xfrm>
+              <a:prstGeom prst="arc">
+                <a:avLst/>
+              </a:prstGeom>
+              <a:ln w="25400">
+                <a:solidFill>
+                  <a:srgbClr val="00B050"/>
+                </a:solidFill>
+              </a:ln>
+            </p:spPr>
+            <p:style>
+              <a:lnRef idx="1">
+                <a:schemeClr val="accent1"/>
+              </a:lnRef>
+              <a:fillRef idx="0">
+                <a:schemeClr val="accent1"/>
+              </a:fillRef>
+              <a:effectRef idx="0">
+                <a:schemeClr val="accent1"/>
+              </a:effectRef>
+              <a:fontRef idx="minor">
+                <a:schemeClr val="tx1"/>
+              </a:fontRef>
+            </p:style>
+            <p:txBody>
+              <a:bodyPr rtlCol="0" anchor="ctr"/>
+              <a:lstStyle/>
+              <a:p>
+                <a:pPr algn="ctr"/>
+                <a:endParaRPr lang="en-US" dirty="0"/>
+              </a:p>
+            </p:txBody>
+          </p:sp>
+          <p:cxnSp>
+            <p:nvCxnSpPr>
+              <p:cNvPr id="47" name="Straight Connector 46">
+                <a:extLst>
+                  <a:ext uri="{FF2B5EF4-FFF2-40B4-BE49-F238E27FC236}">
+                    <a16:creationId xmlns:a16="http://schemas.microsoft.com/office/drawing/2014/main" id="{5302CE11-13CA-2696-2D3F-72EDF0228258}"/>
+                  </a:ext>
+                </a:extLst>
+              </p:cNvPr>
+              <p:cNvCxnSpPr/>
+              <p:nvPr/>
+            </p:nvCxnSpPr>
+            <p:spPr>
+              <a:xfrm>
+                <a:off x="2865479" y="3599290"/>
+                <a:ext cx="182880" cy="0"/>
+              </a:xfrm>
+              <a:prstGeom prst="line">
+                <a:avLst/>
+              </a:prstGeom>
+              <a:ln w="25400">
+                <a:solidFill>
+                  <a:srgbClr val="00B050"/>
+                </a:solidFill>
+              </a:ln>
+            </p:spPr>
+            <p:style>
+              <a:lnRef idx="1">
+                <a:schemeClr val="accent1"/>
+              </a:lnRef>
+              <a:fillRef idx="0">
+                <a:schemeClr val="accent1"/>
+              </a:fillRef>
+              <a:effectRef idx="0">
+                <a:schemeClr val="accent1"/>
+              </a:effectRef>
+              <a:fontRef idx="minor">
+                <a:schemeClr val="tx1"/>
+              </a:fontRef>
+            </p:style>
+          </p:cxnSp>
+          <p:cxnSp>
+            <p:nvCxnSpPr>
+              <p:cNvPr id="48" name="Straight Connector 47">
+                <a:extLst>
+                  <a:ext uri="{FF2B5EF4-FFF2-40B4-BE49-F238E27FC236}">
+                    <a16:creationId xmlns:a16="http://schemas.microsoft.com/office/drawing/2014/main" id="{972B6AAB-77F3-7364-D5B7-9B80A1A82934}"/>
+                  </a:ext>
+                </a:extLst>
+              </p:cNvPr>
+              <p:cNvCxnSpPr>
+                <a:endCxn id="46" idx="2"/>
+              </p:cNvCxnSpPr>
+              <p:nvPr/>
+            </p:nvCxnSpPr>
+            <p:spPr>
+              <a:xfrm>
+                <a:off x="2682598" y="2765397"/>
+                <a:ext cx="1" cy="651013"/>
+              </a:xfrm>
+              <a:prstGeom prst="line">
+                <a:avLst/>
+              </a:prstGeom>
+              <a:ln w="25400">
+                <a:solidFill>
+                  <a:srgbClr val="00B050"/>
+                </a:solidFill>
+              </a:ln>
+            </p:spPr>
+            <p:style>
+              <a:lnRef idx="1">
+                <a:schemeClr val="accent1"/>
+              </a:lnRef>
+              <a:fillRef idx="0">
+                <a:schemeClr val="accent1"/>
+              </a:fillRef>
+              <a:effectRef idx="0">
+                <a:schemeClr val="accent1"/>
+              </a:effectRef>
+              <a:fontRef idx="minor">
+                <a:schemeClr val="tx1"/>
+              </a:fontRef>
+            </p:style>
+          </p:cxnSp>
+        </p:grpSp>
+        <p:cxnSp>
+          <p:nvCxnSpPr>
+            <p:cNvPr id="56" name="Straight Arrow Connector 55">
+              <a:extLst>
+                <a:ext uri="{FF2B5EF4-FFF2-40B4-BE49-F238E27FC236}">
+                  <a16:creationId xmlns:a16="http://schemas.microsoft.com/office/drawing/2014/main" id="{37B7C7A3-DCA9-2230-B712-1A6824BD0D39}"/>
+                </a:ext>
+              </a:extLst>
+            </p:cNvPr>
+            <p:cNvCxnSpPr/>
+            <p:nvPr/>
+          </p:nvCxnSpPr>
+          <p:spPr>
+            <a:xfrm>
+              <a:off x="4316060" y="3720361"/>
+              <a:ext cx="365760" cy="0"/>
+            </a:xfrm>
+            <a:prstGeom prst="straightConnector1">
+              <a:avLst/>
+            </a:prstGeom>
+            <a:ln w="25400">
+              <a:solidFill>
+                <a:srgbClr val="00B050"/>
+              </a:solidFill>
+              <a:tailEnd type="triangle"/>
+            </a:ln>
+          </p:spPr>
+          <p:style>
+            <a:lnRef idx="1">
+              <a:schemeClr val="accent1"/>
+            </a:lnRef>
+            <a:fillRef idx="0">
+              <a:schemeClr val="accent1"/>
+            </a:fillRef>
+            <a:effectRef idx="0">
+              <a:schemeClr val="accent1"/>
+            </a:effectRef>
+            <a:fontRef idx="minor">
+              <a:schemeClr val="tx1"/>
+            </a:fontRef>
+          </p:style>
+        </p:cxnSp>
+      </p:grpSp>
+      <p:grpSp>
+        <p:nvGrpSpPr>
+          <p:cNvPr id="1039" name="组合 1038">
+            <a:extLst>
+              <a:ext uri="{FF2B5EF4-FFF2-40B4-BE49-F238E27FC236}">
+                <a16:creationId xmlns:a16="http://schemas.microsoft.com/office/drawing/2014/main" id="{3071064F-9C53-5CC7-9201-CC6B9B5638ED}"/>
+              </a:ext>
+            </a:extLst>
+          </p:cNvPr>
+          <p:cNvGrpSpPr/>
+          <p:nvPr/>
+        </p:nvGrpSpPr>
+        <p:grpSpPr>
+          <a:xfrm>
+            <a:off x="3550032" y="2073987"/>
+            <a:ext cx="1261494" cy="369332"/>
+            <a:chOff x="3549334" y="1880460"/>
+            <a:chExt cx="1261494" cy="369332"/>
+          </a:xfrm>
+        </p:grpSpPr>
+        <p:sp>
+          <p:nvSpPr>
+            <p:cNvPr id="6" name="Rectangle 5">
+              <a:extLst>
+                <a:ext uri="{FF2B5EF4-FFF2-40B4-BE49-F238E27FC236}">
+                  <a16:creationId xmlns:a16="http://schemas.microsoft.com/office/drawing/2014/main" id="{0A141393-793F-C391-3607-A50C9969E1A5}"/>
+                </a:ext>
+              </a:extLst>
+            </p:cNvPr>
+            <p:cNvSpPr/>
+            <p:nvPr/>
+          </p:nvSpPr>
+          <p:spPr>
+            <a:xfrm>
+              <a:off x="3549334" y="1918832"/>
+              <a:ext cx="1261494" cy="290056"/>
+            </a:xfrm>
+            <a:prstGeom prst="rect">
+              <a:avLst/>
+            </a:prstGeom>
+            <a:noFill/>
+            <a:ln w="28575">
+              <a:solidFill>
+                <a:srgbClr val="00B050"/>
+              </a:solidFill>
+            </a:ln>
+          </p:spPr>
+          <p:style>
+            <a:lnRef idx="2">
+              <a:schemeClr val="accent1">
+                <a:shade val="50000"/>
+              </a:schemeClr>
+            </a:lnRef>
+            <a:fillRef idx="1">
+              <a:schemeClr val="accent1"/>
+            </a:fillRef>
+            <a:effectRef idx="0">
+              <a:schemeClr val="accent1"/>
+            </a:effectRef>
+            <a:fontRef idx="minor">
+              <a:schemeClr val="lt1"/>
+            </a:fontRef>
+          </p:style>
+          <p:txBody>
+            <a:bodyPr rtlCol="0" anchor="ctr"/>
+            <a:lstStyle/>
+            <a:p>
+              <a:pPr algn="ctr"/>
+              <a:endParaRPr lang="en-US" dirty="0"/>
+            </a:p>
+          </p:txBody>
+        </p:sp>
+        <p:sp>
+          <p:nvSpPr>
+            <p:cNvPr id="1075" name="TextBox 1074">
+              <a:extLst>
+                <a:ext uri="{FF2B5EF4-FFF2-40B4-BE49-F238E27FC236}">
+                  <a16:creationId xmlns:a16="http://schemas.microsoft.com/office/drawing/2014/main" id="{4CA03E22-614E-4AAF-FDF3-6AA2879AC079}"/>
+                </a:ext>
+              </a:extLst>
+            </p:cNvPr>
+            <p:cNvSpPr txBox="1"/>
+            <p:nvPr/>
+          </p:nvSpPr>
+          <p:spPr>
+            <a:xfrm>
+              <a:off x="3620699" y="1880460"/>
+              <a:ext cx="1131807" cy="369332"/>
+            </a:xfrm>
+            <a:prstGeom prst="rect">
+              <a:avLst/>
+            </a:prstGeom>
+            <a:noFill/>
+          </p:spPr>
+          <p:txBody>
+            <a:bodyPr wrap="square" rtlCol="0">
+              <a:spAutoFit/>
+            </a:bodyPr>
+            <a:lstStyle/>
+            <a:p>
+              <a:r>
+                <a:rPr lang="en-US" dirty="0"/>
+                <a:t>9DoF IMU</a:t>
+              </a:r>
+            </a:p>
+          </p:txBody>
+        </p:sp>
+      </p:grpSp>
+      <p:grpSp>
+        <p:nvGrpSpPr>
+          <p:cNvPr id="1041" name="组合 1040">
+            <a:extLst>
+              <a:ext uri="{FF2B5EF4-FFF2-40B4-BE49-F238E27FC236}">
+                <a16:creationId xmlns:a16="http://schemas.microsoft.com/office/drawing/2014/main" id="{DED86CBA-07BC-6EFD-534A-13AD6AAC72B6}"/>
+              </a:ext>
+            </a:extLst>
+          </p:cNvPr>
+          <p:cNvGrpSpPr/>
+          <p:nvPr/>
+        </p:nvGrpSpPr>
+        <p:grpSpPr>
+          <a:xfrm>
+            <a:off x="3568784" y="2585295"/>
+            <a:ext cx="1286489" cy="369332"/>
+            <a:chOff x="3568501" y="2686581"/>
+            <a:chExt cx="1286489" cy="369332"/>
+          </a:xfrm>
+        </p:grpSpPr>
+        <p:sp>
+          <p:nvSpPr>
+            <p:cNvPr id="7" name="Rectangle 6">
+              <a:extLst>
+                <a:ext uri="{FF2B5EF4-FFF2-40B4-BE49-F238E27FC236}">
+                  <a16:creationId xmlns:a16="http://schemas.microsoft.com/office/drawing/2014/main" id="{F051FFD9-C52C-AFB0-F1EB-A827D15FE2D2}"/>
+                </a:ext>
+              </a:extLst>
+            </p:cNvPr>
+            <p:cNvSpPr/>
+            <p:nvPr/>
+          </p:nvSpPr>
+          <p:spPr>
+            <a:xfrm>
+              <a:off x="3568501" y="2743513"/>
+              <a:ext cx="1261494" cy="290056"/>
+            </a:xfrm>
+            <a:prstGeom prst="rect">
+              <a:avLst/>
+            </a:prstGeom>
+            <a:noFill/>
+            <a:ln w="28575">
+              <a:solidFill>
+                <a:srgbClr val="00B050"/>
+              </a:solidFill>
+            </a:ln>
+          </p:spPr>
+          <p:style>
+            <a:lnRef idx="2">
+              <a:schemeClr val="accent1">
+                <a:shade val="50000"/>
+              </a:schemeClr>
+            </a:lnRef>
+            <a:fillRef idx="1">
+              <a:schemeClr val="accent1"/>
+            </a:fillRef>
+            <a:effectRef idx="0">
+              <a:schemeClr val="accent1"/>
+            </a:effectRef>
+            <a:fontRef idx="minor">
+              <a:schemeClr val="lt1"/>
+            </a:fontRef>
+          </p:style>
+          <p:txBody>
+            <a:bodyPr rtlCol="0" anchor="ctr"/>
+            <a:lstStyle/>
+            <a:p>
+              <a:pPr algn="ctr"/>
+              <a:endParaRPr lang="en-US" dirty="0"/>
+            </a:p>
+          </p:txBody>
+        </p:sp>
+        <p:sp>
+          <p:nvSpPr>
+            <p:cNvPr id="1076" name="TextBox 1075">
+              <a:extLst>
+                <a:ext uri="{FF2B5EF4-FFF2-40B4-BE49-F238E27FC236}">
+                  <a16:creationId xmlns:a16="http://schemas.microsoft.com/office/drawing/2014/main" id="{CB063577-5103-3153-6997-77F494D3D994}"/>
+                </a:ext>
+              </a:extLst>
+            </p:cNvPr>
+            <p:cNvSpPr txBox="1"/>
+            <p:nvPr/>
+          </p:nvSpPr>
+          <p:spPr>
+            <a:xfrm>
+              <a:off x="3593496" y="2686581"/>
+              <a:ext cx="1261494" cy="369332"/>
+            </a:xfrm>
+            <a:prstGeom prst="rect">
+              <a:avLst/>
+            </a:prstGeom>
+            <a:noFill/>
+          </p:spPr>
+          <p:txBody>
+            <a:bodyPr wrap="square" rtlCol="0">
+              <a:spAutoFit/>
+            </a:bodyPr>
+            <a:lstStyle/>
+            <a:p>
+              <a:r>
+                <a:rPr lang="en-US" dirty="0"/>
+                <a:t>PPG Sensor</a:t>
+              </a:r>
+            </a:p>
+          </p:txBody>
+        </p:sp>
+      </p:grpSp>
+      <p:sp>
+        <p:nvSpPr>
+          <p:cNvPr id="14" name="Rectangle 6">
+            <a:hlinkClick r:id="rId3"/>
+            <a:extLst>
+              <a:ext uri="{FF2B5EF4-FFF2-40B4-BE49-F238E27FC236}">
+                <a16:creationId xmlns:a16="http://schemas.microsoft.com/office/drawing/2014/main" id="{CAC8E793-7138-2AAF-5C67-395BC360EE75}"/>
+              </a:ext>
+            </a:extLst>
+          </p:cNvPr>
+          <p:cNvSpPr>
+            <a:spLocks noChangeArrowheads="1"/>
+          </p:cNvSpPr>
+          <p:nvPr/>
+        </p:nvSpPr>
+        <p:spPr bwMode="auto">
+          <a:xfrm>
+            <a:off x="3127376" y="1253305"/>
+            <a:ext cx="4064000" cy="0"/>
+          </a:xfrm>
+          <a:prstGeom prst="rect">
+            <a:avLst/>
+          </a:prstGeom>
+          <a:noFill/>
+          <a:ln>
+            <a:noFill/>
+          </a:ln>
+          <a:effectLst/>
+          <a:extLst>
+            <a:ext uri="{909E8E84-426E-40DD-AFC4-6F175D3DCCD1}">
+              <a14:hiddenFill xmlns:a14="http://schemas.microsoft.com/office/drawing/2010/main">
+                <a:solidFill>
+                  <a:schemeClr val="accent1"/>
+                </a:solidFill>
+              </a14:hiddenFill>
+            </a:ext>
+            <a:ext uri="{91240B29-F687-4F45-9708-019B960494DF}">
+              <a14:hiddenLine xmlns:a14="http://schemas.microsoft.com/office/drawing/2010/main" w="9525">
+                <a:solidFill>
+                  <a:schemeClr val="tx1"/>
+                </a:solidFill>
+                <a:miter lim="800000"/>
+                <a:headEnd/>
+                <a:tailEnd/>
+              </a14:hiddenLine>
+            </a:ext>
+            <a:ext uri="{AF507438-7753-43E0-B8FC-AC1667EBCBE1}">
+              <a14:hiddenEffects xmlns:a14="http://schemas.microsoft.com/office/drawing/2010/main">
+                <a:effectLst>
+                  <a:outerShdw dist="35921" dir="2700000" algn="ctr" rotWithShape="0">
+                    <a:schemeClr val="bg2"/>
+                  </a:outerShdw>
+                </a:effectLst>
+              </a14:hiddenEffects>
+            </a:ext>
+          </a:extLst>
+        </p:spPr>
+        <p:txBody>
+          <a:bodyPr vert="horz" wrap="square" lIns="91440" tIns="45720" rIns="91440" bIns="45720" numCol="1" anchor="ctr" anchorCtr="0" compatLnSpc="1">
+            <a:prstTxWarp prst="textNoShape">
+              <a:avLst/>
+            </a:prstTxWarp>
+            <a:spAutoFit/>
+          </a:bodyPr>
+          <a:lstStyle/>
+          <a:p>
+            <a:pPr marL="0" marR="0" lvl="0" indent="0" algn="l" defTabSz="914400" rtl="0" eaLnBrk="0" fontAlgn="base" latinLnBrk="0" hangingPunct="0">
+              <a:lnSpc>
+                <a:spcPct val="100000"/>
+              </a:lnSpc>
+              <a:spcBef>
+                <a:spcPct val="0"/>
+              </a:spcBef>
+              <a:spcAft>
+                <a:spcPct val="0"/>
+              </a:spcAft>
+              <a:buClrTx/>
+              <a:buSzTx/>
+              <a:buFontTx/>
+              <a:buNone/>
+              <a:tabLst/>
+            </a:pPr>
+            <a:br>
+              <a:rPr kumimoji="0" lang="en-US" altLang="en-US" sz="1800" b="0" i="0" u="none" strike="noStrike" cap="none" normalizeH="0" baseline="0" dirty="0">
+                <a:ln>
+                  <a:noFill/>
+                </a:ln>
+                <a:solidFill>
+                  <a:schemeClr val="tx1"/>
+                </a:solidFill>
+                <a:effectLst/>
+                <a:latin typeface="Arial" panose="020B0604020202020204" pitchFamily="34" charset="0"/>
+              </a:rPr>
+            </a:br>
+            <a:endParaRPr kumimoji="0" lang="en-US" altLang="en-US" sz="1800" b="0" i="0" u="none" strike="noStrike" cap="none" normalizeH="0" baseline="0" dirty="0">
+              <a:ln>
+                <a:noFill/>
+              </a:ln>
+              <a:solidFill>
+                <a:schemeClr val="tx1"/>
+              </a:solidFill>
+              <a:effectLst/>
+              <a:latin typeface="Arial" panose="020B0604020202020204" pitchFamily="34" charset="0"/>
+            </a:endParaRPr>
+          </a:p>
+        </p:txBody>
+      </p:sp>
+      <p:grpSp>
+        <p:nvGrpSpPr>
+          <p:cNvPr id="1031" name="组合 1030">
+            <a:extLst>
+              <a:ext uri="{FF2B5EF4-FFF2-40B4-BE49-F238E27FC236}">
+                <a16:creationId xmlns:a16="http://schemas.microsoft.com/office/drawing/2014/main" id="{84875E11-99B7-686A-4E0E-88A425493FFE}"/>
+              </a:ext>
+            </a:extLst>
+          </p:cNvPr>
+          <p:cNvGrpSpPr/>
+          <p:nvPr/>
+        </p:nvGrpSpPr>
+        <p:grpSpPr>
+          <a:xfrm>
+            <a:off x="6313648" y="2525730"/>
+            <a:ext cx="323349" cy="2139167"/>
+            <a:chOff x="6313648" y="2525730"/>
+            <a:chExt cx="509377" cy="2103662"/>
+          </a:xfrm>
+        </p:grpSpPr>
+        <p:sp>
+          <p:nvSpPr>
+            <p:cNvPr id="15" name="Arc 59">
+              <a:extLst>
+                <a:ext uri="{FF2B5EF4-FFF2-40B4-BE49-F238E27FC236}">
+                  <a16:creationId xmlns:a16="http://schemas.microsoft.com/office/drawing/2014/main" id="{3205E161-F0BD-7E38-B899-1F190031DFC1}"/>
+                </a:ext>
+              </a:extLst>
+            </p:cNvPr>
+            <p:cNvSpPr/>
+            <p:nvPr/>
+          </p:nvSpPr>
+          <p:spPr>
+            <a:xfrm rot="5400000">
+              <a:off x="6375277" y="4202003"/>
+              <a:ext cx="365760" cy="489018"/>
+            </a:xfrm>
+            <a:prstGeom prst="arc">
+              <a:avLst/>
+            </a:prstGeom>
+            <a:ln w="25400">
+              <a:solidFill>
+                <a:schemeClr val="accent4"/>
+              </a:solidFill>
+            </a:ln>
+          </p:spPr>
+          <p:style>
+            <a:lnRef idx="1">
+              <a:schemeClr val="accent1"/>
+            </a:lnRef>
+            <a:fillRef idx="0">
+              <a:schemeClr val="accent1"/>
+            </a:fillRef>
+            <a:effectRef idx="0">
+              <a:schemeClr val="accent1"/>
+            </a:effectRef>
+            <a:fontRef idx="minor">
+              <a:schemeClr val="tx1"/>
+            </a:fontRef>
+          </p:style>
+          <p:txBody>
+            <a:bodyPr rtlCol="0" anchor="ctr"/>
+            <a:lstStyle/>
+            <a:p>
+              <a:pPr algn="ctr"/>
+              <a:endParaRPr lang="en-US" dirty="0"/>
+            </a:p>
+          </p:txBody>
+        </p:sp>
+        <p:cxnSp>
+          <p:nvCxnSpPr>
+            <p:cNvPr id="16" name="Straight Connector 61">
+              <a:extLst>
+                <a:ext uri="{FF2B5EF4-FFF2-40B4-BE49-F238E27FC236}">
+                  <a16:creationId xmlns:a16="http://schemas.microsoft.com/office/drawing/2014/main" id="{0B5F77D7-4AD3-6D16-A17D-78CCED946264}"/>
+                </a:ext>
+              </a:extLst>
+            </p:cNvPr>
+            <p:cNvCxnSpPr>
+              <a:cxnSpLocks/>
+            </p:cNvCxnSpPr>
+            <p:nvPr/>
+          </p:nvCxnSpPr>
+          <p:spPr>
+            <a:xfrm flipV="1">
+              <a:off x="6802666" y="2770239"/>
+              <a:ext cx="20359" cy="1689107"/>
+            </a:xfrm>
+            <a:prstGeom prst="line">
+              <a:avLst/>
+            </a:prstGeom>
+            <a:ln w="25400">
+              <a:solidFill>
+                <a:schemeClr val="accent4"/>
+              </a:solidFill>
+            </a:ln>
+          </p:spPr>
+          <p:style>
+            <a:lnRef idx="1">
+              <a:schemeClr val="accent1"/>
+            </a:lnRef>
+            <a:fillRef idx="0">
+              <a:schemeClr val="accent1"/>
+            </a:fillRef>
+            <a:effectRef idx="0">
+              <a:schemeClr val="accent1"/>
+            </a:effectRef>
+            <a:fontRef idx="minor">
+              <a:schemeClr val="tx1"/>
+            </a:fontRef>
+          </p:style>
+        </p:cxnSp>
+        <p:sp>
+          <p:nvSpPr>
+            <p:cNvPr id="17" name="Arc 59">
+              <a:extLst>
+                <a:ext uri="{FF2B5EF4-FFF2-40B4-BE49-F238E27FC236}">
+                  <a16:creationId xmlns:a16="http://schemas.microsoft.com/office/drawing/2014/main" id="{ADFD1025-D52E-9A7D-D8F2-EDE837BCE78F}"/>
+                </a:ext>
+              </a:extLst>
+            </p:cNvPr>
+            <p:cNvSpPr/>
+            <p:nvPr/>
+          </p:nvSpPr>
+          <p:spPr>
+            <a:xfrm>
+              <a:off x="6457265" y="2525730"/>
+              <a:ext cx="365760" cy="489018"/>
+            </a:xfrm>
+            <a:prstGeom prst="arc">
+              <a:avLst/>
+            </a:prstGeom>
+            <a:ln w="25400">
+              <a:solidFill>
+                <a:schemeClr val="accent4"/>
+              </a:solidFill>
+            </a:ln>
+          </p:spPr>
+          <p:style>
+            <a:lnRef idx="1">
+              <a:schemeClr val="accent1"/>
+            </a:lnRef>
+            <a:fillRef idx="0">
+              <a:schemeClr val="accent1"/>
+            </a:fillRef>
+            <a:effectRef idx="0">
+              <a:schemeClr val="accent1"/>
+            </a:effectRef>
+            <a:fontRef idx="minor">
+              <a:schemeClr val="tx1"/>
+            </a:fontRef>
+          </p:style>
+          <p:txBody>
+            <a:bodyPr rtlCol="0" anchor="ctr"/>
+            <a:lstStyle/>
+            <a:p>
+              <a:pPr algn="ctr"/>
+              <a:endParaRPr lang="en-US" dirty="0"/>
+            </a:p>
+          </p:txBody>
+        </p:sp>
+        <p:cxnSp>
+          <p:nvCxnSpPr>
+            <p:cNvPr id="19" name="Straight Arrow Connector 1054">
+              <a:extLst>
+                <a:ext uri="{FF2B5EF4-FFF2-40B4-BE49-F238E27FC236}">
+                  <a16:creationId xmlns:a16="http://schemas.microsoft.com/office/drawing/2014/main" id="{78959C1E-B923-981F-060F-38AF40C88978}"/>
+                </a:ext>
+              </a:extLst>
+            </p:cNvPr>
+            <p:cNvCxnSpPr>
+              <a:cxnSpLocks/>
+            </p:cNvCxnSpPr>
+            <p:nvPr/>
+          </p:nvCxnSpPr>
+          <p:spPr>
+            <a:xfrm flipH="1">
+              <a:off x="6457265" y="2525730"/>
+              <a:ext cx="181476" cy="0"/>
+            </a:xfrm>
+            <a:prstGeom prst="straightConnector1">
+              <a:avLst/>
+            </a:prstGeom>
+            <a:ln w="25400">
+              <a:solidFill>
+                <a:schemeClr val="accent4"/>
+              </a:solidFill>
+              <a:tailEnd type="none"/>
+            </a:ln>
+          </p:spPr>
+          <p:style>
+            <a:lnRef idx="1">
+              <a:schemeClr val="accent1"/>
+            </a:lnRef>
+            <a:fillRef idx="0">
+              <a:schemeClr val="accent1"/>
+            </a:fillRef>
+            <a:effectRef idx="0">
+              <a:schemeClr val="accent1"/>
+            </a:effectRef>
+            <a:fontRef idx="minor">
+              <a:schemeClr val="tx1"/>
+            </a:fontRef>
+          </p:style>
+        </p:cxnSp>
+      </p:grpSp>
+      <p:grpSp>
+        <p:nvGrpSpPr>
+          <p:cNvPr id="1037" name="组合 1036">
+            <a:extLst>
+              <a:ext uri="{FF2B5EF4-FFF2-40B4-BE49-F238E27FC236}">
+                <a16:creationId xmlns:a16="http://schemas.microsoft.com/office/drawing/2014/main" id="{3EEA2B91-A91B-CA68-2743-DDC72834173D}"/>
+              </a:ext>
+            </a:extLst>
+          </p:cNvPr>
+          <p:cNvGrpSpPr/>
+          <p:nvPr/>
+        </p:nvGrpSpPr>
+        <p:grpSpPr>
+          <a:xfrm>
+            <a:off x="1812391" y="3106208"/>
+            <a:ext cx="4656468" cy="2854209"/>
+            <a:chOff x="2053736" y="3066256"/>
+            <a:chExt cx="4656468" cy="2854209"/>
+          </a:xfrm>
+        </p:grpSpPr>
+        <p:pic>
+          <p:nvPicPr>
+            <p:cNvPr id="13" name="图片 12" descr="图标&#10;&#10;描述已自动生成">
+              <a:extLst>
+                <a:ext uri="{FF2B5EF4-FFF2-40B4-BE49-F238E27FC236}">
+                  <a16:creationId xmlns:a16="http://schemas.microsoft.com/office/drawing/2014/main" id="{40759400-62DF-2CAD-8470-D817409187C2}"/>
+                </a:ext>
+              </a:extLst>
+            </p:cNvPr>
+            <p:cNvPicPr>
+              <a:picLocks noChangeAspect="1"/>
+            </p:cNvPicPr>
+            <p:nvPr/>
+          </p:nvPicPr>
+          <p:blipFill>
+            <a:blip r:embed="rId4"/>
+            <a:stretch>
+              <a:fillRect/>
+            </a:stretch>
+          </p:blipFill>
+          <p:spPr>
+            <a:xfrm>
+              <a:off x="2053736" y="3066256"/>
+              <a:ext cx="1486808" cy="2814623"/>
+            </a:xfrm>
+            <a:prstGeom prst="rect">
+              <a:avLst/>
+            </a:prstGeom>
+          </p:spPr>
+        </p:pic>
+        <p:cxnSp>
+          <p:nvCxnSpPr>
+            <p:cNvPr id="68" name="Straight Arrow Connector 67">
+              <a:extLst>
+                <a:ext uri="{FF2B5EF4-FFF2-40B4-BE49-F238E27FC236}">
+                  <a16:creationId xmlns:a16="http://schemas.microsoft.com/office/drawing/2014/main" id="{CA84B2C6-C01C-F6CA-0239-B251262459BE}"/>
+                </a:ext>
+              </a:extLst>
+            </p:cNvPr>
+            <p:cNvCxnSpPr>
+              <a:cxnSpLocks/>
+            </p:cNvCxnSpPr>
+            <p:nvPr/>
+          </p:nvCxnSpPr>
+          <p:spPr>
+            <a:xfrm flipH="1">
+              <a:off x="5937481" y="4627172"/>
+              <a:ext cx="772723" cy="2227"/>
+            </a:xfrm>
+            <a:prstGeom prst="straightConnector1">
+              <a:avLst/>
+            </a:prstGeom>
+            <a:ln w="25400">
+              <a:solidFill>
+                <a:schemeClr val="accent4"/>
+              </a:solidFill>
+              <a:tailEnd type="triangle"/>
+            </a:ln>
+          </p:spPr>
+          <p:style>
+            <a:lnRef idx="1">
+              <a:schemeClr val="accent1"/>
+            </a:lnRef>
+            <a:fillRef idx="0">
+              <a:schemeClr val="accent1"/>
+            </a:fillRef>
+            <a:effectRef idx="0">
+              <a:schemeClr val="accent1"/>
+            </a:effectRef>
+            <a:fontRef idx="minor">
+              <a:schemeClr val="tx1"/>
+            </a:fontRef>
+          </p:style>
+        </p:cxnSp>
+        <p:grpSp>
+          <p:nvGrpSpPr>
+            <p:cNvPr id="31" name="组合 30">
+              <a:extLst>
+                <a:ext uri="{FF2B5EF4-FFF2-40B4-BE49-F238E27FC236}">
+                  <a16:creationId xmlns:a16="http://schemas.microsoft.com/office/drawing/2014/main" id="{2436ADB3-486E-8149-D508-1C1CEC5D179E}"/>
+                </a:ext>
+              </a:extLst>
+            </p:cNvPr>
+            <p:cNvGrpSpPr/>
+            <p:nvPr/>
+          </p:nvGrpSpPr>
+          <p:grpSpPr>
+            <a:xfrm rot="10800000">
+              <a:off x="5894009" y="3607117"/>
+              <a:ext cx="455531" cy="2144977"/>
+              <a:chOff x="5686023" y="391443"/>
+              <a:chExt cx="455531" cy="2144977"/>
+            </a:xfrm>
+          </p:grpSpPr>
+          <p:grpSp>
+            <p:nvGrpSpPr>
+              <p:cNvPr id="67" name="Group 66">
+                <a:extLst>
+                  <a:ext uri="{FF2B5EF4-FFF2-40B4-BE49-F238E27FC236}">
+                    <a16:creationId xmlns:a16="http://schemas.microsoft.com/office/drawing/2014/main" id="{E65CB6E6-81A6-9C96-BB32-2E08DC72EAAF}"/>
+                  </a:ext>
+                </a:extLst>
+              </p:cNvPr>
+              <p:cNvGrpSpPr/>
+              <p:nvPr/>
+            </p:nvGrpSpPr>
+            <p:grpSpPr>
+              <a:xfrm>
+                <a:off x="5686024" y="391443"/>
+                <a:ext cx="455530" cy="2144977"/>
+                <a:chOff x="5640470" y="2255141"/>
+                <a:chExt cx="455530" cy="1604332"/>
+              </a:xfrm>
+            </p:grpSpPr>
+            <p:grpSp>
+              <p:nvGrpSpPr>
+                <p:cNvPr id="59" name="Group 58">
+                  <a:extLst>
+                    <a:ext uri="{FF2B5EF4-FFF2-40B4-BE49-F238E27FC236}">
+                      <a16:creationId xmlns:a16="http://schemas.microsoft.com/office/drawing/2014/main" id="{2A1D84E8-CC1D-8787-07AF-140F5F5DF9FB}"/>
+                    </a:ext>
+                  </a:extLst>
+                </p:cNvPr>
+                <p:cNvGrpSpPr/>
+                <p:nvPr/>
+              </p:nvGrpSpPr>
+              <p:grpSpPr>
+                <a:xfrm>
+                  <a:off x="5640470" y="2255141"/>
+                  <a:ext cx="455530" cy="365760"/>
+                  <a:chOff x="2233463" y="2618738"/>
+                  <a:chExt cx="455530" cy="365760"/>
+                </a:xfrm>
+              </p:grpSpPr>
+              <p:sp>
+                <p:nvSpPr>
+                  <p:cNvPr id="63" name="Arc 62">
+                    <a:extLst>
+                      <a:ext uri="{FF2B5EF4-FFF2-40B4-BE49-F238E27FC236}">
+                        <a16:creationId xmlns:a16="http://schemas.microsoft.com/office/drawing/2014/main" id="{EF9B5E79-9ED8-FF8F-C069-7ED500FDF32B}"/>
+                      </a:ext>
+                    </a:extLst>
+                  </p:cNvPr>
+                  <p:cNvSpPr/>
+                  <p:nvPr/>
+                </p:nvSpPr>
+                <p:spPr>
+                  <a:xfrm rot="16200000">
+                    <a:off x="2233463" y="2618738"/>
+                    <a:ext cx="365760" cy="365760"/>
+                  </a:xfrm>
+                  <a:prstGeom prst="arc">
+                    <a:avLst/>
+                  </a:prstGeom>
+                  <a:ln w="25400">
+                    <a:solidFill>
+                      <a:schemeClr val="accent4"/>
+                    </a:solidFill>
+                  </a:ln>
+                </p:spPr>
+                <p:style>
+                  <a:lnRef idx="1">
+                    <a:schemeClr val="accent1"/>
+                  </a:lnRef>
+                  <a:fillRef idx="0">
+                    <a:schemeClr val="accent1"/>
+                  </a:fillRef>
+                  <a:effectRef idx="0">
+                    <a:schemeClr val="accent1"/>
+                  </a:effectRef>
+                  <a:fontRef idx="minor">
+                    <a:schemeClr val="tx1"/>
+                  </a:fontRef>
+                </p:style>
+                <p:txBody>
+                  <a:bodyPr rtlCol="0" anchor="ctr"/>
+                  <a:lstStyle/>
+                  <a:p>
+                    <a:pPr algn="ctr"/>
+                    <a:endParaRPr lang="en-US" dirty="0"/>
+                  </a:p>
+                </p:txBody>
+              </p:sp>
+              <p:cxnSp>
+                <p:nvCxnSpPr>
+                  <p:cNvPr id="64" name="Straight Connector 63">
+                    <a:extLst>
+                      <a:ext uri="{FF2B5EF4-FFF2-40B4-BE49-F238E27FC236}">
+                        <a16:creationId xmlns:a16="http://schemas.microsoft.com/office/drawing/2014/main" id="{BCA6A994-308D-63CD-8C76-8D4A2606084A}"/>
+                      </a:ext>
+                    </a:extLst>
+                  </p:cNvPr>
+                  <p:cNvCxnSpPr/>
+                  <p:nvPr/>
+                </p:nvCxnSpPr>
+                <p:spPr>
+                  <a:xfrm>
+                    <a:off x="2416343" y="2618738"/>
+                    <a:ext cx="272650" cy="0"/>
+                  </a:xfrm>
+                  <a:prstGeom prst="line">
+                    <a:avLst/>
+                  </a:prstGeom>
+                  <a:ln w="25400">
+                    <a:solidFill>
+                      <a:schemeClr val="accent4"/>
+                    </a:solidFill>
+                    <a:tailEnd type="triangle"/>
+                  </a:ln>
+                </p:spPr>
+                <p:style>
+                  <a:lnRef idx="1">
+                    <a:schemeClr val="accent1"/>
+                  </a:lnRef>
+                  <a:fillRef idx="0">
+                    <a:schemeClr val="accent1"/>
+                  </a:fillRef>
+                  <a:effectRef idx="0">
+                    <a:schemeClr val="accent1"/>
+                  </a:effectRef>
+                  <a:fontRef idx="minor">
+                    <a:schemeClr val="tx1"/>
+                  </a:fontRef>
+                </p:style>
+              </p:cxnSp>
+            </p:grpSp>
+            <p:sp>
+              <p:nvSpPr>
+                <p:cNvPr id="60" name="Arc 59">
+                  <a:extLst>
+                    <a:ext uri="{FF2B5EF4-FFF2-40B4-BE49-F238E27FC236}">
+                      <a16:creationId xmlns:a16="http://schemas.microsoft.com/office/drawing/2014/main" id="{DD3AEADC-EFF5-FC4F-BD3D-82A0A8DD4E38}"/>
+                    </a:ext>
+                  </a:extLst>
+                </p:cNvPr>
+                <p:cNvSpPr/>
+                <p:nvPr/>
+              </p:nvSpPr>
+              <p:spPr>
+                <a:xfrm rot="10800000">
+                  <a:off x="5640470" y="3491018"/>
+                  <a:ext cx="365760" cy="365760"/>
+                </a:xfrm>
+                <a:prstGeom prst="arc">
+                  <a:avLst/>
+                </a:prstGeom>
+                <a:ln w="25400">
+                  <a:solidFill>
+                    <a:schemeClr val="accent4"/>
+                  </a:solidFill>
+                </a:ln>
+              </p:spPr>
+              <p:style>
+                <a:lnRef idx="1">
+                  <a:schemeClr val="accent1"/>
+                </a:lnRef>
+                <a:fillRef idx="0">
+                  <a:schemeClr val="accent1"/>
+                </a:fillRef>
+                <a:effectRef idx="0">
+                  <a:schemeClr val="accent1"/>
+                </a:effectRef>
+                <a:fontRef idx="minor">
+                  <a:schemeClr val="tx1"/>
+                </a:fontRef>
+              </p:style>
+              <p:txBody>
+                <a:bodyPr rtlCol="0" anchor="ctr"/>
+                <a:lstStyle/>
+                <a:p>
+                  <a:pPr algn="ctr"/>
+                  <a:endParaRPr lang="en-US" dirty="0"/>
+                </a:p>
+              </p:txBody>
+            </p:sp>
+            <p:cxnSp>
+              <p:nvCxnSpPr>
+                <p:cNvPr id="61" name="Straight Connector 60">
+                  <a:extLst>
+                    <a:ext uri="{FF2B5EF4-FFF2-40B4-BE49-F238E27FC236}">
+                      <a16:creationId xmlns:a16="http://schemas.microsoft.com/office/drawing/2014/main" id="{A3EDA2A4-B586-8101-EE90-398BE33BC65F}"/>
+                    </a:ext>
+                  </a:extLst>
+                </p:cNvPr>
+                <p:cNvCxnSpPr/>
+                <p:nvPr/>
+              </p:nvCxnSpPr>
+              <p:spPr>
+                <a:xfrm>
+                  <a:off x="5779878" y="3859473"/>
+                  <a:ext cx="272650" cy="0"/>
+                </a:xfrm>
+                <a:prstGeom prst="line">
+                  <a:avLst/>
+                </a:prstGeom>
+                <a:ln w="25400">
+                  <a:solidFill>
+                    <a:schemeClr val="accent4"/>
+                  </a:solidFill>
+                  <a:headEnd type="none"/>
+                  <a:tailEnd type="triangle"/>
+                </a:ln>
+              </p:spPr>
+              <p:style>
+                <a:lnRef idx="1">
+                  <a:schemeClr val="accent1"/>
+                </a:lnRef>
+                <a:fillRef idx="0">
+                  <a:schemeClr val="accent1"/>
+                </a:fillRef>
+                <a:effectRef idx="0">
+                  <a:schemeClr val="accent1"/>
+                </a:effectRef>
+                <a:fontRef idx="minor">
+                  <a:schemeClr val="tx1"/>
+                </a:fontRef>
+              </p:style>
+            </p:cxnSp>
+            <p:cxnSp>
+              <p:nvCxnSpPr>
+                <p:cNvPr id="62" name="Straight Connector 61">
+                  <a:extLst>
+                    <a:ext uri="{FF2B5EF4-FFF2-40B4-BE49-F238E27FC236}">
+                      <a16:creationId xmlns:a16="http://schemas.microsoft.com/office/drawing/2014/main" id="{251E1E4D-2834-1CA8-D886-E65D73F14FB6}"/>
+                    </a:ext>
+                  </a:extLst>
+                </p:cNvPr>
+                <p:cNvCxnSpPr>
+                  <a:stCxn id="63" idx="0"/>
+                  <a:endCxn id="60" idx="2"/>
+                </p:cNvCxnSpPr>
+                <p:nvPr/>
+              </p:nvCxnSpPr>
+              <p:spPr>
+                <a:xfrm>
+                  <a:off x="5640470" y="2438021"/>
+                  <a:ext cx="0" cy="1235877"/>
+                </a:xfrm>
+                <a:prstGeom prst="line">
+                  <a:avLst/>
+                </a:prstGeom>
+                <a:ln w="25400">
+                  <a:solidFill>
+                    <a:schemeClr val="accent4"/>
+                  </a:solidFill>
+                </a:ln>
+              </p:spPr>
+              <p:style>
+                <a:lnRef idx="1">
+                  <a:schemeClr val="accent1"/>
+                </a:lnRef>
+                <a:fillRef idx="0">
+                  <a:schemeClr val="accent1"/>
+                </a:fillRef>
+                <a:effectRef idx="0">
+                  <a:schemeClr val="accent1"/>
+                </a:effectRef>
+                <a:fontRef idx="minor">
+                  <a:schemeClr val="tx1"/>
+                </a:fontRef>
+              </p:style>
+            </p:cxnSp>
+          </p:grpSp>
+          <p:cxnSp>
+            <p:nvCxnSpPr>
+              <p:cNvPr id="1055" name="Straight Arrow Connector 1054">
+                <a:extLst>
+                  <a:ext uri="{FF2B5EF4-FFF2-40B4-BE49-F238E27FC236}">
+                    <a16:creationId xmlns:a16="http://schemas.microsoft.com/office/drawing/2014/main" id="{8C2A5294-6F21-28CC-C176-68ABE118DB4B}"/>
+                  </a:ext>
+                </a:extLst>
+              </p:cNvPr>
+              <p:cNvCxnSpPr/>
+              <p:nvPr/>
+            </p:nvCxnSpPr>
+            <p:spPr>
+              <a:xfrm>
+                <a:off x="5686023" y="1995778"/>
+                <a:ext cx="412059" cy="0"/>
+              </a:xfrm>
+              <a:prstGeom prst="straightConnector1">
+                <a:avLst/>
+              </a:prstGeom>
+              <a:ln w="25400">
+                <a:solidFill>
+                  <a:schemeClr val="accent4"/>
+                </a:solidFill>
+                <a:tailEnd type="triangle"/>
+              </a:ln>
+            </p:spPr>
+            <p:style>
+              <a:lnRef idx="1">
+                <a:schemeClr val="accent1"/>
+              </a:lnRef>
+              <a:fillRef idx="0">
+                <a:schemeClr val="accent1"/>
+              </a:fillRef>
+              <a:effectRef idx="0">
+                <a:schemeClr val="accent1"/>
+              </a:effectRef>
+              <a:fontRef idx="minor">
+                <a:schemeClr val="tx1"/>
+              </a:fontRef>
+            </p:style>
+          </p:cxnSp>
+          <p:cxnSp>
+            <p:nvCxnSpPr>
+              <p:cNvPr id="1059" name="Straight Arrow Connector 1058">
+                <a:extLst>
+                  <a:ext uri="{FF2B5EF4-FFF2-40B4-BE49-F238E27FC236}">
+                    <a16:creationId xmlns:a16="http://schemas.microsoft.com/office/drawing/2014/main" id="{6083D268-01A5-4432-878C-AA4BDE89EE24}"/>
+                  </a:ext>
+                </a:extLst>
+              </p:cNvPr>
+              <p:cNvCxnSpPr/>
+              <p:nvPr/>
+            </p:nvCxnSpPr>
+            <p:spPr>
+              <a:xfrm>
+                <a:off x="5686023" y="975723"/>
+                <a:ext cx="412059" cy="0"/>
+              </a:xfrm>
+              <a:prstGeom prst="straightConnector1">
+                <a:avLst/>
+              </a:prstGeom>
+              <a:ln w="25400">
+                <a:solidFill>
+                  <a:schemeClr val="accent4"/>
+                </a:solidFill>
+                <a:tailEnd type="triangle"/>
+              </a:ln>
+            </p:spPr>
+            <p:style>
+              <a:lnRef idx="1">
+                <a:schemeClr val="accent1"/>
+              </a:lnRef>
+              <a:fillRef idx="0">
+                <a:schemeClr val="accent1"/>
+              </a:fillRef>
+              <a:effectRef idx="0">
+                <a:schemeClr val="accent1"/>
+              </a:effectRef>
+              <a:fontRef idx="minor">
+                <a:schemeClr val="tx1"/>
+              </a:fontRef>
+            </p:style>
+          </p:cxnSp>
+        </p:grpSp>
+        <p:grpSp>
+          <p:nvGrpSpPr>
+            <p:cNvPr id="53" name="组合 52">
+              <a:extLst>
+                <a:ext uri="{FF2B5EF4-FFF2-40B4-BE49-F238E27FC236}">
+                  <a16:creationId xmlns:a16="http://schemas.microsoft.com/office/drawing/2014/main" id="{275DA21A-CCFA-CDB1-6F87-276EE3EB1E69}"/>
+                </a:ext>
+              </a:extLst>
+            </p:cNvPr>
+            <p:cNvGrpSpPr/>
+            <p:nvPr/>
+          </p:nvGrpSpPr>
+          <p:grpSpPr>
+            <a:xfrm rot="10800000">
+              <a:off x="3101975" y="3604764"/>
+              <a:ext cx="1156814" cy="2144976"/>
+              <a:chOff x="10290384" y="354989"/>
+              <a:chExt cx="1156814" cy="2144976"/>
+            </a:xfrm>
+          </p:grpSpPr>
+          <p:sp>
+            <p:nvSpPr>
+              <p:cNvPr id="21" name="Arc 77">
+                <a:extLst>
+                  <a:ext uri="{FF2B5EF4-FFF2-40B4-BE49-F238E27FC236}">
+                    <a16:creationId xmlns:a16="http://schemas.microsoft.com/office/drawing/2014/main" id="{026844FF-F0F7-8827-7339-53C60EFEDC94}"/>
+                  </a:ext>
+                </a:extLst>
+              </p:cNvPr>
+              <p:cNvSpPr/>
+              <p:nvPr/>
+            </p:nvSpPr>
+            <p:spPr>
+              <a:xfrm rot="5400000">
+                <a:off x="10338726" y="2134205"/>
+                <a:ext cx="365760" cy="365760"/>
+              </a:xfrm>
+              <a:prstGeom prst="arc">
+                <a:avLst/>
+              </a:prstGeom>
+              <a:ln w="25400">
+                <a:solidFill>
+                  <a:srgbClr val="00B0F0"/>
+                </a:solidFill>
+              </a:ln>
+            </p:spPr>
+            <p:style>
+              <a:lnRef idx="1">
+                <a:schemeClr val="accent1"/>
+              </a:lnRef>
+              <a:fillRef idx="0">
+                <a:schemeClr val="accent1"/>
+              </a:fillRef>
+              <a:effectRef idx="0">
+                <a:schemeClr val="accent1"/>
+              </a:effectRef>
+              <a:fontRef idx="minor">
+                <a:schemeClr val="tx1"/>
+              </a:fontRef>
+            </p:style>
+            <p:txBody>
+              <a:bodyPr rtlCol="0" anchor="ctr"/>
+              <a:lstStyle/>
+              <a:p>
+                <a:pPr algn="ctr"/>
+                <a:endParaRPr lang="en-US" dirty="0"/>
+              </a:p>
+            </p:txBody>
+          </p:sp>
+          <p:cxnSp>
+            <p:nvCxnSpPr>
+              <p:cNvPr id="22" name="Straight Connector 78">
+                <a:extLst>
+                  <a:ext uri="{FF2B5EF4-FFF2-40B4-BE49-F238E27FC236}">
+                    <a16:creationId xmlns:a16="http://schemas.microsoft.com/office/drawing/2014/main" id="{CCAA7B81-20DE-3351-F3A5-9118EA2C6BC8}"/>
+                  </a:ext>
+                </a:extLst>
+              </p:cNvPr>
+              <p:cNvCxnSpPr/>
+              <p:nvPr/>
+            </p:nvCxnSpPr>
+            <p:spPr>
+              <a:xfrm flipH="1">
+                <a:off x="10296197" y="1959320"/>
+                <a:ext cx="408289" cy="2"/>
+              </a:xfrm>
+              <a:prstGeom prst="line">
+                <a:avLst/>
+              </a:prstGeom>
+              <a:ln w="25400">
+                <a:solidFill>
+                  <a:srgbClr val="00B0F0"/>
+                </a:solidFill>
+                <a:tailEnd type="none"/>
+              </a:ln>
+            </p:spPr>
+            <p:style>
+              <a:lnRef idx="1">
+                <a:schemeClr val="accent1"/>
+              </a:lnRef>
+              <a:fillRef idx="0">
+                <a:schemeClr val="accent1"/>
+              </a:fillRef>
+              <a:effectRef idx="0">
+                <a:schemeClr val="accent1"/>
+              </a:effectRef>
+              <a:fontRef idx="minor">
+                <a:schemeClr val="tx1"/>
+              </a:fontRef>
+            </p:style>
+          </p:cxnSp>
+          <p:cxnSp>
+            <p:nvCxnSpPr>
+              <p:cNvPr id="23" name="Straight Connector 75">
+                <a:extLst>
+                  <a:ext uri="{FF2B5EF4-FFF2-40B4-BE49-F238E27FC236}">
+                    <a16:creationId xmlns:a16="http://schemas.microsoft.com/office/drawing/2014/main" id="{2B4D6B56-6CE4-FA65-15B4-5E995376DDEC}"/>
+                  </a:ext>
+                </a:extLst>
+              </p:cNvPr>
+              <p:cNvCxnSpPr>
+                <a:stCxn id="35" idx="0"/>
+              </p:cNvCxnSpPr>
+              <p:nvPr/>
+            </p:nvCxnSpPr>
+            <p:spPr>
+              <a:xfrm flipH="1" flipV="1">
+                <a:off x="10292428" y="354989"/>
+                <a:ext cx="228335" cy="1"/>
+              </a:xfrm>
+              <a:prstGeom prst="line">
+                <a:avLst/>
+              </a:prstGeom>
+              <a:ln w="25400">
+                <a:solidFill>
+                  <a:srgbClr val="00B0F0"/>
+                </a:solidFill>
+                <a:headEnd type="none"/>
+                <a:tailEnd type="none"/>
+              </a:ln>
+            </p:spPr>
+            <p:style>
+              <a:lnRef idx="1">
+                <a:schemeClr val="accent1"/>
+              </a:lnRef>
+              <a:fillRef idx="0">
+                <a:schemeClr val="accent1"/>
+              </a:fillRef>
+              <a:effectRef idx="0">
+                <a:schemeClr val="accent1"/>
+              </a:effectRef>
+              <a:fontRef idx="minor">
+                <a:schemeClr val="tx1"/>
+              </a:fontRef>
+            </p:style>
+          </p:cxnSp>
+          <p:cxnSp>
+            <p:nvCxnSpPr>
+              <p:cNvPr id="25" name="Straight Connector 76">
+                <a:extLst>
+                  <a:ext uri="{FF2B5EF4-FFF2-40B4-BE49-F238E27FC236}">
+                    <a16:creationId xmlns:a16="http://schemas.microsoft.com/office/drawing/2014/main" id="{DC7BEDF7-6543-DA7D-ABF4-8DCE551598A1}"/>
+                  </a:ext>
+                </a:extLst>
+              </p:cNvPr>
+              <p:cNvCxnSpPr>
+                <a:stCxn id="21" idx="0"/>
+              </p:cNvCxnSpPr>
+              <p:nvPr/>
+            </p:nvCxnSpPr>
+            <p:spPr>
+              <a:xfrm flipV="1">
+                <a:off x="10704486" y="537868"/>
+                <a:ext cx="0" cy="1779217"/>
+              </a:xfrm>
+              <a:prstGeom prst="line">
+                <a:avLst/>
+              </a:prstGeom>
+              <a:ln w="25400">
+                <a:solidFill>
+                  <a:srgbClr val="00B0F0"/>
+                </a:solidFill>
+              </a:ln>
+            </p:spPr>
+            <p:style>
+              <a:lnRef idx="1">
+                <a:schemeClr val="accent1"/>
+              </a:lnRef>
+              <a:fillRef idx="0">
+                <a:schemeClr val="accent1"/>
+              </a:fillRef>
+              <a:effectRef idx="0">
+                <a:schemeClr val="accent1"/>
+              </a:effectRef>
+              <a:fontRef idx="minor">
+                <a:schemeClr val="tx1"/>
+              </a:fontRef>
+            </p:style>
+          </p:cxnSp>
+          <p:cxnSp>
+            <p:nvCxnSpPr>
+              <p:cNvPr id="27" name="Straight Arrow Connector 79">
+                <a:extLst>
+                  <a:ext uri="{FF2B5EF4-FFF2-40B4-BE49-F238E27FC236}">
+                    <a16:creationId xmlns:a16="http://schemas.microsoft.com/office/drawing/2014/main" id="{9BF14609-9103-E694-E2F2-4C93F32D3915}"/>
+                  </a:ext>
+                </a:extLst>
+              </p:cNvPr>
+              <p:cNvCxnSpPr/>
+              <p:nvPr/>
+            </p:nvCxnSpPr>
+            <p:spPr>
+              <a:xfrm>
+                <a:off x="10302720" y="903874"/>
+                <a:ext cx="401766" cy="0"/>
+              </a:xfrm>
+              <a:prstGeom prst="straightConnector1">
+                <a:avLst/>
+              </a:prstGeom>
+              <a:ln w="25400">
+                <a:solidFill>
+                  <a:srgbClr val="00B0F0"/>
+                </a:solidFill>
+                <a:tailEnd type="none"/>
+              </a:ln>
+            </p:spPr>
+            <p:style>
+              <a:lnRef idx="1">
+                <a:schemeClr val="accent1"/>
+              </a:lnRef>
+              <a:fillRef idx="0">
+                <a:schemeClr val="accent1"/>
+              </a:fillRef>
+              <a:effectRef idx="0">
+                <a:schemeClr val="accent1"/>
+              </a:effectRef>
+              <a:fontRef idx="minor">
+                <a:schemeClr val="tx1"/>
+              </a:fontRef>
+            </p:style>
+          </p:cxnSp>
+          <p:cxnSp>
+            <p:nvCxnSpPr>
+              <p:cNvPr id="30" name="Straight Connector 126">
+                <a:extLst>
+                  <a:ext uri="{FF2B5EF4-FFF2-40B4-BE49-F238E27FC236}">
+                    <a16:creationId xmlns:a16="http://schemas.microsoft.com/office/drawing/2014/main" id="{616A61EF-520E-41F8-3D8D-BC2CC5CC7588}"/>
+                  </a:ext>
+                </a:extLst>
+              </p:cNvPr>
+              <p:cNvCxnSpPr>
+                <a:cxnSpLocks/>
+              </p:cNvCxnSpPr>
+              <p:nvPr/>
+            </p:nvCxnSpPr>
+            <p:spPr>
+              <a:xfrm flipH="1" flipV="1">
+                <a:off x="10290384" y="1441987"/>
+                <a:ext cx="520127" cy="273"/>
+              </a:xfrm>
+              <a:prstGeom prst="line">
+                <a:avLst/>
+              </a:prstGeom>
+              <a:ln w="25400">
+                <a:solidFill>
+                  <a:srgbClr val="00B0F0"/>
+                </a:solidFill>
+                <a:tailEnd type="none"/>
+              </a:ln>
+            </p:spPr>
+            <p:style>
+              <a:lnRef idx="1">
+                <a:schemeClr val="accent1"/>
+              </a:lnRef>
+              <a:fillRef idx="0">
+                <a:schemeClr val="accent1"/>
+              </a:fillRef>
+              <a:effectRef idx="0">
+                <a:schemeClr val="accent1"/>
+              </a:effectRef>
+              <a:fontRef idx="minor">
+                <a:schemeClr val="tx1"/>
+              </a:fontRef>
+            </p:style>
+          </p:cxnSp>
+          <p:sp>
+            <p:nvSpPr>
+              <p:cNvPr id="35" name="Arc 1069">
+                <a:extLst>
+                  <a:ext uri="{FF2B5EF4-FFF2-40B4-BE49-F238E27FC236}">
+                    <a16:creationId xmlns:a16="http://schemas.microsoft.com/office/drawing/2014/main" id="{AFC9752E-B8ED-BB51-EEC2-165FACCAF87E}"/>
+                  </a:ext>
+                </a:extLst>
+              </p:cNvPr>
+              <p:cNvSpPr/>
+              <p:nvPr/>
+            </p:nvSpPr>
+            <p:spPr>
+              <a:xfrm>
+                <a:off x="10337883" y="354990"/>
+                <a:ext cx="365760" cy="365760"/>
+              </a:xfrm>
+              <a:prstGeom prst="arc">
+                <a:avLst/>
+              </a:prstGeom>
+              <a:ln w="25400">
+                <a:solidFill>
+                  <a:srgbClr val="00B0F0"/>
+                </a:solidFill>
+              </a:ln>
+            </p:spPr>
+            <p:style>
+              <a:lnRef idx="1">
+                <a:schemeClr val="accent1"/>
+              </a:lnRef>
+              <a:fillRef idx="0">
+                <a:schemeClr val="accent1"/>
+              </a:fillRef>
+              <a:effectRef idx="0">
+                <a:schemeClr val="accent1"/>
+              </a:effectRef>
+              <a:fontRef idx="minor">
+                <a:schemeClr val="tx1"/>
+              </a:fontRef>
+            </p:style>
+            <p:txBody>
+              <a:bodyPr rtlCol="0" anchor="ctr"/>
+              <a:lstStyle/>
+              <a:p>
+                <a:pPr algn="ctr"/>
+                <a:endParaRPr lang="en-US" dirty="0"/>
+              </a:p>
+            </p:txBody>
+          </p:sp>
+          <p:grpSp>
+            <p:nvGrpSpPr>
+              <p:cNvPr id="36" name="组合 35">
+                <a:extLst>
+                  <a:ext uri="{FF2B5EF4-FFF2-40B4-BE49-F238E27FC236}">
+                    <a16:creationId xmlns:a16="http://schemas.microsoft.com/office/drawing/2014/main" id="{AA3B7E0C-39D2-8D2B-CC19-AD18BC2229A9}"/>
+                  </a:ext>
+                </a:extLst>
+              </p:cNvPr>
+              <p:cNvGrpSpPr/>
+              <p:nvPr/>
+            </p:nvGrpSpPr>
+            <p:grpSpPr>
+              <a:xfrm>
+                <a:off x="10810511" y="1265401"/>
+                <a:ext cx="636687" cy="365760"/>
+                <a:chOff x="5802034" y="5225598"/>
+                <a:chExt cx="636687" cy="365760"/>
+              </a:xfrm>
+            </p:grpSpPr>
+            <p:grpSp>
+              <p:nvGrpSpPr>
+                <p:cNvPr id="37" name="Group 1062">
+                  <a:extLst>
+                    <a:ext uri="{FF2B5EF4-FFF2-40B4-BE49-F238E27FC236}">
+                      <a16:creationId xmlns:a16="http://schemas.microsoft.com/office/drawing/2014/main" id="{5D940173-D087-5042-441C-811729F46FBB}"/>
+                    </a:ext>
+                  </a:extLst>
+                </p:cNvPr>
+                <p:cNvGrpSpPr/>
+                <p:nvPr/>
+              </p:nvGrpSpPr>
+              <p:grpSpPr>
+                <a:xfrm>
+                  <a:off x="5802034" y="5225598"/>
+                  <a:ext cx="636687" cy="365760"/>
+                  <a:chOff x="8426051" y="2486063"/>
+                  <a:chExt cx="636687" cy="365760"/>
+                </a:xfrm>
+              </p:grpSpPr>
+              <p:sp>
+                <p:nvSpPr>
+                  <p:cNvPr id="42" name="Oval 89">
+                    <a:extLst>
+                      <a:ext uri="{FF2B5EF4-FFF2-40B4-BE49-F238E27FC236}">
+                        <a16:creationId xmlns:a16="http://schemas.microsoft.com/office/drawing/2014/main" id="{A6A16F81-FDF6-4558-9A80-102815616567}"/>
+                      </a:ext>
+                    </a:extLst>
+                  </p:cNvPr>
+                  <p:cNvSpPr/>
+                  <p:nvPr/>
+                </p:nvSpPr>
+                <p:spPr>
+                  <a:xfrm>
+                    <a:off x="8426051" y="2486063"/>
+                    <a:ext cx="365760" cy="365760"/>
+                  </a:xfrm>
+                  <a:prstGeom prst="ellipse">
+                    <a:avLst/>
+                  </a:prstGeom>
+                  <a:noFill/>
+                  <a:ln w="25400">
+                    <a:solidFill>
+                      <a:srgbClr val="00B0F0"/>
+                    </a:solidFill>
+                  </a:ln>
+                </p:spPr>
+                <p:style>
+                  <a:lnRef idx="2">
+                    <a:schemeClr val="accent1">
+                      <a:shade val="50000"/>
+                    </a:schemeClr>
+                  </a:lnRef>
+                  <a:fillRef idx="1">
+                    <a:schemeClr val="accent1"/>
+                  </a:fillRef>
+                  <a:effectRef idx="0">
+                    <a:schemeClr val="accent1"/>
+                  </a:effectRef>
+                  <a:fontRef idx="minor">
+                    <a:schemeClr val="lt1"/>
+                  </a:fontRef>
+                </p:style>
+                <p:txBody>
+                  <a:bodyPr rtlCol="0" anchor="ctr"/>
+                  <a:lstStyle/>
+                  <a:p>
+                    <a:pPr algn="ctr"/>
+                    <a:endParaRPr lang="en-US" dirty="0"/>
+                  </a:p>
+                </p:txBody>
+              </p:sp>
+              <p:cxnSp>
+                <p:nvCxnSpPr>
+                  <p:cNvPr id="51" name="Straight Connector 90">
+                    <a:extLst>
+                      <a:ext uri="{FF2B5EF4-FFF2-40B4-BE49-F238E27FC236}">
+                        <a16:creationId xmlns:a16="http://schemas.microsoft.com/office/drawing/2014/main" id="{CA9707E1-68A9-758A-2070-351BD8D7446D}"/>
+                      </a:ext>
+                    </a:extLst>
+                  </p:cNvPr>
+                  <p:cNvCxnSpPr>
+                    <a:cxnSpLocks/>
+                    <a:stCxn id="42" idx="6"/>
+                  </p:cNvCxnSpPr>
+                  <p:nvPr/>
+                </p:nvCxnSpPr>
+                <p:spPr>
+                  <a:xfrm rot="10800000" flipH="1">
+                    <a:off x="8791811" y="2668943"/>
+                    <a:ext cx="270927" cy="0"/>
+                  </a:xfrm>
+                  <a:prstGeom prst="line">
+                    <a:avLst/>
+                  </a:prstGeom>
+                  <a:ln w="25400">
+                    <a:solidFill>
+                      <a:srgbClr val="00B0F0"/>
+                    </a:solidFill>
+                    <a:tailEnd type="triangle"/>
+                  </a:ln>
+                </p:spPr>
+                <p:style>
+                  <a:lnRef idx="1">
+                    <a:schemeClr val="accent1"/>
+                  </a:lnRef>
+                  <a:fillRef idx="0">
+                    <a:schemeClr val="accent1"/>
+                  </a:fillRef>
+                  <a:effectRef idx="0">
+                    <a:schemeClr val="accent1"/>
+                  </a:effectRef>
+                  <a:fontRef idx="minor">
+                    <a:schemeClr val="tx1"/>
+                  </a:fontRef>
+                </p:style>
+              </p:cxnSp>
+            </p:grpSp>
+            <p:pic>
+              <p:nvPicPr>
+                <p:cNvPr id="41" name="Picture 5" descr="Bluetooth">
+                  <a:extLst>
+                    <a:ext uri="{FF2B5EF4-FFF2-40B4-BE49-F238E27FC236}">
+                      <a16:creationId xmlns:a16="http://schemas.microsoft.com/office/drawing/2014/main" id="{E0D00E32-606B-0C3A-3ADA-3AD3E96BA5DF}"/>
+                    </a:ext>
+                  </a:extLst>
+                </p:cNvPr>
+                <p:cNvPicPr>
+                  <a:picLocks noChangeAspect="1" noChangeArrowheads="1"/>
+                </p:cNvPicPr>
+                <p:nvPr/>
+              </p:nvPicPr>
+              <p:blipFill>
+                <a:blip r:embed="rId5">
+                  <a:extLst>
+                    <a:ext uri="{28A0092B-C50C-407E-A947-70E740481C1C}">
+                      <a14:useLocalDpi xmlns:a14="http://schemas.microsoft.com/office/drawing/2010/main" val="0"/>
+                    </a:ext>
+                  </a:extLst>
+                </a:blip>
+                <a:srcRect/>
+                <a:stretch>
+                  <a:fillRect/>
+                </a:stretch>
+              </p:blipFill>
+              <p:spPr bwMode="auto">
+                <a:xfrm rot="10800000">
+                  <a:off x="5848589" y="5272152"/>
+                  <a:ext cx="272651" cy="272651"/>
+                </a:xfrm>
+                <a:prstGeom prst="rect">
+                  <a:avLst/>
+                </a:prstGeom>
+                <a:noFill/>
+                <a:extLst>
+                  <a:ext uri="{909E8E84-426E-40DD-AFC4-6F175D3DCCD1}">
+                    <a14:hiddenFill xmlns:a14="http://schemas.microsoft.com/office/drawing/2010/main">
+                      <a:solidFill>
+                        <a:srgbClr val="FFFFFF"/>
+                      </a:solidFill>
+                    </a14:hiddenFill>
+                  </a:ext>
+                </a:extLst>
+              </p:spPr>
+            </p:pic>
+          </p:grpSp>
+        </p:grpSp>
+        <p:grpSp>
+          <p:nvGrpSpPr>
+            <p:cNvPr id="101" name="组合 100">
+              <a:extLst>
+                <a:ext uri="{FF2B5EF4-FFF2-40B4-BE49-F238E27FC236}">
+                  <a16:creationId xmlns:a16="http://schemas.microsoft.com/office/drawing/2014/main" id="{213974BE-9CCE-6327-AAF6-486E3A431A5E}"/>
+                </a:ext>
+              </a:extLst>
+            </p:cNvPr>
+            <p:cNvGrpSpPr/>
+            <p:nvPr/>
+          </p:nvGrpSpPr>
+          <p:grpSpPr>
+            <a:xfrm>
+              <a:off x="4258627" y="3430622"/>
+              <a:ext cx="1617448" cy="2489843"/>
+              <a:chOff x="7528919" y="2558428"/>
+              <a:chExt cx="1617448" cy="2489843"/>
+            </a:xfrm>
+          </p:grpSpPr>
+          <p:sp>
+            <p:nvSpPr>
+              <p:cNvPr id="120" name="Rectangle 1032">
+                <a:extLst>
+                  <a:ext uri="{FF2B5EF4-FFF2-40B4-BE49-F238E27FC236}">
+                    <a16:creationId xmlns:a16="http://schemas.microsoft.com/office/drawing/2014/main" id="{6EFFDF98-269D-392F-672E-6C24FEDEDB4A}"/>
+                  </a:ext>
+                </a:extLst>
+              </p:cNvPr>
+              <p:cNvSpPr/>
+              <p:nvPr/>
+            </p:nvSpPr>
+            <p:spPr>
+              <a:xfrm>
+                <a:off x="7544299" y="4695100"/>
+                <a:ext cx="1602068" cy="353171"/>
+              </a:xfrm>
+              <a:prstGeom prst="rect">
+                <a:avLst/>
+              </a:prstGeom>
+              <a:noFill/>
+              <a:ln w="28575">
+                <a:solidFill>
+                  <a:srgbClr val="00B0F0"/>
+                </a:solidFill>
+              </a:ln>
+            </p:spPr>
+            <p:style>
+              <a:lnRef idx="2">
+                <a:schemeClr val="accent1">
+                  <a:shade val="50000"/>
+                </a:schemeClr>
+              </a:lnRef>
+              <a:fillRef idx="1">
+                <a:schemeClr val="accent1"/>
+              </a:fillRef>
+              <a:effectRef idx="0">
+                <a:schemeClr val="accent1"/>
+              </a:effectRef>
+              <a:fontRef idx="minor">
+                <a:schemeClr val="lt1"/>
+              </a:fontRef>
+            </p:style>
+            <p:txBody>
+              <a:bodyPr rtlCol="0" anchor="ctr"/>
+              <a:lstStyle/>
+              <a:p>
+                <a:pPr algn="ctr"/>
+                <a:endParaRPr lang="en-US" dirty="0"/>
+              </a:p>
+            </p:txBody>
+          </p:sp>
+          <p:grpSp>
+            <p:nvGrpSpPr>
+              <p:cNvPr id="104" name="组合 103">
+                <a:extLst>
+                  <a:ext uri="{FF2B5EF4-FFF2-40B4-BE49-F238E27FC236}">
+                    <a16:creationId xmlns:a16="http://schemas.microsoft.com/office/drawing/2014/main" id="{CD5A54D8-4A76-5F51-79DA-90C8A1DFBA6E}"/>
+                  </a:ext>
+                </a:extLst>
+              </p:cNvPr>
+              <p:cNvGrpSpPr/>
+              <p:nvPr/>
+            </p:nvGrpSpPr>
+            <p:grpSpPr>
+              <a:xfrm>
+                <a:off x="7528919" y="2558428"/>
+                <a:ext cx="1613700" cy="2454887"/>
+                <a:chOff x="7528919" y="2558428"/>
+                <a:chExt cx="1613700" cy="2454887"/>
+              </a:xfrm>
+            </p:grpSpPr>
+            <p:sp>
+              <p:nvSpPr>
+                <p:cNvPr id="105" name="Rectangle 8">
+                  <a:extLst>
+                    <a:ext uri="{FF2B5EF4-FFF2-40B4-BE49-F238E27FC236}">
+                      <a16:creationId xmlns:a16="http://schemas.microsoft.com/office/drawing/2014/main" id="{77EDDEE5-1A43-C08E-D3B9-F2CF8C9FEDDE}"/>
+                    </a:ext>
+                  </a:extLst>
+                </p:cNvPr>
+                <p:cNvSpPr/>
+                <p:nvPr/>
+              </p:nvSpPr>
+              <p:spPr>
+                <a:xfrm>
+                  <a:off x="7540551" y="2566509"/>
+                  <a:ext cx="1602068" cy="353171"/>
+                </a:xfrm>
+                <a:prstGeom prst="rect">
+                  <a:avLst/>
+                </a:prstGeom>
+                <a:noFill/>
+                <a:ln w="28575">
+                  <a:solidFill>
+                    <a:srgbClr val="00B0F0"/>
+                  </a:solidFill>
+                </a:ln>
+              </p:spPr>
+              <p:style>
+                <a:lnRef idx="2">
+                  <a:schemeClr val="accent1">
+                    <a:shade val="50000"/>
+                  </a:schemeClr>
+                </a:lnRef>
+                <a:fillRef idx="1">
+                  <a:schemeClr val="accent1"/>
+                </a:fillRef>
+                <a:effectRef idx="0">
+                  <a:schemeClr val="accent1"/>
+                </a:effectRef>
+                <a:fontRef idx="minor">
+                  <a:schemeClr val="lt1"/>
+                </a:fontRef>
+              </p:style>
+              <p:txBody>
+                <a:bodyPr rtlCol="0" anchor="ctr"/>
+                <a:lstStyle/>
+                <a:p>
+                  <a:pPr algn="ctr"/>
+                  <a:endParaRPr lang="en-US" dirty="0"/>
+                </a:p>
+              </p:txBody>
+            </p:sp>
+            <p:pic>
+              <p:nvPicPr>
+                <p:cNvPr id="106" name="Graphic 106" descr="Heart with pulse with solid fill">
+                  <a:extLst>
+                    <a:ext uri="{FF2B5EF4-FFF2-40B4-BE49-F238E27FC236}">
+                      <a16:creationId xmlns:a16="http://schemas.microsoft.com/office/drawing/2014/main" id="{91CAF806-B2A3-7842-C64B-D99E26DB0E0F}"/>
+                    </a:ext>
+                  </a:extLst>
+                </p:cNvPr>
+                <p:cNvPicPr>
+                  <a:picLocks noChangeAspect="1"/>
+                </p:cNvPicPr>
+                <p:nvPr/>
+              </p:nvPicPr>
+              <p:blipFill>
+                <a:blip r:embed="rId6">
+                  <a:extLst>
+                    <a:ext uri="{96DAC541-7B7A-43D3-8B79-37D633B846F1}">
+                      <asvg:svgBlip xmlns:asvg="http://schemas.microsoft.com/office/drawing/2016/SVG/main" r:embed="rId7"/>
+                    </a:ext>
+                  </a:extLst>
+                </a:blip>
+                <a:stretch>
+                  <a:fillRect/>
+                </a:stretch>
+              </p:blipFill>
+              <p:spPr>
+                <a:xfrm>
+                  <a:off x="8721853" y="3123720"/>
+                  <a:ext cx="342883" cy="342883"/>
+                </a:xfrm>
+                <a:prstGeom prst="rect">
+                  <a:avLst/>
+                </a:prstGeom>
+              </p:spPr>
+            </p:pic>
+            <p:sp>
+              <p:nvSpPr>
+                <p:cNvPr id="108" name="Rectangle 10">
+                  <a:extLst>
+                    <a:ext uri="{FF2B5EF4-FFF2-40B4-BE49-F238E27FC236}">
+                      <a16:creationId xmlns:a16="http://schemas.microsoft.com/office/drawing/2014/main" id="{1B52A177-C590-47B5-5BB3-BC4C60837D65}"/>
+                    </a:ext>
+                  </a:extLst>
+                </p:cNvPr>
+                <p:cNvSpPr/>
+                <p:nvPr/>
+              </p:nvSpPr>
+              <p:spPr>
+                <a:xfrm>
+                  <a:off x="7528920" y="4161851"/>
+                  <a:ext cx="1613697" cy="353171"/>
+                </a:xfrm>
+                <a:prstGeom prst="rect">
+                  <a:avLst/>
+                </a:prstGeom>
+                <a:noFill/>
+                <a:ln w="28575">
+                  <a:solidFill>
+                    <a:srgbClr val="00B0F0"/>
+                  </a:solidFill>
+                </a:ln>
+              </p:spPr>
+              <p:style>
+                <a:lnRef idx="2">
+                  <a:schemeClr val="accent1">
+                    <a:shade val="50000"/>
+                  </a:schemeClr>
+                </a:lnRef>
+                <a:fillRef idx="1">
+                  <a:schemeClr val="accent1"/>
+                </a:fillRef>
+                <a:effectRef idx="0">
+                  <a:schemeClr val="accent1"/>
+                </a:effectRef>
+                <a:fontRef idx="minor">
+                  <a:schemeClr val="lt1"/>
+                </a:fontRef>
+              </p:style>
+              <p:txBody>
+                <a:bodyPr rtlCol="0" anchor="ctr"/>
+                <a:lstStyle/>
+                <a:p>
+                  <a:pPr algn="ctr"/>
+                  <a:endParaRPr lang="en-US" dirty="0"/>
+                </a:p>
+              </p:txBody>
+            </p:sp>
+            <p:sp>
+              <p:nvSpPr>
+                <p:cNvPr id="109" name="TextBox 91">
+                  <a:extLst>
+                    <a:ext uri="{FF2B5EF4-FFF2-40B4-BE49-F238E27FC236}">
+                      <a16:creationId xmlns:a16="http://schemas.microsoft.com/office/drawing/2014/main" id="{BECBD065-C2B1-805E-3D9F-EB2C4D91168C}"/>
+                    </a:ext>
+                  </a:extLst>
+                </p:cNvPr>
+                <p:cNvSpPr txBox="1"/>
+                <p:nvPr/>
+              </p:nvSpPr>
+              <p:spPr>
+                <a:xfrm>
+                  <a:off x="7720714" y="2558428"/>
+                  <a:ext cx="681597" cy="369332"/>
+                </a:xfrm>
+                <a:prstGeom prst="rect">
+                  <a:avLst/>
+                </a:prstGeom>
+                <a:noFill/>
+              </p:spPr>
+              <p:txBody>
+                <a:bodyPr wrap="none" rtlCol="0">
+                  <a:spAutoFit/>
+                </a:bodyPr>
+                <a:lstStyle/>
+                <a:p>
+                  <a:r>
+                    <a:rPr lang="en-US" dirty="0"/>
+                    <a:t>SpO2</a:t>
+                  </a:r>
+                </a:p>
+              </p:txBody>
+            </p:sp>
+            <p:sp>
+              <p:nvSpPr>
+                <p:cNvPr id="110" name="Rectangle 9">
+                  <a:extLst>
+                    <a:ext uri="{FF2B5EF4-FFF2-40B4-BE49-F238E27FC236}">
+                      <a16:creationId xmlns:a16="http://schemas.microsoft.com/office/drawing/2014/main" id="{8EE8F09D-6AD0-32FE-81E9-9EF4FE967EB3}"/>
+                    </a:ext>
+                  </a:extLst>
+                </p:cNvPr>
+                <p:cNvSpPr/>
+                <p:nvPr/>
+              </p:nvSpPr>
+              <p:spPr>
+                <a:xfrm>
+                  <a:off x="7534736" y="3109552"/>
+                  <a:ext cx="1607883" cy="353171"/>
+                </a:xfrm>
+                <a:prstGeom prst="rect">
+                  <a:avLst/>
+                </a:prstGeom>
+                <a:noFill/>
+                <a:ln w="28575">
+                  <a:solidFill>
+                    <a:srgbClr val="00B0F0"/>
+                  </a:solidFill>
+                </a:ln>
+              </p:spPr>
+              <p:style>
+                <a:lnRef idx="2">
+                  <a:schemeClr val="accent1">
+                    <a:shade val="50000"/>
+                  </a:schemeClr>
+                </a:lnRef>
+                <a:fillRef idx="1">
+                  <a:schemeClr val="accent1"/>
+                </a:fillRef>
+                <a:effectRef idx="0">
+                  <a:schemeClr val="accent1"/>
+                </a:effectRef>
+                <a:fontRef idx="minor">
+                  <a:schemeClr val="lt1"/>
+                </a:fontRef>
+              </p:style>
+              <p:txBody>
+                <a:bodyPr rtlCol="0" anchor="ctr"/>
+                <a:lstStyle/>
+                <a:p>
+                  <a:pPr algn="ctr"/>
+                  <a:endParaRPr lang="en-US" dirty="0"/>
+                </a:p>
+              </p:txBody>
+            </p:sp>
+            <p:sp>
+              <p:nvSpPr>
+                <p:cNvPr id="111" name="TextBox 92">
+                  <a:extLst>
+                    <a:ext uri="{FF2B5EF4-FFF2-40B4-BE49-F238E27FC236}">
+                      <a16:creationId xmlns:a16="http://schemas.microsoft.com/office/drawing/2014/main" id="{22735EE4-95FC-9624-EAA6-DEF30B337F0A}"/>
+                    </a:ext>
+                  </a:extLst>
+                </p:cNvPr>
+                <p:cNvSpPr txBox="1"/>
+                <p:nvPr/>
+              </p:nvSpPr>
+              <p:spPr>
+                <a:xfrm>
+                  <a:off x="7549725" y="3091924"/>
+                  <a:ext cx="1178846" cy="369332"/>
+                </a:xfrm>
+                <a:prstGeom prst="rect">
+                  <a:avLst/>
+                </a:prstGeom>
+                <a:noFill/>
+              </p:spPr>
+              <p:txBody>
+                <a:bodyPr wrap="square" rtlCol="0">
+                  <a:spAutoFit/>
+                </a:bodyPr>
+                <a:lstStyle/>
+                <a:p>
+                  <a:r>
+                    <a:rPr lang="en-US" dirty="0"/>
+                    <a:t>Heart Rate</a:t>
+                  </a:r>
+                </a:p>
+              </p:txBody>
+            </p:sp>
+            <p:pic>
+              <p:nvPicPr>
+                <p:cNvPr id="112" name="Picture 121" descr="Logo, icon&#10;&#10;Description automatically generated">
+                  <a:extLst>
+                    <a:ext uri="{FF2B5EF4-FFF2-40B4-BE49-F238E27FC236}">
+                      <a16:creationId xmlns:a16="http://schemas.microsoft.com/office/drawing/2014/main" id="{114B05D5-EF2A-E8AB-024B-7B15608E0CE1}"/>
+                    </a:ext>
+                  </a:extLst>
+                </p:cNvPr>
+                <p:cNvPicPr>
+                  <a:picLocks noChangeAspect="1"/>
+                </p:cNvPicPr>
+                <p:nvPr/>
+              </p:nvPicPr>
+              <p:blipFill>
+                <a:blip r:embed="rId8"/>
+                <a:stretch>
+                  <a:fillRect/>
+                </a:stretch>
+              </p:blipFill>
+              <p:spPr>
+                <a:xfrm>
+                  <a:off x="8778457" y="2593062"/>
+                  <a:ext cx="219308" cy="301549"/>
+                </a:xfrm>
+                <a:prstGeom prst="rect">
+                  <a:avLst/>
+                </a:prstGeom>
+              </p:spPr>
+            </p:pic>
+            <p:pic>
+              <p:nvPicPr>
+                <p:cNvPr id="113" name="Picture 4" descr="Accelerometer Icons - Free SVG &amp; PNG Accelerometer Images - Noun Project">
+                  <a:extLst>
+                    <a:ext uri="{FF2B5EF4-FFF2-40B4-BE49-F238E27FC236}">
+                      <a16:creationId xmlns:a16="http://schemas.microsoft.com/office/drawing/2014/main" id="{C40CF5F7-25E7-E610-04EB-5CDACB3534F8}"/>
+                    </a:ext>
+                  </a:extLst>
+                </p:cNvPr>
+                <p:cNvPicPr>
+                  <a:picLocks noChangeAspect="1" noChangeArrowheads="1"/>
+                </p:cNvPicPr>
+                <p:nvPr/>
+              </p:nvPicPr>
+              <p:blipFill>
+                <a:blip r:embed="rId9">
+                  <a:extLst>
+                    <a:ext uri="{28A0092B-C50C-407E-A947-70E740481C1C}">
+                      <a14:useLocalDpi xmlns:a14="http://schemas.microsoft.com/office/drawing/2010/main" val="0"/>
+                    </a:ext>
+                  </a:extLst>
+                </a:blip>
+                <a:srcRect/>
+                <a:stretch>
+                  <a:fillRect/>
+                </a:stretch>
+              </p:blipFill>
+              <p:spPr bwMode="auto">
+                <a:xfrm flipV="1">
+                  <a:off x="8759528" y="3688205"/>
+                  <a:ext cx="272652" cy="272652"/>
+                </a:xfrm>
+                <a:prstGeom prst="rect">
+                  <a:avLst/>
+                </a:prstGeom>
+                <a:noFill/>
+                <a:extLst>
+                  <a:ext uri="{909E8E84-426E-40DD-AFC4-6F175D3DCCD1}">
+                    <a14:hiddenFill xmlns:a14="http://schemas.microsoft.com/office/drawing/2010/main">
+                      <a:solidFill>
+                        <a:srgbClr val="FFFFFF"/>
+                      </a:solidFill>
+                    </a14:hiddenFill>
+                  </a:ext>
+                </a:extLst>
+              </p:spPr>
+            </p:pic>
+            <p:pic>
+              <p:nvPicPr>
+                <p:cNvPr id="114" name="Picture 10" descr="Gyroscope Sensor Icon - Free PNG &amp; SVG 614173 - Noun Project">
+                  <a:extLst>
+                    <a:ext uri="{FF2B5EF4-FFF2-40B4-BE49-F238E27FC236}">
+                      <a16:creationId xmlns:a16="http://schemas.microsoft.com/office/drawing/2014/main" id="{BD9EBDC8-E969-D1F6-3969-C0E1F8E64911}"/>
+                    </a:ext>
+                  </a:extLst>
+                </p:cNvPr>
+                <p:cNvPicPr>
+                  <a:picLocks noChangeAspect="1" noChangeArrowheads="1"/>
+                </p:cNvPicPr>
+                <p:nvPr/>
+              </p:nvPicPr>
+              <p:blipFill>
+                <a:blip r:embed="rId10">
+                  <a:extLst>
+                    <a:ext uri="{28A0092B-C50C-407E-A947-70E740481C1C}">
+                      <a14:useLocalDpi xmlns:a14="http://schemas.microsoft.com/office/drawing/2010/main" val="0"/>
+                    </a:ext>
+                  </a:extLst>
+                </a:blip>
+                <a:srcRect/>
+                <a:stretch>
+                  <a:fillRect/>
+                </a:stretch>
+              </p:blipFill>
+              <p:spPr bwMode="auto">
+                <a:xfrm flipH="1" flipV="1">
+                  <a:off x="8779113" y="4213861"/>
+                  <a:ext cx="235185" cy="235185"/>
+                </a:xfrm>
+                <a:prstGeom prst="rect">
+                  <a:avLst/>
+                </a:prstGeom>
+                <a:noFill/>
+                <a:extLst>
+                  <a:ext uri="{909E8E84-426E-40DD-AFC4-6F175D3DCCD1}">
+                    <a14:hiddenFill xmlns:a14="http://schemas.microsoft.com/office/drawing/2010/main">
+                      <a:solidFill>
+                        <a:srgbClr val="FFFFFF"/>
+                      </a:solidFill>
+                    </a14:hiddenFill>
+                  </a:ext>
+                </a:extLst>
+              </p:spPr>
+            </p:pic>
+            <p:pic>
+              <p:nvPicPr>
+                <p:cNvPr id="115" name="Picture 14" descr="Compass Symbol Vector Art, Icons, and Graphics for Free Download">
+                  <a:extLst>
+                    <a:ext uri="{FF2B5EF4-FFF2-40B4-BE49-F238E27FC236}">
+                      <a16:creationId xmlns:a16="http://schemas.microsoft.com/office/drawing/2014/main" id="{48831F95-F635-0CE0-C834-D22B6870D8DF}"/>
+                    </a:ext>
+                  </a:extLst>
+                </p:cNvPr>
+                <p:cNvPicPr>
+                  <a:picLocks noChangeAspect="1" noChangeArrowheads="1"/>
+                </p:cNvPicPr>
+                <p:nvPr/>
+              </p:nvPicPr>
+              <p:blipFill rotWithShape="1">
+                <a:blip r:embed="rId11">
+                  <a:extLst>
+                    <a:ext uri="{28A0092B-C50C-407E-A947-70E740481C1C}">
+                      <a14:useLocalDpi xmlns:a14="http://schemas.microsoft.com/office/drawing/2010/main" val="0"/>
+                    </a:ext>
+                  </a:extLst>
+                </a:blip>
+                <a:srcRect l="20082" t="19150" r="18637" b="19461"/>
+                <a:stretch/>
+              </p:blipFill>
+              <p:spPr bwMode="auto">
+                <a:xfrm>
+                  <a:off x="8751446" y="4733448"/>
+                  <a:ext cx="275991" cy="276474"/>
+                </a:xfrm>
+                <a:prstGeom prst="rect">
+                  <a:avLst/>
+                </a:prstGeom>
+                <a:noFill/>
+                <a:extLst>
+                  <a:ext uri="{909E8E84-426E-40DD-AFC4-6F175D3DCCD1}">
+                    <a14:hiddenFill xmlns:a14="http://schemas.microsoft.com/office/drawing/2010/main">
+                      <a:solidFill>
+                        <a:srgbClr val="FFFFFF"/>
+                      </a:solidFill>
+                    </a14:hiddenFill>
+                  </a:ext>
+                </a:extLst>
+              </p:spPr>
+            </p:pic>
+            <p:sp>
+              <p:nvSpPr>
+                <p:cNvPr id="116" name="Rectangle 125">
+                  <a:extLst>
+                    <a:ext uri="{FF2B5EF4-FFF2-40B4-BE49-F238E27FC236}">
+                      <a16:creationId xmlns:a16="http://schemas.microsoft.com/office/drawing/2014/main" id="{8AE4E607-DB62-232C-2364-A78483CFE41A}"/>
+                    </a:ext>
+                  </a:extLst>
+                </p:cNvPr>
+                <p:cNvSpPr/>
+                <p:nvPr/>
+              </p:nvSpPr>
+              <p:spPr>
+                <a:xfrm>
+                  <a:off x="7528920" y="3644516"/>
+                  <a:ext cx="1607884" cy="353171"/>
+                </a:xfrm>
+                <a:prstGeom prst="rect">
+                  <a:avLst/>
+                </a:prstGeom>
+                <a:noFill/>
+                <a:ln w="28575">
+                  <a:solidFill>
+                    <a:srgbClr val="00B0F0"/>
+                  </a:solidFill>
+                </a:ln>
+              </p:spPr>
+              <p:style>
+                <a:lnRef idx="2">
+                  <a:schemeClr val="accent1">
+                    <a:shade val="50000"/>
+                  </a:schemeClr>
+                </a:lnRef>
+                <a:fillRef idx="1">
+                  <a:schemeClr val="accent1"/>
+                </a:fillRef>
+                <a:effectRef idx="0">
+                  <a:schemeClr val="accent1"/>
+                </a:effectRef>
+                <a:fontRef idx="minor">
+                  <a:schemeClr val="lt1"/>
+                </a:fontRef>
+              </p:style>
+              <p:txBody>
+                <a:bodyPr rtlCol="0" anchor="ctr"/>
+                <a:lstStyle/>
+                <a:p>
+                  <a:pPr algn="ctr"/>
+                  <a:endParaRPr lang="en-US" dirty="0"/>
+                </a:p>
+              </p:txBody>
+            </p:sp>
+            <p:sp>
+              <p:nvSpPr>
+                <p:cNvPr id="117" name="TextBox 1023">
+                  <a:extLst>
+                    <a:ext uri="{FF2B5EF4-FFF2-40B4-BE49-F238E27FC236}">
+                      <a16:creationId xmlns:a16="http://schemas.microsoft.com/office/drawing/2014/main" id="{03457CAF-2A70-3141-764B-94A994723038}"/>
+                    </a:ext>
+                  </a:extLst>
+                </p:cNvPr>
+                <p:cNvSpPr txBox="1"/>
+                <p:nvPr/>
+              </p:nvSpPr>
+              <p:spPr>
+                <a:xfrm>
+                  <a:off x="7528919" y="3670642"/>
+                  <a:ext cx="1257717" cy="307777"/>
+                </a:xfrm>
+                <a:prstGeom prst="rect">
+                  <a:avLst/>
+                </a:prstGeom>
+                <a:noFill/>
+              </p:spPr>
+              <p:txBody>
+                <a:bodyPr wrap="none" rtlCol="0">
+                  <a:spAutoFit/>
+                </a:bodyPr>
+                <a:lstStyle/>
+                <a:p>
+                  <a:r>
+                    <a:rPr lang="en-US" sz="1400" dirty="0"/>
+                    <a:t>Accelerometer</a:t>
+                  </a:r>
+                </a:p>
+              </p:txBody>
+            </p:sp>
+            <p:sp>
+              <p:nvSpPr>
+                <p:cNvPr id="118" name="TextBox 1050">
+                  <a:extLst>
+                    <a:ext uri="{FF2B5EF4-FFF2-40B4-BE49-F238E27FC236}">
+                      <a16:creationId xmlns:a16="http://schemas.microsoft.com/office/drawing/2014/main" id="{954B9B71-1A0E-22F7-7F8E-50AAA4439442}"/>
+                    </a:ext>
+                  </a:extLst>
+                </p:cNvPr>
+                <p:cNvSpPr txBox="1"/>
+                <p:nvPr/>
+              </p:nvSpPr>
+              <p:spPr>
+                <a:xfrm>
+                  <a:off x="7534736" y="4175065"/>
+                  <a:ext cx="955133" cy="307777"/>
+                </a:xfrm>
+                <a:prstGeom prst="rect">
+                  <a:avLst/>
+                </a:prstGeom>
+                <a:noFill/>
+              </p:spPr>
+              <p:txBody>
+                <a:bodyPr wrap="none" rtlCol="0">
+                  <a:spAutoFit/>
+                </a:bodyPr>
+                <a:lstStyle/>
+                <a:p>
+                  <a:r>
+                    <a:rPr lang="en-US" sz="1400" dirty="0"/>
+                    <a:t>Gyroscope</a:t>
+                  </a:r>
+                </a:p>
+              </p:txBody>
+            </p:sp>
+            <p:sp>
+              <p:nvSpPr>
+                <p:cNvPr id="119" name="TextBox 1051">
+                  <a:extLst>
+                    <a:ext uri="{FF2B5EF4-FFF2-40B4-BE49-F238E27FC236}">
+                      <a16:creationId xmlns:a16="http://schemas.microsoft.com/office/drawing/2014/main" id="{D352DDB4-A2CD-19E5-D594-B42834232E28}"/>
+                    </a:ext>
+                  </a:extLst>
+                </p:cNvPr>
+                <p:cNvSpPr txBox="1"/>
+                <p:nvPr/>
+              </p:nvSpPr>
+              <p:spPr>
+                <a:xfrm>
+                  <a:off x="7569567" y="4705538"/>
+                  <a:ext cx="840295" cy="307777"/>
+                </a:xfrm>
+                <a:prstGeom prst="rect">
+                  <a:avLst/>
+                </a:prstGeom>
+                <a:noFill/>
+              </p:spPr>
+              <p:txBody>
+                <a:bodyPr wrap="none" rtlCol="0">
+                  <a:spAutoFit/>
+                </a:bodyPr>
+                <a:lstStyle/>
+                <a:p>
+                  <a:r>
+                    <a:rPr lang="en-US" sz="1400" dirty="0"/>
+                    <a:t>Compass</a:t>
+                  </a:r>
+                </a:p>
+              </p:txBody>
+            </p:sp>
+          </p:grpSp>
+        </p:grpSp>
+        <p:cxnSp>
+          <p:nvCxnSpPr>
+            <p:cNvPr id="123" name="Straight Arrow Connector 79">
+              <a:extLst>
+                <a:ext uri="{FF2B5EF4-FFF2-40B4-BE49-F238E27FC236}">
+                  <a16:creationId xmlns:a16="http://schemas.microsoft.com/office/drawing/2014/main" id="{5E2E7BC6-5D26-4874-7B4D-1B508C50F849}"/>
+                </a:ext>
+              </a:extLst>
+            </p:cNvPr>
+            <p:cNvCxnSpPr>
+              <a:cxnSpLocks/>
+              <a:stCxn id="21" idx="2"/>
+            </p:cNvCxnSpPr>
+            <p:nvPr/>
+          </p:nvCxnSpPr>
+          <p:spPr>
+            <a:xfrm flipV="1">
+              <a:off x="4027567" y="3604763"/>
+              <a:ext cx="247387" cy="1"/>
+            </a:xfrm>
+            <a:prstGeom prst="straightConnector1">
+              <a:avLst/>
+            </a:prstGeom>
+            <a:ln w="25400">
+              <a:solidFill>
+                <a:srgbClr val="00B0F0"/>
+              </a:solidFill>
+              <a:tailEnd type="none"/>
+            </a:ln>
+          </p:spPr>
+          <p:style>
+            <a:lnRef idx="1">
+              <a:schemeClr val="accent1"/>
+            </a:lnRef>
+            <a:fillRef idx="0">
+              <a:schemeClr val="accent1"/>
+            </a:fillRef>
+            <a:effectRef idx="0">
+              <a:schemeClr val="accent1"/>
+            </a:effectRef>
+            <a:fontRef idx="minor">
+              <a:schemeClr val="tx1"/>
+            </a:fontRef>
+          </p:style>
+        </p:cxnSp>
+      </p:grpSp>
+    </p:spTree>
+    <p:extLst>
+      <p:ext uri="{BB962C8B-B14F-4D97-AF65-F5344CB8AC3E}">
+        <p14:creationId xmlns:p14="http://schemas.microsoft.com/office/powerpoint/2010/main" val="2000905434"/>
       </p:ext>
     </p:extLst>
   </p:cSld>
